--- a/Data and code/2. Step 2 SEM model.pptx
+++ b/Data and code/2. Step 2 SEM model.pptx
@@ -5,16 +5,17 @@
     <p:sldMasterId id="2147483648" r:id="rId1"/>
   </p:sldMasterIdLst>
   <p:notesMasterIdLst>
-    <p:notesMasterId r:id="rId9"/>
+    <p:notesMasterId r:id="rId10"/>
   </p:notesMasterIdLst>
   <p:sldIdLst>
     <p:sldId id="291" r:id="rId2"/>
     <p:sldId id="286" r:id="rId3"/>
-    <p:sldId id="294" r:id="rId4"/>
-    <p:sldId id="296" r:id="rId5"/>
-    <p:sldId id="297" r:id="rId6"/>
-    <p:sldId id="298" r:id="rId7"/>
-    <p:sldId id="293" r:id="rId8"/>
+    <p:sldId id="299" r:id="rId4"/>
+    <p:sldId id="294" r:id="rId5"/>
+    <p:sldId id="296" r:id="rId6"/>
+    <p:sldId id="297" r:id="rId7"/>
+    <p:sldId id="298" r:id="rId8"/>
+    <p:sldId id="293" r:id="rId9"/>
   </p:sldIdLst>
   <p:sldSz cx="12192000" cy="6858000"/>
   <p:notesSz cx="6858000" cy="9144000"/>
@@ -215,7 +216,7 @@
           <a:p>
             <a:fld id="{C1946420-7CE3-464C-89E2-43C378811D34}" type="datetimeFigureOut">
               <a:rPr lang="zh-CN" altLang="en-US" smtClean="0"/>
-              <a:t>2021/6/3</a:t>
+              <a:t>2021/6/7</a:t>
             </a:fld>
             <a:endParaRPr lang="zh-CN" altLang="en-US"/>
           </a:p>
@@ -566,6 +567,90 @@
 </p:notes>
 </file>
 
+<file path=ppt/notesSlides/notesSlide2.xml><?xml version="1.0" encoding="utf-8"?>
+<p:notes xmlns:a="http://schemas.openxmlformats.org/drawingml/2006/main" xmlns:r="http://schemas.openxmlformats.org/officeDocument/2006/relationships" xmlns:p="http://schemas.openxmlformats.org/presentationml/2006/main">
+  <p:cSld>
+    <p:spTree>
+      <p:nvGrpSpPr>
+        <p:cNvPr id="1" name=""/>
+        <p:cNvGrpSpPr/>
+        <p:nvPr/>
+      </p:nvGrpSpPr>
+      <p:grpSpPr>
+        <a:xfrm>
+          <a:off x="0" y="0"/>
+          <a:ext cx="0" cy="0"/>
+          <a:chOff x="0" y="0"/>
+          <a:chExt cx="0" cy="0"/>
+        </a:xfrm>
+      </p:grpSpPr>
+      <p:sp>
+        <p:nvSpPr>
+          <p:cNvPr id="2" name="幻灯片图像占位符 1"/>
+          <p:cNvSpPr>
+            <a:spLocks noGrp="1" noRot="1" noChangeAspect="1"/>
+          </p:cNvSpPr>
+          <p:nvPr>
+            <p:ph type="sldImg"/>
+          </p:nvPr>
+        </p:nvSpPr>
+        <p:spPr/>
+      </p:sp>
+      <p:sp>
+        <p:nvSpPr>
+          <p:cNvPr id="3" name="备注占位符 2"/>
+          <p:cNvSpPr>
+            <a:spLocks noGrp="1"/>
+          </p:cNvSpPr>
+          <p:nvPr>
+            <p:ph type="body" idx="1"/>
+          </p:nvPr>
+        </p:nvSpPr>
+        <p:spPr/>
+        <p:txBody>
+          <a:bodyPr/>
+          <a:lstStyle/>
+          <a:p>
+            <a:endParaRPr lang="zh-CN" altLang="en-US" dirty="0"/>
+          </a:p>
+        </p:txBody>
+      </p:sp>
+      <p:sp>
+        <p:nvSpPr>
+          <p:cNvPr id="4" name="灯片编号占位符 3"/>
+          <p:cNvSpPr>
+            <a:spLocks noGrp="1"/>
+          </p:cNvSpPr>
+          <p:nvPr>
+            <p:ph type="sldNum" sz="quarter" idx="5"/>
+          </p:nvPr>
+        </p:nvSpPr>
+        <p:spPr/>
+        <p:txBody>
+          <a:bodyPr/>
+          <a:lstStyle/>
+          <a:p>
+            <a:fld id="{92FDC154-C6EE-4AAC-A867-F30B9CF35921}" type="slidenum">
+              <a:rPr lang="zh-CN" altLang="en-US" smtClean="0"/>
+              <a:t>3</a:t>
+            </a:fld>
+            <a:endParaRPr lang="zh-CN" altLang="en-US"/>
+          </a:p>
+        </p:txBody>
+      </p:sp>
+    </p:spTree>
+    <p:extLst>
+      <p:ext uri="{BB962C8B-B14F-4D97-AF65-F5344CB8AC3E}">
+        <p14:creationId xmlns:p14="http://schemas.microsoft.com/office/powerpoint/2010/main" val="3471249540"/>
+      </p:ext>
+    </p:extLst>
+  </p:cSld>
+  <p:clrMapOvr>
+    <a:masterClrMapping/>
+  </p:clrMapOvr>
+</p:notes>
+</file>
+
 <file path=ppt/slideLayouts/slideLayout1.xml><?xml version="1.0" encoding="utf-8"?>
 <p:sldLayout xmlns:a="http://schemas.openxmlformats.org/drawingml/2006/main" xmlns:r="http://schemas.openxmlformats.org/officeDocument/2006/relationships" xmlns:p="http://schemas.openxmlformats.org/presentationml/2006/main" type="title" preserve="1">
   <p:cSld name="标题幻灯片">
@@ -713,7 +798,7 @@
           <a:p>
             <a:fld id="{2912BE41-10D4-4869-9368-4ED868C2FCF5}" type="datetimeFigureOut">
               <a:rPr lang="zh-CN" altLang="en-US" smtClean="0"/>
-              <a:t>2021/6/3</a:t>
+              <a:t>2021/6/7</a:t>
             </a:fld>
             <a:endParaRPr lang="zh-CN" altLang="en-US"/>
           </a:p>
@@ -911,7 +996,7 @@
           <a:p>
             <a:fld id="{2912BE41-10D4-4869-9368-4ED868C2FCF5}" type="datetimeFigureOut">
               <a:rPr lang="zh-CN" altLang="en-US" smtClean="0"/>
-              <a:t>2021/6/3</a:t>
+              <a:t>2021/6/7</a:t>
             </a:fld>
             <a:endParaRPr lang="zh-CN" altLang="en-US"/>
           </a:p>
@@ -1119,7 +1204,7 @@
           <a:p>
             <a:fld id="{2912BE41-10D4-4869-9368-4ED868C2FCF5}" type="datetimeFigureOut">
               <a:rPr lang="zh-CN" altLang="en-US" smtClean="0"/>
-              <a:t>2021/6/3</a:t>
+              <a:t>2021/6/7</a:t>
             </a:fld>
             <a:endParaRPr lang="zh-CN" altLang="en-US"/>
           </a:p>
@@ -1317,7 +1402,7 @@
           <a:p>
             <a:fld id="{2912BE41-10D4-4869-9368-4ED868C2FCF5}" type="datetimeFigureOut">
               <a:rPr lang="zh-CN" altLang="en-US" smtClean="0"/>
-              <a:t>2021/6/3</a:t>
+              <a:t>2021/6/7</a:t>
             </a:fld>
             <a:endParaRPr lang="zh-CN" altLang="en-US"/>
           </a:p>
@@ -1592,7 +1677,7 @@
           <a:p>
             <a:fld id="{2912BE41-10D4-4869-9368-4ED868C2FCF5}" type="datetimeFigureOut">
               <a:rPr lang="zh-CN" altLang="en-US" smtClean="0"/>
-              <a:t>2021/6/3</a:t>
+              <a:t>2021/6/7</a:t>
             </a:fld>
             <a:endParaRPr lang="zh-CN" altLang="en-US"/>
           </a:p>
@@ -1857,7 +1942,7 @@
           <a:p>
             <a:fld id="{2912BE41-10D4-4869-9368-4ED868C2FCF5}" type="datetimeFigureOut">
               <a:rPr lang="zh-CN" altLang="en-US" smtClean="0"/>
-              <a:t>2021/6/3</a:t>
+              <a:t>2021/6/7</a:t>
             </a:fld>
             <a:endParaRPr lang="zh-CN" altLang="en-US"/>
           </a:p>
@@ -2269,7 +2354,7 @@
           <a:p>
             <a:fld id="{2912BE41-10D4-4869-9368-4ED868C2FCF5}" type="datetimeFigureOut">
               <a:rPr lang="zh-CN" altLang="en-US" smtClean="0"/>
-              <a:t>2021/6/3</a:t>
+              <a:t>2021/6/7</a:t>
             </a:fld>
             <a:endParaRPr lang="zh-CN" altLang="en-US"/>
           </a:p>
@@ -2410,7 +2495,7 @@
           <a:p>
             <a:fld id="{2912BE41-10D4-4869-9368-4ED868C2FCF5}" type="datetimeFigureOut">
               <a:rPr lang="zh-CN" altLang="en-US" smtClean="0"/>
-              <a:t>2021/6/3</a:t>
+              <a:t>2021/6/7</a:t>
             </a:fld>
             <a:endParaRPr lang="zh-CN" altLang="en-US"/>
           </a:p>
@@ -2523,7 +2608,7 @@
           <a:p>
             <a:fld id="{2912BE41-10D4-4869-9368-4ED868C2FCF5}" type="datetimeFigureOut">
               <a:rPr lang="zh-CN" altLang="en-US" smtClean="0"/>
-              <a:t>2021/6/3</a:t>
+              <a:t>2021/6/7</a:t>
             </a:fld>
             <a:endParaRPr lang="zh-CN" altLang="en-US"/>
           </a:p>
@@ -2834,7 +2919,7 @@
           <a:p>
             <a:fld id="{2912BE41-10D4-4869-9368-4ED868C2FCF5}" type="datetimeFigureOut">
               <a:rPr lang="zh-CN" altLang="en-US" smtClean="0"/>
-              <a:t>2021/6/3</a:t>
+              <a:t>2021/6/7</a:t>
             </a:fld>
             <a:endParaRPr lang="zh-CN" altLang="en-US"/>
           </a:p>
@@ -3122,7 +3207,7 @@
           <a:p>
             <a:fld id="{2912BE41-10D4-4869-9368-4ED868C2FCF5}" type="datetimeFigureOut">
               <a:rPr lang="zh-CN" altLang="en-US" smtClean="0"/>
-              <a:t>2021/6/3</a:t>
+              <a:t>2021/6/7</a:t>
             </a:fld>
             <a:endParaRPr lang="zh-CN" altLang="en-US"/>
           </a:p>
@@ -3363,7 +3448,7 @@
           <a:p>
             <a:fld id="{2912BE41-10D4-4869-9368-4ED868C2FCF5}" type="datetimeFigureOut">
               <a:rPr lang="zh-CN" altLang="en-US" smtClean="0"/>
-              <a:t>2021/6/3</a:t>
+              <a:t>2021/6/7</a:t>
             </a:fld>
             <a:endParaRPr lang="zh-CN" altLang="en-US"/>
           </a:p>
@@ -4565,6 +4650,114 @@
       </p:grpSpPr>
       <p:sp>
         <p:nvSpPr>
+          <p:cNvPr id="3" name="矩形 2">
+            <a:extLst>
+              <a:ext uri="{FF2B5EF4-FFF2-40B4-BE49-F238E27FC236}">
+                <a16:creationId xmlns:a16="http://schemas.microsoft.com/office/drawing/2014/main" id="{AF68A0BC-E583-4681-A948-553282AE9B63}"/>
+              </a:ext>
+            </a:extLst>
+          </p:cNvPr>
+          <p:cNvSpPr/>
+          <p:nvPr/>
+        </p:nvSpPr>
+        <p:spPr>
+          <a:xfrm>
+            <a:off x="-29090" y="-1"/>
+            <a:ext cx="16516865" cy="6315075"/>
+          </a:xfrm>
+          <a:prstGeom prst="rect">
+            <a:avLst/>
+          </a:prstGeom>
+          <a:solidFill>
+            <a:schemeClr val="bg1"/>
+          </a:solidFill>
+          <a:ln w="19050">
+            <a:solidFill>
+              <a:schemeClr val="tx1"/>
+            </a:solidFill>
+          </a:ln>
+        </p:spPr>
+        <p:style>
+          <a:lnRef idx="2">
+            <a:schemeClr val="accent1">
+              <a:shade val="50000"/>
+            </a:schemeClr>
+          </a:lnRef>
+          <a:fillRef idx="1">
+            <a:schemeClr val="accent1"/>
+          </a:fillRef>
+          <a:effectRef idx="0">
+            <a:schemeClr val="accent1"/>
+          </a:effectRef>
+          <a:fontRef idx="minor">
+            <a:schemeClr val="lt1"/>
+          </a:fontRef>
+        </p:style>
+        <p:txBody>
+          <a:bodyPr rtlCol="0" anchor="ctr"/>
+          <a:lstStyle/>
+          <a:p>
+            <a:pPr algn="ctr"/>
+            <a:endParaRPr lang="zh-CN" altLang="en-US"/>
+          </a:p>
+        </p:txBody>
+      </p:sp>
+      <p:sp>
+        <p:nvSpPr>
+          <p:cNvPr id="80" name="矩形 79">
+            <a:extLst>
+              <a:ext uri="{FF2B5EF4-FFF2-40B4-BE49-F238E27FC236}">
+                <a16:creationId xmlns:a16="http://schemas.microsoft.com/office/drawing/2014/main" id="{9FCF8910-7891-4E72-800D-1A226B142599}"/>
+              </a:ext>
+            </a:extLst>
+          </p:cNvPr>
+          <p:cNvSpPr/>
+          <p:nvPr/>
+        </p:nvSpPr>
+        <p:spPr>
+          <a:xfrm>
+            <a:off x="-63214" y="-1"/>
+            <a:ext cx="8078497" cy="6315075"/>
+          </a:xfrm>
+          <a:prstGeom prst="rect">
+            <a:avLst/>
+          </a:prstGeom>
+          <a:solidFill>
+            <a:schemeClr val="bg1"/>
+          </a:solidFill>
+          <a:ln w="19050">
+            <a:solidFill>
+              <a:schemeClr val="tx1"/>
+            </a:solidFill>
+          </a:ln>
+        </p:spPr>
+        <p:style>
+          <a:lnRef idx="2">
+            <a:schemeClr val="accent1">
+              <a:shade val="50000"/>
+            </a:schemeClr>
+          </a:lnRef>
+          <a:fillRef idx="1">
+            <a:schemeClr val="accent1"/>
+          </a:fillRef>
+          <a:effectRef idx="0">
+            <a:schemeClr val="accent1"/>
+          </a:effectRef>
+          <a:fontRef idx="minor">
+            <a:schemeClr val="lt1"/>
+          </a:fontRef>
+        </p:style>
+        <p:txBody>
+          <a:bodyPr rtlCol="0" anchor="ctr"/>
+          <a:lstStyle/>
+          <a:p>
+            <a:pPr algn="ctr"/>
+            <a:endParaRPr lang="zh-CN" altLang="en-US"/>
+          </a:p>
+        </p:txBody>
+      </p:sp>
+      <p:sp>
+        <p:nvSpPr>
           <p:cNvPr id="25" name="文本框 24">
             <a:extLst>
               <a:ext uri="{FF2B5EF4-FFF2-40B4-BE49-F238E27FC236}">
@@ -4577,7 +4770,7 @@
         </p:nvSpPr>
         <p:spPr>
           <a:xfrm>
-            <a:off x="7867067" y="239844"/>
+            <a:off x="6330419" y="-1967171"/>
             <a:ext cx="3908442" cy="523220"/>
           </a:xfrm>
           <a:prstGeom prst="rect">
@@ -4634,7 +4827,7 @@
         </p:nvCxnSpPr>
         <p:spPr>
           <a:xfrm>
-            <a:off x="4955823" y="2313697"/>
+            <a:off x="3467202" y="2257708"/>
             <a:ext cx="889602" cy="830864"/>
           </a:xfrm>
           <a:prstGeom prst="straightConnector1">
@@ -4682,7 +4875,7 @@
         </p:nvCxnSpPr>
         <p:spPr>
           <a:xfrm flipH="1">
-            <a:off x="5754914" y="4062415"/>
+            <a:off x="4266293" y="4006426"/>
             <a:ext cx="899066" cy="974231"/>
           </a:xfrm>
           <a:prstGeom prst="straightConnector1">
@@ -4693,7 +4886,7 @@
             <a:solidFill>
               <a:schemeClr val="tx1"/>
             </a:solidFill>
-            <a:prstDash val="dash"/>
+            <a:prstDash val="solid"/>
             <a:tailEnd type="arrow"/>
           </a:ln>
         </p:spPr>
@@ -4731,7 +4924,7 @@
         </p:nvCxnSpPr>
         <p:spPr>
           <a:xfrm>
-            <a:off x="2654248" y="4062415"/>
+            <a:off x="1165627" y="4006426"/>
             <a:ext cx="1329923" cy="974231"/>
           </a:xfrm>
           <a:prstGeom prst="straightConnector1">
@@ -4742,7 +4935,7 @@
             <a:solidFill>
               <a:schemeClr val="tx1"/>
             </a:solidFill>
-            <a:prstDash val="dash"/>
+            <a:prstDash val="solid"/>
             <a:tailEnd type="arrow"/>
           </a:ln>
         </p:spPr>
@@ -4780,7 +4973,664 @@
         </p:nvCxnSpPr>
         <p:spPr>
           <a:xfrm flipV="1">
-            <a:off x="7470286" y="2313697"/>
+            <a:off x="5981665" y="2257708"/>
+            <a:ext cx="811809" cy="863284"/>
+          </a:xfrm>
+          <a:prstGeom prst="straightConnector1">
+            <a:avLst/>
+          </a:prstGeom>
+          <a:noFill/>
+          <a:ln w="19050">
+            <a:solidFill>
+              <a:schemeClr val="tx1"/>
+            </a:solidFill>
+            <a:prstDash val="solid"/>
+            <a:headEnd type="arrow"/>
+            <a:tailEnd type="none"/>
+          </a:ln>
+        </p:spPr>
+        <p:style>
+          <a:lnRef idx="2">
+            <a:schemeClr val="accent1">
+              <a:shade val="50000"/>
+            </a:schemeClr>
+          </a:lnRef>
+          <a:fillRef idx="1">
+            <a:schemeClr val="accent1"/>
+          </a:fillRef>
+          <a:effectRef idx="0">
+            <a:schemeClr val="accent1"/>
+          </a:effectRef>
+          <a:fontRef idx="minor">
+            <a:schemeClr val="lt1"/>
+          </a:fontRef>
+        </p:style>
+      </p:cxnSp>
+      <p:sp>
+        <p:nvSpPr>
+          <p:cNvPr id="40" name="流程图: 准备 39">
+            <a:extLst>
+              <a:ext uri="{FF2B5EF4-FFF2-40B4-BE49-F238E27FC236}">
+                <a16:creationId xmlns:a16="http://schemas.microsoft.com/office/drawing/2014/main" id="{49ED55FD-A180-4E71-AA76-F3A5817732A5}"/>
+              </a:ext>
+            </a:extLst>
+          </p:cNvPr>
+          <p:cNvSpPr/>
+          <p:nvPr/>
+        </p:nvSpPr>
+        <p:spPr>
+          <a:xfrm>
+            <a:off x="2415360" y="1356008"/>
+            <a:ext cx="2103684" cy="901700"/>
+          </a:xfrm>
+          <a:prstGeom prst="flowChartPreparation">
+            <a:avLst/>
+          </a:prstGeom>
+          <a:noFill/>
+          <a:ln w="19050">
+            <a:solidFill>
+              <a:schemeClr val="tx1"/>
+            </a:solidFill>
+          </a:ln>
+        </p:spPr>
+        <p:style>
+          <a:lnRef idx="2">
+            <a:schemeClr val="accent1">
+              <a:shade val="50000"/>
+            </a:schemeClr>
+          </a:lnRef>
+          <a:fillRef idx="1">
+            <a:schemeClr val="accent1"/>
+          </a:fillRef>
+          <a:effectRef idx="0">
+            <a:schemeClr val="accent1"/>
+          </a:effectRef>
+          <a:fontRef idx="minor">
+            <a:schemeClr val="lt1"/>
+          </a:fontRef>
+        </p:style>
+        <p:txBody>
+          <a:bodyPr rtlCol="0" anchor="ctr"/>
+          <a:lstStyle/>
+          <a:p>
+            <a:pPr algn="ctr"/>
+            <a:r>
+              <a:rPr lang="en-US" altLang="zh-CN" sz="2200" dirty="0">
+                <a:solidFill>
+                  <a:schemeClr val="tx1"/>
+                </a:solidFill>
+                <a:latin typeface="Times New Roman" panose="02020603050405020304" pitchFamily="18" charset="0"/>
+                <a:cs typeface="Times New Roman" panose="02020603050405020304" pitchFamily="18" charset="0"/>
+              </a:rPr>
+              <a:t>Drought</a:t>
+            </a:r>
+          </a:p>
+        </p:txBody>
+      </p:sp>
+      <p:sp>
+        <p:nvSpPr>
+          <p:cNvPr id="41" name="流程图: 准备 40">
+            <a:extLst>
+              <a:ext uri="{FF2B5EF4-FFF2-40B4-BE49-F238E27FC236}">
+                <a16:creationId xmlns:a16="http://schemas.microsoft.com/office/drawing/2014/main" id="{A075ACB0-1BB7-424F-B05C-30809BE62A16}"/>
+              </a:ext>
+            </a:extLst>
+          </p:cNvPr>
+          <p:cNvSpPr/>
+          <p:nvPr/>
+        </p:nvSpPr>
+        <p:spPr>
+          <a:xfrm>
+            <a:off x="113785" y="3104726"/>
+            <a:ext cx="2103684" cy="901700"/>
+          </a:xfrm>
+          <a:prstGeom prst="flowChartPreparation">
+            <a:avLst/>
+          </a:prstGeom>
+          <a:noFill/>
+          <a:ln w="19050">
+            <a:solidFill>
+              <a:schemeClr val="tx1"/>
+            </a:solidFill>
+          </a:ln>
+        </p:spPr>
+        <p:style>
+          <a:lnRef idx="2">
+            <a:schemeClr val="accent1">
+              <a:shade val="50000"/>
+            </a:schemeClr>
+          </a:lnRef>
+          <a:fillRef idx="1">
+            <a:schemeClr val="accent1"/>
+          </a:fillRef>
+          <a:effectRef idx="0">
+            <a:schemeClr val="accent1"/>
+          </a:effectRef>
+          <a:fontRef idx="minor">
+            <a:schemeClr val="lt1"/>
+          </a:fontRef>
+        </p:style>
+        <p:txBody>
+          <a:bodyPr rtlCol="0" anchor="ctr"/>
+          <a:lstStyle/>
+          <a:p>
+            <a:pPr algn="ctr"/>
+            <a:r>
+              <a:rPr lang="en-US" altLang="zh-CN" sz="2200" dirty="0">
+                <a:solidFill>
+                  <a:schemeClr val="tx1"/>
+                </a:solidFill>
+                <a:latin typeface="Times New Roman" panose="02020603050405020304" pitchFamily="18" charset="0"/>
+                <a:cs typeface="Times New Roman" panose="02020603050405020304" pitchFamily="18" charset="0"/>
+              </a:rPr>
+              <a:t>Warming</a:t>
+            </a:r>
+            <a:endParaRPr lang="zh-CN" altLang="en-US" sz="2200" dirty="0">
+              <a:solidFill>
+                <a:schemeClr val="tx1"/>
+              </a:solidFill>
+              <a:latin typeface="Times New Roman" panose="02020603050405020304" pitchFamily="18" charset="0"/>
+              <a:cs typeface="Times New Roman" panose="02020603050405020304" pitchFamily="18" charset="0"/>
+            </a:endParaRPr>
+          </a:p>
+        </p:txBody>
+      </p:sp>
+      <p:sp>
+        <p:nvSpPr>
+          <p:cNvPr id="42" name="流程图: 准备 41">
+            <a:extLst>
+              <a:ext uri="{FF2B5EF4-FFF2-40B4-BE49-F238E27FC236}">
+                <a16:creationId xmlns:a16="http://schemas.microsoft.com/office/drawing/2014/main" id="{3D2C99C2-E779-4C0E-887C-500E5898EA80}"/>
+              </a:ext>
+            </a:extLst>
+          </p:cNvPr>
+          <p:cNvSpPr/>
+          <p:nvPr/>
+        </p:nvSpPr>
+        <p:spPr>
+          <a:xfrm>
+            <a:off x="3332439" y="3104726"/>
+            <a:ext cx="3665839" cy="901700"/>
+          </a:xfrm>
+          <a:prstGeom prst="flowChartPreparation">
+            <a:avLst/>
+          </a:prstGeom>
+          <a:noFill/>
+          <a:ln w="19050">
+            <a:solidFill>
+              <a:schemeClr val="tx1"/>
+            </a:solidFill>
+          </a:ln>
+        </p:spPr>
+        <p:style>
+          <a:lnRef idx="2">
+            <a:schemeClr val="accent1">
+              <a:shade val="50000"/>
+            </a:schemeClr>
+          </a:lnRef>
+          <a:fillRef idx="1">
+            <a:schemeClr val="accent1"/>
+          </a:fillRef>
+          <a:effectRef idx="0">
+            <a:schemeClr val="accent1"/>
+          </a:effectRef>
+          <a:fontRef idx="minor">
+            <a:schemeClr val="lt1"/>
+          </a:fontRef>
+        </p:style>
+        <p:txBody>
+          <a:bodyPr rtlCol="0" anchor="ctr"/>
+          <a:lstStyle/>
+          <a:p>
+            <a:pPr algn="ctr"/>
+            <a:r>
+              <a:rPr lang="en-US" altLang="zh-CN" sz="2200" dirty="0">
+                <a:solidFill>
+                  <a:schemeClr val="tx1"/>
+                </a:solidFill>
+                <a:latin typeface="Times New Roman" panose="02020603050405020304" pitchFamily="18" charset="0"/>
+                <a:cs typeface="Times New Roman" panose="02020603050405020304" pitchFamily="18" charset="0"/>
+              </a:rPr>
+              <a:t>Water availability</a:t>
+            </a:r>
+          </a:p>
+        </p:txBody>
+      </p:sp>
+      <p:cxnSp>
+        <p:nvCxnSpPr>
+          <p:cNvPr id="45" name="直接箭头连接符 44">
+            <a:extLst>
+              <a:ext uri="{FF2B5EF4-FFF2-40B4-BE49-F238E27FC236}">
+                <a16:creationId xmlns:a16="http://schemas.microsoft.com/office/drawing/2014/main" id="{CECA9A03-7C13-40BD-87D7-37CD7D0797D6}"/>
+              </a:ext>
+            </a:extLst>
+          </p:cNvPr>
+          <p:cNvCxnSpPr>
+            <a:cxnSpLocks/>
+            <a:stCxn id="41" idx="0"/>
+            <a:endCxn id="40" idx="1"/>
+          </p:cNvCxnSpPr>
+          <p:nvPr/>
+        </p:nvCxnSpPr>
+        <p:spPr>
+          <a:xfrm flipV="1">
+            <a:off x="1165627" y="1806858"/>
+            <a:ext cx="1249733" cy="1297868"/>
+          </a:xfrm>
+          <a:prstGeom prst="straightConnector1">
+            <a:avLst/>
+          </a:prstGeom>
+          <a:noFill/>
+          <a:ln w="19050">
+            <a:solidFill>
+              <a:schemeClr val="tx1"/>
+            </a:solidFill>
+            <a:prstDash val="solid"/>
+            <a:tailEnd type="arrow"/>
+          </a:ln>
+        </p:spPr>
+        <p:style>
+          <a:lnRef idx="2">
+            <a:schemeClr val="accent1">
+              <a:shade val="50000"/>
+            </a:schemeClr>
+          </a:lnRef>
+          <a:fillRef idx="1">
+            <a:schemeClr val="accent1"/>
+          </a:fillRef>
+          <a:effectRef idx="0">
+            <a:schemeClr val="accent1"/>
+          </a:effectRef>
+          <a:fontRef idx="minor">
+            <a:schemeClr val="lt1"/>
+          </a:fontRef>
+        </p:style>
+      </p:cxnSp>
+      <p:cxnSp>
+        <p:nvCxnSpPr>
+          <p:cNvPr id="46" name="直接箭头连接符 45">
+            <a:extLst>
+              <a:ext uri="{FF2B5EF4-FFF2-40B4-BE49-F238E27FC236}">
+                <a16:creationId xmlns:a16="http://schemas.microsoft.com/office/drawing/2014/main" id="{C8C4CB3D-D45B-4185-B509-B010B3DA9EF5}"/>
+              </a:ext>
+            </a:extLst>
+          </p:cNvPr>
+          <p:cNvCxnSpPr>
+            <a:cxnSpLocks/>
+            <a:stCxn id="57" idx="1"/>
+            <a:endCxn id="40" idx="3"/>
+          </p:cNvCxnSpPr>
+          <p:nvPr/>
+        </p:nvCxnSpPr>
+        <p:spPr>
+          <a:xfrm flipH="1">
+            <a:off x="4519044" y="1806858"/>
+            <a:ext cx="1222588" cy="0"/>
+          </a:xfrm>
+          <a:prstGeom prst="straightConnector1">
+            <a:avLst/>
+          </a:prstGeom>
+          <a:noFill/>
+          <a:ln w="19050">
+            <a:solidFill>
+              <a:schemeClr val="tx1"/>
+            </a:solidFill>
+            <a:prstDash val="solid"/>
+            <a:tailEnd type="arrow"/>
+          </a:ln>
+        </p:spPr>
+        <p:style>
+          <a:lnRef idx="2">
+            <a:schemeClr val="accent1">
+              <a:shade val="50000"/>
+            </a:schemeClr>
+          </a:lnRef>
+          <a:fillRef idx="1">
+            <a:schemeClr val="accent1"/>
+          </a:fillRef>
+          <a:effectRef idx="0">
+            <a:schemeClr val="accent1"/>
+          </a:effectRef>
+          <a:fontRef idx="minor">
+            <a:schemeClr val="lt1"/>
+          </a:fontRef>
+        </p:style>
+      </p:cxnSp>
+      <p:cxnSp>
+        <p:nvCxnSpPr>
+          <p:cNvPr id="48" name="直接箭头连接符 47">
+            <a:extLst>
+              <a:ext uri="{FF2B5EF4-FFF2-40B4-BE49-F238E27FC236}">
+                <a16:creationId xmlns:a16="http://schemas.microsoft.com/office/drawing/2014/main" id="{19C1632D-E5E7-4D88-9BC0-E178FB4096EF}"/>
+              </a:ext>
+            </a:extLst>
+          </p:cNvPr>
+          <p:cNvCxnSpPr>
+            <a:cxnSpLocks/>
+            <a:stCxn id="41" idx="3"/>
+            <a:endCxn id="42" idx="1"/>
+          </p:cNvCxnSpPr>
+          <p:nvPr/>
+        </p:nvCxnSpPr>
+        <p:spPr>
+          <a:xfrm>
+            <a:off x="2217469" y="3555576"/>
+            <a:ext cx="1114970" cy="0"/>
+          </a:xfrm>
+          <a:prstGeom prst="straightConnector1">
+            <a:avLst/>
+          </a:prstGeom>
+          <a:noFill/>
+          <a:ln w="19050">
+            <a:solidFill>
+              <a:schemeClr val="tx1"/>
+            </a:solidFill>
+            <a:tailEnd type="arrow"/>
+          </a:ln>
+        </p:spPr>
+        <p:style>
+          <a:lnRef idx="2">
+            <a:schemeClr val="accent1">
+              <a:shade val="50000"/>
+            </a:schemeClr>
+          </a:lnRef>
+          <a:fillRef idx="1">
+            <a:schemeClr val="accent1"/>
+          </a:fillRef>
+          <a:effectRef idx="0">
+            <a:schemeClr val="accent1"/>
+          </a:effectRef>
+          <a:fontRef idx="minor">
+            <a:schemeClr val="lt1"/>
+          </a:fontRef>
+        </p:style>
+      </p:cxnSp>
+      <p:sp>
+        <p:nvSpPr>
+          <p:cNvPr id="56" name="流程图: 准备 55">
+            <a:extLst>
+              <a:ext uri="{FF2B5EF4-FFF2-40B4-BE49-F238E27FC236}">
+                <a16:creationId xmlns:a16="http://schemas.microsoft.com/office/drawing/2014/main" id="{B60143E0-381D-4716-B230-756176F9BF72}"/>
+              </a:ext>
+            </a:extLst>
+          </p:cNvPr>
+          <p:cNvSpPr/>
+          <p:nvPr/>
+        </p:nvSpPr>
+        <p:spPr>
+          <a:xfrm>
+            <a:off x="1081057" y="4980657"/>
+            <a:ext cx="4505145" cy="1042670"/>
+          </a:xfrm>
+          <a:prstGeom prst="flowChartPreparation">
+            <a:avLst/>
+          </a:prstGeom>
+          <a:noFill/>
+          <a:ln w="19050">
+            <a:solidFill>
+              <a:schemeClr val="tx1"/>
+            </a:solidFill>
+          </a:ln>
+        </p:spPr>
+        <p:style>
+          <a:lnRef idx="2">
+            <a:schemeClr val="accent1">
+              <a:shade val="50000"/>
+            </a:schemeClr>
+          </a:lnRef>
+          <a:fillRef idx="1">
+            <a:schemeClr val="accent1"/>
+          </a:fillRef>
+          <a:effectRef idx="0">
+            <a:schemeClr val="accent1"/>
+          </a:effectRef>
+          <a:fontRef idx="minor">
+            <a:schemeClr val="lt1"/>
+          </a:fontRef>
+        </p:style>
+        <p:txBody>
+          <a:bodyPr lIns="0" rIns="0" rtlCol="0" anchor="ctr"/>
+          <a:lstStyle/>
+          <a:p>
+            <a:pPr algn="ctr"/>
+            <a:r>
+              <a:rPr lang="en-US" altLang="zh-CN" sz="2200" dirty="0">
+                <a:solidFill>
+                  <a:schemeClr val="tx1"/>
+                </a:solidFill>
+                <a:latin typeface="Times New Roman" panose="02020603050405020304" pitchFamily="18" charset="0"/>
+                <a:cs typeface="Times New Roman" panose="02020603050405020304" pitchFamily="18" charset="0"/>
+              </a:rPr>
+              <a:t>Vegetation Performance</a:t>
+            </a:r>
+          </a:p>
+        </p:txBody>
+      </p:sp>
+      <p:sp>
+        <p:nvSpPr>
+          <p:cNvPr id="57" name="流程图: 准备 56">
+            <a:extLst>
+              <a:ext uri="{FF2B5EF4-FFF2-40B4-BE49-F238E27FC236}">
+                <a16:creationId xmlns:a16="http://schemas.microsoft.com/office/drawing/2014/main" id="{5B96A244-3AE2-4768-82A5-E01443F9CC1B}"/>
+              </a:ext>
+            </a:extLst>
+          </p:cNvPr>
+          <p:cNvSpPr/>
+          <p:nvPr/>
+        </p:nvSpPr>
+        <p:spPr>
+          <a:xfrm>
+            <a:off x="5741632" y="1356008"/>
+            <a:ext cx="2103684" cy="901700"/>
+          </a:xfrm>
+          <a:prstGeom prst="flowChartPreparation">
+            <a:avLst/>
+          </a:prstGeom>
+          <a:noFill/>
+          <a:ln w="19050">
+            <a:solidFill>
+              <a:schemeClr val="tx1"/>
+            </a:solidFill>
+          </a:ln>
+        </p:spPr>
+        <p:style>
+          <a:lnRef idx="2">
+            <a:schemeClr val="accent1">
+              <a:shade val="50000"/>
+            </a:schemeClr>
+          </a:lnRef>
+          <a:fillRef idx="1">
+            <a:schemeClr val="accent1"/>
+          </a:fillRef>
+          <a:effectRef idx="0">
+            <a:schemeClr val="accent1"/>
+          </a:effectRef>
+          <a:fontRef idx="minor">
+            <a:schemeClr val="lt1"/>
+          </a:fontRef>
+        </p:style>
+        <p:txBody>
+          <a:bodyPr rtlCol="0" anchor="ctr"/>
+          <a:lstStyle/>
+          <a:p>
+            <a:pPr algn="ctr"/>
+            <a:r>
+              <a:rPr lang="en-US" altLang="zh-CN" sz="2200" dirty="0">
+                <a:solidFill>
+                  <a:schemeClr val="tx1"/>
+                </a:solidFill>
+                <a:latin typeface="Times New Roman" panose="02020603050405020304" pitchFamily="18" charset="0"/>
+                <a:cs typeface="Times New Roman" panose="02020603050405020304" pitchFamily="18" charset="0"/>
+              </a:rPr>
+              <a:t>Wet</a:t>
+            </a:r>
+          </a:p>
+        </p:txBody>
+      </p:sp>
+      <p:cxnSp>
+        <p:nvCxnSpPr>
+          <p:cNvPr id="29" name="直接箭头连接符 28">
+            <a:extLst>
+              <a:ext uri="{FF2B5EF4-FFF2-40B4-BE49-F238E27FC236}">
+                <a16:creationId xmlns:a16="http://schemas.microsoft.com/office/drawing/2014/main" id="{6BFD0500-450E-4B73-A995-9CE9C4BAE5C0}"/>
+              </a:ext>
+            </a:extLst>
+          </p:cNvPr>
+          <p:cNvCxnSpPr>
+            <a:cxnSpLocks/>
+            <a:stCxn id="36" idx="2"/>
+          </p:cNvCxnSpPr>
+          <p:nvPr/>
+        </p:nvCxnSpPr>
+        <p:spPr>
+          <a:xfrm>
+            <a:off x="11641090" y="2257708"/>
+            <a:ext cx="889602" cy="830864"/>
+          </a:xfrm>
+          <a:prstGeom prst="straightConnector1">
+            <a:avLst/>
+          </a:prstGeom>
+          <a:noFill/>
+          <a:ln w="19050">
+            <a:solidFill>
+              <a:schemeClr val="tx1"/>
+            </a:solidFill>
+            <a:tailEnd type="arrow"/>
+          </a:ln>
+        </p:spPr>
+        <p:style>
+          <a:lnRef idx="2">
+            <a:schemeClr val="accent1">
+              <a:shade val="50000"/>
+            </a:schemeClr>
+          </a:lnRef>
+          <a:fillRef idx="1">
+            <a:schemeClr val="accent1"/>
+          </a:fillRef>
+          <a:effectRef idx="0">
+            <a:schemeClr val="accent1"/>
+          </a:effectRef>
+          <a:fontRef idx="minor">
+            <a:schemeClr val="lt1"/>
+          </a:fontRef>
+        </p:style>
+      </p:cxnSp>
+      <p:cxnSp>
+        <p:nvCxnSpPr>
+          <p:cNvPr id="31" name="直接箭头连接符 30">
+            <a:extLst>
+              <a:ext uri="{FF2B5EF4-FFF2-40B4-BE49-F238E27FC236}">
+                <a16:creationId xmlns:a16="http://schemas.microsoft.com/office/drawing/2014/main" id="{65A61FF1-A6EA-4FA0-9439-D5F360F18875}"/>
+              </a:ext>
+            </a:extLst>
+          </p:cNvPr>
+          <p:cNvCxnSpPr>
+            <a:cxnSpLocks/>
+            <a:stCxn id="38" idx="2"/>
+          </p:cNvCxnSpPr>
+          <p:nvPr/>
+        </p:nvCxnSpPr>
+        <p:spPr>
+          <a:xfrm flipH="1">
+            <a:off x="12440181" y="4006426"/>
+            <a:ext cx="899066" cy="974231"/>
+          </a:xfrm>
+          <a:prstGeom prst="straightConnector1">
+            <a:avLst/>
+          </a:prstGeom>
+          <a:noFill/>
+          <a:ln w="19050">
+            <a:solidFill>
+              <a:schemeClr val="tx1"/>
+            </a:solidFill>
+            <a:prstDash val="dash"/>
+            <a:tailEnd type="arrow"/>
+          </a:ln>
+        </p:spPr>
+        <p:style>
+          <a:lnRef idx="2">
+            <a:schemeClr val="accent1">
+              <a:shade val="50000"/>
+            </a:schemeClr>
+          </a:lnRef>
+          <a:fillRef idx="1">
+            <a:schemeClr val="accent1"/>
+          </a:fillRef>
+          <a:effectRef idx="0">
+            <a:schemeClr val="accent1"/>
+          </a:effectRef>
+          <a:fontRef idx="minor">
+            <a:schemeClr val="lt1"/>
+          </a:fontRef>
+        </p:style>
+      </p:cxnSp>
+      <p:cxnSp>
+        <p:nvCxnSpPr>
+          <p:cNvPr id="34" name="直接箭头连接符 33">
+            <a:extLst>
+              <a:ext uri="{FF2B5EF4-FFF2-40B4-BE49-F238E27FC236}">
+                <a16:creationId xmlns:a16="http://schemas.microsoft.com/office/drawing/2014/main" id="{53161E5D-9AEF-43FD-869C-6EC7B25829B0}"/>
+              </a:ext>
+            </a:extLst>
+          </p:cNvPr>
+          <p:cNvCxnSpPr>
+            <a:cxnSpLocks/>
+            <a:stCxn id="37" idx="2"/>
+          </p:cNvCxnSpPr>
+          <p:nvPr/>
+        </p:nvCxnSpPr>
+        <p:spPr>
+          <a:xfrm>
+            <a:off x="9339515" y="4006426"/>
+            <a:ext cx="1329923" cy="974231"/>
+          </a:xfrm>
+          <a:prstGeom prst="straightConnector1">
+            <a:avLst/>
+          </a:prstGeom>
+          <a:noFill/>
+          <a:ln w="19050">
+            <a:solidFill>
+              <a:schemeClr val="tx1"/>
+            </a:solidFill>
+            <a:prstDash val="dash"/>
+            <a:tailEnd type="arrow"/>
+          </a:ln>
+        </p:spPr>
+        <p:style>
+          <a:lnRef idx="2">
+            <a:schemeClr val="accent1">
+              <a:shade val="50000"/>
+            </a:schemeClr>
+          </a:lnRef>
+          <a:fillRef idx="1">
+            <a:schemeClr val="accent1"/>
+          </a:fillRef>
+          <a:effectRef idx="0">
+            <a:schemeClr val="accent1"/>
+          </a:effectRef>
+          <a:fontRef idx="minor">
+            <a:schemeClr val="lt1"/>
+          </a:fontRef>
+        </p:style>
+      </p:cxnSp>
+      <p:cxnSp>
+        <p:nvCxnSpPr>
+          <p:cNvPr id="35" name="直接箭头连接符 34">
+            <a:extLst>
+              <a:ext uri="{FF2B5EF4-FFF2-40B4-BE49-F238E27FC236}">
+                <a16:creationId xmlns:a16="http://schemas.microsoft.com/office/drawing/2014/main" id="{E75D241B-FA23-495B-97C4-3992A9ED8B53}"/>
+              </a:ext>
+            </a:extLst>
+          </p:cNvPr>
+          <p:cNvCxnSpPr>
+            <a:cxnSpLocks/>
+            <a:endCxn id="73" idx="2"/>
+          </p:cNvCxnSpPr>
+          <p:nvPr/>
+        </p:nvCxnSpPr>
+        <p:spPr>
+          <a:xfrm flipV="1">
+            <a:off x="14155553" y="2257708"/>
             <a:ext cx="811809" cy="863284"/>
           </a:xfrm>
           <a:prstGeom prst="straightConnector1">
@@ -4815,10 +5665,10 @@
       </p:cxnSp>
       <p:sp>
         <p:nvSpPr>
-          <p:cNvPr id="40" name="流程图: 准备 39">
-            <a:extLst>
-              <a:ext uri="{FF2B5EF4-FFF2-40B4-BE49-F238E27FC236}">
-                <a16:creationId xmlns:a16="http://schemas.microsoft.com/office/drawing/2014/main" id="{49ED55FD-A180-4E71-AA76-F3A5817732A5}"/>
+          <p:cNvPr id="36" name="流程图: 准备 35">
+            <a:extLst>
+              <a:ext uri="{FF2B5EF4-FFF2-40B4-BE49-F238E27FC236}">
+                <a16:creationId xmlns:a16="http://schemas.microsoft.com/office/drawing/2014/main" id="{2064CE1B-808D-4909-B783-EB9A193C7DE9}"/>
               </a:ext>
             </a:extLst>
           </p:cNvPr>
@@ -4827,7 +5677,7 @@
         </p:nvSpPr>
         <p:spPr>
           <a:xfrm>
-            <a:off x="3903981" y="1411997"/>
+            <a:off x="10589248" y="1356008"/>
             <a:ext cx="2103684" cy="901700"/>
           </a:xfrm>
           <a:prstGeom prst="flowChartPreparation">
@@ -4926,10 +5776,10 @@
       </p:sp>
       <p:sp>
         <p:nvSpPr>
-          <p:cNvPr id="41" name="流程图: 准备 40">
-            <a:extLst>
-              <a:ext uri="{FF2B5EF4-FFF2-40B4-BE49-F238E27FC236}">
-                <a16:creationId xmlns:a16="http://schemas.microsoft.com/office/drawing/2014/main" id="{A075ACB0-1BB7-424F-B05C-30809BE62A16}"/>
+          <p:cNvPr id="37" name="流程图: 准备 36">
+            <a:extLst>
+              <a:ext uri="{FF2B5EF4-FFF2-40B4-BE49-F238E27FC236}">
+                <a16:creationId xmlns:a16="http://schemas.microsoft.com/office/drawing/2014/main" id="{E89978C8-72C5-45AE-94D1-675E73D14CB5}"/>
               </a:ext>
             </a:extLst>
           </p:cNvPr>
@@ -4938,7 +5788,7 @@
         </p:nvSpPr>
         <p:spPr>
           <a:xfrm>
-            <a:off x="1602406" y="3160715"/>
+            <a:off x="8287673" y="3104726"/>
             <a:ext cx="2103684" cy="901700"/>
           </a:xfrm>
           <a:prstGeom prst="flowChartPreparation">
@@ -4994,10 +5844,10 @@
       </p:sp>
       <p:sp>
         <p:nvSpPr>
-          <p:cNvPr id="42" name="流程图: 准备 41">
-            <a:extLst>
-              <a:ext uri="{FF2B5EF4-FFF2-40B4-BE49-F238E27FC236}">
-                <a16:creationId xmlns:a16="http://schemas.microsoft.com/office/drawing/2014/main" id="{3D2C99C2-E779-4C0E-887C-500E5898EA80}"/>
+          <p:cNvPr id="38" name="流程图: 准备 37">
+            <a:extLst>
+              <a:ext uri="{FF2B5EF4-FFF2-40B4-BE49-F238E27FC236}">
+                <a16:creationId xmlns:a16="http://schemas.microsoft.com/office/drawing/2014/main" id="{C88E4FE6-4E28-49A5-AA4A-3534ABD39AAA}"/>
               </a:ext>
             </a:extLst>
           </p:cNvPr>
@@ -5006,7 +5856,7 @@
         </p:nvSpPr>
         <p:spPr>
           <a:xfrm>
-            <a:off x="4821060" y="3160715"/>
+            <a:off x="11506327" y="3104726"/>
             <a:ext cx="3665839" cy="901700"/>
           </a:xfrm>
           <a:prstGeom prst="flowChartPreparation">
@@ -5105,10 +5955,10 @@
       </p:sp>
       <p:sp>
         <p:nvSpPr>
-          <p:cNvPr id="43" name="文本框 42">
-            <a:extLst>
-              <a:ext uri="{FF2B5EF4-FFF2-40B4-BE49-F238E27FC236}">
-                <a16:creationId xmlns:a16="http://schemas.microsoft.com/office/drawing/2014/main" id="{64A2E90F-8831-4590-8928-CA4CEEEBCB43}"/>
+          <p:cNvPr id="39" name="文本框 38">
+            <a:extLst>
+              <a:ext uri="{FF2B5EF4-FFF2-40B4-BE49-F238E27FC236}">
+                <a16:creationId xmlns:a16="http://schemas.microsoft.com/office/drawing/2014/main" id="{4B03C643-107B-4C7C-8545-4D013A4BFD1C}"/>
               </a:ext>
             </a:extLst>
           </p:cNvPr>
@@ -5117,7 +5967,7 @@
         </p:nvSpPr>
         <p:spPr>
           <a:xfrm>
-            <a:off x="1654775" y="4475669"/>
+            <a:off x="8340042" y="4419680"/>
             <a:ext cx="1658896" cy="646331"/>
           </a:xfrm>
           <a:prstGeom prst="rect">
@@ -5172,10 +6022,10 @@
       </p:sp>
       <p:sp>
         <p:nvSpPr>
-          <p:cNvPr id="44" name="文本框 43">
-            <a:extLst>
-              <a:ext uri="{FF2B5EF4-FFF2-40B4-BE49-F238E27FC236}">
-                <a16:creationId xmlns:a16="http://schemas.microsoft.com/office/drawing/2014/main" id="{EC0F7B6F-929F-45FD-9575-2A1662E7695F}"/>
+          <p:cNvPr id="53" name="文本框 52">
+            <a:extLst>
+              <a:ext uri="{FF2B5EF4-FFF2-40B4-BE49-F238E27FC236}">
+                <a16:creationId xmlns:a16="http://schemas.microsoft.com/office/drawing/2014/main" id="{BA210311-FFF0-4695-869B-B32861F585B2}"/>
               </a:ext>
             </a:extLst>
           </p:cNvPr>
@@ -5184,7 +6034,7 @@
         </p:nvSpPr>
         <p:spPr>
           <a:xfrm>
-            <a:off x="5908665" y="4413853"/>
+            <a:off x="12593932" y="4357864"/>
             <a:ext cx="1531855" cy="646331"/>
           </a:xfrm>
           <a:prstGeom prst="rect">
@@ -5239,23 +6089,23 @@
       </p:sp>
       <p:cxnSp>
         <p:nvCxnSpPr>
-          <p:cNvPr id="45" name="直接箭头连接符 44">
-            <a:extLst>
-              <a:ext uri="{FF2B5EF4-FFF2-40B4-BE49-F238E27FC236}">
-                <a16:creationId xmlns:a16="http://schemas.microsoft.com/office/drawing/2014/main" id="{CECA9A03-7C13-40BD-87D7-37CD7D0797D6}"/>
+          <p:cNvPr id="62" name="直接箭头连接符 61">
+            <a:extLst>
+              <a:ext uri="{FF2B5EF4-FFF2-40B4-BE49-F238E27FC236}">
+                <a16:creationId xmlns:a16="http://schemas.microsoft.com/office/drawing/2014/main" id="{38CBACF1-F65A-4ADA-A083-92200C74D43E}"/>
               </a:ext>
             </a:extLst>
           </p:cNvPr>
           <p:cNvCxnSpPr>
             <a:cxnSpLocks/>
-            <a:stCxn id="41" idx="0"/>
-            <a:endCxn id="40" idx="1"/>
+            <a:stCxn id="37" idx="0"/>
+            <a:endCxn id="36" idx="1"/>
           </p:cNvCxnSpPr>
           <p:nvPr/>
         </p:nvCxnSpPr>
         <p:spPr>
           <a:xfrm flipV="1">
-            <a:off x="2654248" y="1862847"/>
+            <a:off x="9339515" y="1806858"/>
             <a:ext cx="1249733" cy="1297868"/>
           </a:xfrm>
           <a:prstGeom prst="straightConnector1">
@@ -5289,23 +6139,23 @@
       </p:cxnSp>
       <p:cxnSp>
         <p:nvCxnSpPr>
-          <p:cNvPr id="46" name="直接箭头连接符 45">
-            <a:extLst>
-              <a:ext uri="{FF2B5EF4-FFF2-40B4-BE49-F238E27FC236}">
-                <a16:creationId xmlns:a16="http://schemas.microsoft.com/office/drawing/2014/main" id="{C8C4CB3D-D45B-4185-B509-B010B3DA9EF5}"/>
+          <p:cNvPr id="63" name="直接箭头连接符 62">
+            <a:extLst>
+              <a:ext uri="{FF2B5EF4-FFF2-40B4-BE49-F238E27FC236}">
+                <a16:creationId xmlns:a16="http://schemas.microsoft.com/office/drawing/2014/main" id="{307483D9-38AD-49D6-8F01-E3EA30CF9106}"/>
               </a:ext>
             </a:extLst>
           </p:cNvPr>
           <p:cNvCxnSpPr>
             <a:cxnSpLocks/>
-            <a:stCxn id="57" idx="1"/>
-            <a:endCxn id="40" idx="3"/>
+            <a:stCxn id="73" idx="1"/>
+            <a:endCxn id="36" idx="3"/>
           </p:cNvCxnSpPr>
           <p:nvPr/>
         </p:nvCxnSpPr>
         <p:spPr>
           <a:xfrm flipH="1">
-            <a:off x="6007665" y="1862847"/>
+            <a:off x="12692932" y="1806858"/>
             <a:ext cx="1222588" cy="0"/>
           </a:xfrm>
           <a:prstGeom prst="straightConnector1">
@@ -5339,10 +6189,10 @@
       </p:cxnSp>
       <p:sp>
         <p:nvSpPr>
-          <p:cNvPr id="47" name="文本框 46">
-            <a:extLst>
-              <a:ext uri="{FF2B5EF4-FFF2-40B4-BE49-F238E27FC236}">
-                <a16:creationId xmlns:a16="http://schemas.microsoft.com/office/drawing/2014/main" id="{05EC9598-8412-4E5F-9F59-59D1037327FE}"/>
+          <p:cNvPr id="64" name="文本框 63">
+            <a:extLst>
+              <a:ext uri="{FF2B5EF4-FFF2-40B4-BE49-F238E27FC236}">
+                <a16:creationId xmlns:a16="http://schemas.microsoft.com/office/drawing/2014/main" id="{E2A5BF12-79C1-4C46-A4DE-1DBB66CCA7E1}"/>
               </a:ext>
             </a:extLst>
           </p:cNvPr>
@@ -5351,7 +6201,7 @@
         </p:nvSpPr>
         <p:spPr>
           <a:xfrm>
-            <a:off x="5463214" y="2261138"/>
+            <a:off x="12148481" y="2205149"/>
             <a:ext cx="1434053" cy="646331"/>
           </a:xfrm>
           <a:prstGeom prst="rect">
@@ -5391,23 +6241,23 @@
       </p:sp>
       <p:cxnSp>
         <p:nvCxnSpPr>
-          <p:cNvPr id="48" name="直接箭头连接符 47">
-            <a:extLst>
-              <a:ext uri="{FF2B5EF4-FFF2-40B4-BE49-F238E27FC236}">
-                <a16:creationId xmlns:a16="http://schemas.microsoft.com/office/drawing/2014/main" id="{19C1632D-E5E7-4D88-9BC0-E178FB4096EF}"/>
+          <p:cNvPr id="65" name="直接箭头连接符 64">
+            <a:extLst>
+              <a:ext uri="{FF2B5EF4-FFF2-40B4-BE49-F238E27FC236}">
+                <a16:creationId xmlns:a16="http://schemas.microsoft.com/office/drawing/2014/main" id="{2863D759-8B14-4EC3-934C-1A481CAD32DE}"/>
               </a:ext>
             </a:extLst>
           </p:cNvPr>
           <p:cNvCxnSpPr>
             <a:cxnSpLocks/>
-            <a:stCxn id="41" idx="3"/>
-            <a:endCxn id="42" idx="1"/>
+            <a:stCxn id="37" idx="3"/>
+            <a:endCxn id="38" idx="1"/>
           </p:cNvCxnSpPr>
           <p:nvPr/>
         </p:nvCxnSpPr>
         <p:spPr>
           <a:xfrm>
-            <a:off x="3706090" y="3611565"/>
+            <a:off x="10391357" y="3555576"/>
             <a:ext cx="1114970" cy="0"/>
           </a:xfrm>
           <a:prstGeom prst="straightConnector1">
@@ -5440,10 +6290,10 @@
       </p:cxnSp>
       <p:sp>
         <p:nvSpPr>
-          <p:cNvPr id="49" name="文本框 48">
-            <a:extLst>
-              <a:ext uri="{FF2B5EF4-FFF2-40B4-BE49-F238E27FC236}">
-                <a16:creationId xmlns:a16="http://schemas.microsoft.com/office/drawing/2014/main" id="{A786F313-BB08-4FD7-A54D-D46D353D037E}"/>
+          <p:cNvPr id="66" name="文本框 65">
+            <a:extLst>
+              <a:ext uri="{FF2B5EF4-FFF2-40B4-BE49-F238E27FC236}">
+                <a16:creationId xmlns:a16="http://schemas.microsoft.com/office/drawing/2014/main" id="{6CC31C02-FAC1-4DBE-988D-B1F76CB12CDD}"/>
               </a:ext>
             </a:extLst>
           </p:cNvPr>
@@ -5452,7 +6302,7 @@
         </p:nvSpPr>
         <p:spPr>
           <a:xfrm>
-            <a:off x="3578361" y="2907469"/>
+            <a:off x="10263628" y="2851480"/>
             <a:ext cx="1307301" cy="646331"/>
           </a:xfrm>
           <a:prstGeom prst="rect">
@@ -5492,10 +6342,10 @@
       </p:sp>
       <p:sp>
         <p:nvSpPr>
-          <p:cNvPr id="50" name="文本框 49">
-            <a:extLst>
-              <a:ext uri="{FF2B5EF4-FFF2-40B4-BE49-F238E27FC236}">
-                <a16:creationId xmlns:a16="http://schemas.microsoft.com/office/drawing/2014/main" id="{7C2614D4-BBDE-4B7C-91E2-B36B4134BA39}"/>
+          <p:cNvPr id="67" name="文本框 66">
+            <a:extLst>
+              <a:ext uri="{FF2B5EF4-FFF2-40B4-BE49-F238E27FC236}">
+                <a16:creationId xmlns:a16="http://schemas.microsoft.com/office/drawing/2014/main" id="{BF3FB4AA-8656-43BD-8661-3CEB4F8DA81E}"/>
               </a:ext>
             </a:extLst>
           </p:cNvPr>
@@ -5504,7 +6354,7 @@
         </p:nvSpPr>
         <p:spPr>
           <a:xfrm>
-            <a:off x="7664082" y="2517784"/>
+            <a:off x="14349349" y="2461795"/>
             <a:ext cx="1531855" cy="646331"/>
           </a:xfrm>
           <a:prstGeom prst="rect">
@@ -5559,10 +6409,10 @@
       </p:sp>
       <p:sp>
         <p:nvSpPr>
-          <p:cNvPr id="51" name="文本框 50">
-            <a:extLst>
-              <a:ext uri="{FF2B5EF4-FFF2-40B4-BE49-F238E27FC236}">
-                <a16:creationId xmlns:a16="http://schemas.microsoft.com/office/drawing/2014/main" id="{1269FF6A-16A8-4168-A3A9-3CE5669DEB46}"/>
+          <p:cNvPr id="68" name="文本框 67">
+            <a:extLst>
+              <a:ext uri="{FF2B5EF4-FFF2-40B4-BE49-F238E27FC236}">
+                <a16:creationId xmlns:a16="http://schemas.microsoft.com/office/drawing/2014/main" id="{75E47AAF-B4F3-4F94-8A18-45541D6D3F38}"/>
               </a:ext>
             </a:extLst>
           </p:cNvPr>
@@ -5571,7 +6421,7 @@
         </p:nvSpPr>
         <p:spPr>
           <a:xfrm>
-            <a:off x="5958390" y="1169645"/>
+            <a:off x="12643657" y="1113656"/>
             <a:ext cx="1519976" cy="646331"/>
           </a:xfrm>
           <a:prstGeom prst="rect">
@@ -5611,10 +6461,10 @@
       </p:sp>
       <p:sp>
         <p:nvSpPr>
-          <p:cNvPr id="52" name="文本框 51">
-            <a:extLst>
-              <a:ext uri="{FF2B5EF4-FFF2-40B4-BE49-F238E27FC236}">
-                <a16:creationId xmlns:a16="http://schemas.microsoft.com/office/drawing/2014/main" id="{1576E5E1-ABFC-4EBC-B958-8A13820C1D83}"/>
+          <p:cNvPr id="69" name="文本框 68">
+            <a:extLst>
+              <a:ext uri="{FF2B5EF4-FFF2-40B4-BE49-F238E27FC236}">
+                <a16:creationId xmlns:a16="http://schemas.microsoft.com/office/drawing/2014/main" id="{652A412C-0C6A-47EC-B8A2-4ADA910DD5E3}"/>
               </a:ext>
             </a:extLst>
           </p:cNvPr>
@@ -5623,7 +6473,7 @@
         </p:nvSpPr>
         <p:spPr>
           <a:xfrm>
-            <a:off x="1930449" y="1965794"/>
+            <a:off x="8615716" y="1909805"/>
             <a:ext cx="1408611" cy="646331"/>
           </a:xfrm>
           <a:prstGeom prst="rect">
@@ -5663,10 +6513,10 @@
       </p:sp>
       <p:sp>
         <p:nvSpPr>
-          <p:cNvPr id="54" name="文本框 53">
-            <a:extLst>
-              <a:ext uri="{FF2B5EF4-FFF2-40B4-BE49-F238E27FC236}">
-                <a16:creationId xmlns:a16="http://schemas.microsoft.com/office/drawing/2014/main" id="{D11C0AE3-C459-4CCA-B169-2B4451B9E6B7}"/>
+          <p:cNvPr id="70" name="文本框 69">
+            <a:extLst>
+              <a:ext uri="{FF2B5EF4-FFF2-40B4-BE49-F238E27FC236}">
+                <a16:creationId xmlns:a16="http://schemas.microsoft.com/office/drawing/2014/main" id="{5BC82BB9-5953-427D-B821-E1E353CE71DA}"/>
               </a:ext>
             </a:extLst>
           </p:cNvPr>
@@ -5675,7 +6525,7 @@
         </p:nvSpPr>
         <p:spPr>
           <a:xfrm>
-            <a:off x="2415643" y="4180198"/>
+            <a:off x="9100910" y="4124209"/>
             <a:ext cx="392641" cy="369332"/>
           </a:xfrm>
           <a:prstGeom prst="rect">
@@ -5706,23 +6556,23 @@
       </p:sp>
       <p:cxnSp>
         <p:nvCxnSpPr>
-          <p:cNvPr id="55" name="连接符: 肘形 54">
-            <a:extLst>
-              <a:ext uri="{FF2B5EF4-FFF2-40B4-BE49-F238E27FC236}">
-                <a16:creationId xmlns:a16="http://schemas.microsoft.com/office/drawing/2014/main" id="{8749BBF3-298E-4EE7-AD2B-95A91D8877D1}"/>
+          <p:cNvPr id="71" name="连接符: 肘形 70">
+            <a:extLst>
+              <a:ext uri="{FF2B5EF4-FFF2-40B4-BE49-F238E27FC236}">
+                <a16:creationId xmlns:a16="http://schemas.microsoft.com/office/drawing/2014/main" id="{19E1373A-F5AC-483D-BB72-33FD212944E0}"/>
               </a:ext>
             </a:extLst>
           </p:cNvPr>
           <p:cNvCxnSpPr>
             <a:cxnSpLocks/>
-            <a:stCxn id="40" idx="0"/>
-            <a:endCxn id="56" idx="3"/>
+            <a:stCxn id="36" idx="0"/>
+            <a:endCxn id="72" idx="3"/>
           </p:cNvCxnSpPr>
           <p:nvPr/>
         </p:nvCxnSpPr>
         <p:spPr>
           <a:xfrm rot="16200000" flipH="1">
-            <a:off x="3942331" y="2425489"/>
+            <a:off x="10627598" y="2369500"/>
             <a:ext cx="4145984" cy="2119000"/>
           </a:xfrm>
           <a:prstGeom prst="bentConnector4">
@@ -5757,10 +6607,10 @@
       </p:cxnSp>
       <p:sp>
         <p:nvSpPr>
-          <p:cNvPr id="56" name="流程图: 准备 55">
-            <a:extLst>
-              <a:ext uri="{FF2B5EF4-FFF2-40B4-BE49-F238E27FC236}">
-                <a16:creationId xmlns:a16="http://schemas.microsoft.com/office/drawing/2014/main" id="{B60143E0-381D-4716-B230-756176F9BF72}"/>
+          <p:cNvPr id="72" name="流程图: 准备 71">
+            <a:extLst>
+              <a:ext uri="{FF2B5EF4-FFF2-40B4-BE49-F238E27FC236}">
+                <a16:creationId xmlns:a16="http://schemas.microsoft.com/office/drawing/2014/main" id="{EACC4A4D-3DEE-448C-B781-8B27408B7FB8}"/>
               </a:ext>
             </a:extLst>
           </p:cNvPr>
@@ -5769,7 +6619,7 @@
         </p:nvSpPr>
         <p:spPr>
           <a:xfrm>
-            <a:off x="2569678" y="5036646"/>
+            <a:off x="9254945" y="4980657"/>
             <a:ext cx="4505145" cy="1042670"/>
           </a:xfrm>
           <a:prstGeom prst="flowChartPreparation">
@@ -5861,10 +6711,10 @@
       </p:sp>
       <p:sp>
         <p:nvSpPr>
-          <p:cNvPr id="57" name="流程图: 准备 56">
-            <a:extLst>
-              <a:ext uri="{FF2B5EF4-FFF2-40B4-BE49-F238E27FC236}">
-                <a16:creationId xmlns:a16="http://schemas.microsoft.com/office/drawing/2014/main" id="{5B96A244-3AE2-4768-82A5-E01443F9CC1B}"/>
+          <p:cNvPr id="73" name="流程图: 准备 72">
+            <a:extLst>
+              <a:ext uri="{FF2B5EF4-FFF2-40B4-BE49-F238E27FC236}">
+                <a16:creationId xmlns:a16="http://schemas.microsoft.com/office/drawing/2014/main" id="{F4D594F0-E236-47E0-B4DF-12BE67DA0C41}"/>
               </a:ext>
             </a:extLst>
           </p:cNvPr>
@@ -5873,7 +6723,7 @@
         </p:nvSpPr>
         <p:spPr>
           <a:xfrm>
-            <a:off x="7230253" y="1411997"/>
+            <a:off x="13915520" y="1356008"/>
             <a:ext cx="2103684" cy="901700"/>
           </a:xfrm>
           <a:prstGeom prst="flowChartPreparation">
@@ -5922,10 +6772,10 @@
       </p:sp>
       <p:sp>
         <p:nvSpPr>
-          <p:cNvPr id="58" name="文本框 57">
-            <a:extLst>
-              <a:ext uri="{FF2B5EF4-FFF2-40B4-BE49-F238E27FC236}">
-                <a16:creationId xmlns:a16="http://schemas.microsoft.com/office/drawing/2014/main" id="{81610676-7579-4098-9AB7-51EC237E804F}"/>
+          <p:cNvPr id="74" name="文本框 73">
+            <a:extLst>
+              <a:ext uri="{FF2B5EF4-FFF2-40B4-BE49-F238E27FC236}">
+                <a16:creationId xmlns:a16="http://schemas.microsoft.com/office/drawing/2014/main" id="{7EC84823-D891-4F92-B805-C16C517515F4}"/>
               </a:ext>
             </a:extLst>
           </p:cNvPr>
@@ -5934,7 +6784,7 @@
         </p:nvSpPr>
         <p:spPr>
           <a:xfrm>
-            <a:off x="8004270" y="4835505"/>
+            <a:off x="14689537" y="4779516"/>
             <a:ext cx="1531855" cy="646331"/>
           </a:xfrm>
           <a:prstGeom prst="rect">
@@ -5989,10 +6839,10 @@
       </p:sp>
       <p:sp>
         <p:nvSpPr>
-          <p:cNvPr id="59" name="文本框 58">
-            <a:extLst>
-              <a:ext uri="{FF2B5EF4-FFF2-40B4-BE49-F238E27FC236}">
-                <a16:creationId xmlns:a16="http://schemas.microsoft.com/office/drawing/2014/main" id="{B0C2B59B-C285-4A16-ABCD-92EF76B7EC70}"/>
+          <p:cNvPr id="75" name="文本框 74">
+            <a:extLst>
+              <a:ext uri="{FF2B5EF4-FFF2-40B4-BE49-F238E27FC236}">
+                <a16:creationId xmlns:a16="http://schemas.microsoft.com/office/drawing/2014/main" id="{C62489C7-FD3B-44BD-9E5B-65AF295EBDA1}"/>
               </a:ext>
             </a:extLst>
           </p:cNvPr>
@@ -6001,7 +6851,7 @@
         </p:nvSpPr>
         <p:spPr>
           <a:xfrm>
-            <a:off x="6561568" y="4119308"/>
+            <a:off x="13246835" y="4063319"/>
             <a:ext cx="392641" cy="369332"/>
           </a:xfrm>
           <a:prstGeom prst="rect">
@@ -6032,10 +6882,10 @@
       </p:sp>
       <p:sp>
         <p:nvSpPr>
-          <p:cNvPr id="60" name="文本框 59">
-            <a:extLst>
-              <a:ext uri="{FF2B5EF4-FFF2-40B4-BE49-F238E27FC236}">
-                <a16:creationId xmlns:a16="http://schemas.microsoft.com/office/drawing/2014/main" id="{0BE96245-E484-4644-A792-6B74EC0FFBEE}"/>
+          <p:cNvPr id="76" name="文本框 75">
+            <a:extLst>
+              <a:ext uri="{FF2B5EF4-FFF2-40B4-BE49-F238E27FC236}">
+                <a16:creationId xmlns:a16="http://schemas.microsoft.com/office/drawing/2014/main" id="{9BA5AB91-4303-4849-90A1-E6451ADF1D8C}"/>
               </a:ext>
             </a:extLst>
           </p:cNvPr>
@@ -6044,7 +6894,7 @@
         </p:nvSpPr>
         <p:spPr>
           <a:xfrm>
-            <a:off x="8253380" y="2237497"/>
+            <a:off x="14938647" y="2181508"/>
             <a:ext cx="392641" cy="369332"/>
           </a:xfrm>
           <a:prstGeom prst="rect">
@@ -6075,10 +6925,10 @@
       </p:sp>
       <p:sp>
         <p:nvSpPr>
-          <p:cNvPr id="61" name="文本框 60">
-            <a:extLst>
-              <a:ext uri="{FF2B5EF4-FFF2-40B4-BE49-F238E27FC236}">
-                <a16:creationId xmlns:a16="http://schemas.microsoft.com/office/drawing/2014/main" id="{0162D1D3-FE7E-45A3-BC94-8C935A09A43C}"/>
+          <p:cNvPr id="77" name="文本框 76">
+            <a:extLst>
+              <a:ext uri="{FF2B5EF4-FFF2-40B4-BE49-F238E27FC236}">
+                <a16:creationId xmlns:a16="http://schemas.microsoft.com/office/drawing/2014/main" id="{6E1B536A-FAB1-4AB3-AF21-88A1743A3F4F}"/>
               </a:ext>
             </a:extLst>
           </p:cNvPr>
@@ -6087,7 +6937,7 @@
         </p:nvSpPr>
         <p:spPr>
           <a:xfrm>
-            <a:off x="8865096" y="4530394"/>
+            <a:off x="15550363" y="4474405"/>
             <a:ext cx="392641" cy="369332"/>
           </a:xfrm>
           <a:prstGeom prst="rect">
@@ -6118,10 +6968,10 @@
       </p:sp>
       <p:sp>
         <p:nvSpPr>
-          <p:cNvPr id="30" name="文本框 29">
-            <a:extLst>
-              <a:ext uri="{FF2B5EF4-FFF2-40B4-BE49-F238E27FC236}">
-                <a16:creationId xmlns:a16="http://schemas.microsoft.com/office/drawing/2014/main" id="{5087B248-B94A-4F34-8C7F-7ECBB2939F09}"/>
+          <p:cNvPr id="2" name="文本框 1">
+            <a:extLst>
+              <a:ext uri="{FF2B5EF4-FFF2-40B4-BE49-F238E27FC236}">
+                <a16:creationId xmlns:a16="http://schemas.microsoft.com/office/drawing/2014/main" id="{DB175BE0-ABA4-47D7-A150-EAB7D8DCA3A2}"/>
               </a:ext>
             </a:extLst>
           </p:cNvPr>
@@ -6130,31 +6980,295 @@
         </p:nvSpPr>
         <p:spPr>
           <a:xfrm>
-            <a:off x="856343" y="457200"/>
-            <a:ext cx="960519" cy="369332"/>
+            <a:off x="3346434" y="-197865"/>
+            <a:ext cx="914413" cy="1024974"/>
           </a:xfrm>
           <a:prstGeom prst="rect">
             <a:avLst/>
           </a:prstGeom>
           <a:noFill/>
-        </p:spPr>
-        <p:txBody>
-          <a:bodyPr wrap="none" rtlCol="0">
-            <a:spAutoFit/>
-          </a:bodyPr>
-          <a:lstStyle/>
+          <a:ln w="19050">
+            <a:noFill/>
+          </a:ln>
+        </p:spPr>
+        <p:style>
+          <a:lnRef idx="2">
+            <a:schemeClr val="accent1">
+              <a:shade val="50000"/>
+            </a:schemeClr>
+          </a:lnRef>
+          <a:fillRef idx="1">
+            <a:schemeClr val="accent1"/>
+          </a:fillRef>
+          <a:effectRef idx="0">
+            <a:schemeClr val="accent1"/>
+          </a:effectRef>
+          <a:fontRef idx="minor">
+            <a:schemeClr val="lt1"/>
+          </a:fontRef>
+        </p:style>
+        <p:txBody>
+          <a:bodyPr rtlCol="0" anchor="ctr"/>
+          <a:lstStyle>
+            <a:defPPr>
+              <a:defRPr lang="zh-CN"/>
+            </a:defPPr>
+            <a:lvl1pPr algn="ctr">
+              <a:defRPr sz="2200">
+                <a:latin typeface="Times New Roman" panose="02020603050405020304" pitchFamily="18" charset="0"/>
+                <a:cs typeface="Times New Roman" panose="02020603050405020304" pitchFamily="18" charset="0"/>
+              </a:defRPr>
+            </a:lvl1pPr>
+            <a:lvl2pPr>
+              <a:defRPr>
+                <a:solidFill>
+                  <a:schemeClr val="lt1"/>
+                </a:solidFill>
+              </a:defRPr>
+            </a:lvl2pPr>
+            <a:lvl3pPr>
+              <a:defRPr>
+                <a:solidFill>
+                  <a:schemeClr val="lt1"/>
+                </a:solidFill>
+              </a:defRPr>
+            </a:lvl3pPr>
+            <a:lvl4pPr>
+              <a:defRPr>
+                <a:solidFill>
+                  <a:schemeClr val="lt1"/>
+                </a:solidFill>
+              </a:defRPr>
+            </a:lvl4pPr>
+            <a:lvl5pPr>
+              <a:defRPr>
+                <a:solidFill>
+                  <a:schemeClr val="lt1"/>
+                </a:solidFill>
+              </a:defRPr>
+            </a:lvl5pPr>
+            <a:lvl6pPr>
+              <a:defRPr>
+                <a:solidFill>
+                  <a:schemeClr val="lt1"/>
+                </a:solidFill>
+              </a:defRPr>
+            </a:lvl6pPr>
+            <a:lvl7pPr>
+              <a:defRPr>
+                <a:solidFill>
+                  <a:schemeClr val="lt1"/>
+                </a:solidFill>
+              </a:defRPr>
+            </a:lvl7pPr>
+            <a:lvl8pPr>
+              <a:defRPr>
+                <a:solidFill>
+                  <a:schemeClr val="lt1"/>
+                </a:solidFill>
+              </a:defRPr>
+            </a:lvl8pPr>
+            <a:lvl9pPr>
+              <a:defRPr>
+                <a:solidFill>
+                  <a:schemeClr val="lt1"/>
+                </a:solidFill>
+              </a:defRPr>
+            </a:lvl9pPr>
+          </a:lstStyle>
           <a:p>
             <a:r>
               <a:rPr lang="en-US" altLang="zh-CN" dirty="0">
-                <a:latin typeface="Times New Roman" panose="02020603050405020304" pitchFamily="18" charset="0"/>
-                <a:cs typeface="Times New Roman" panose="02020603050405020304" pitchFamily="18" charset="0"/>
-              </a:rPr>
-              <a:t>Figure 4</a:t>
+                <a:solidFill>
+                  <a:schemeClr val="tx1"/>
+                </a:solidFill>
+              </a:rPr>
+              <a:t>(a)</a:t>
             </a:r>
             <a:endParaRPr lang="zh-CN" altLang="en-US" dirty="0">
-              <a:latin typeface="Times New Roman" panose="02020603050405020304" pitchFamily="18" charset="0"/>
-              <a:cs typeface="Times New Roman" panose="02020603050405020304" pitchFamily="18" charset="0"/>
+              <a:solidFill>
+                <a:schemeClr val="tx1"/>
+              </a:solidFill>
             </a:endParaRPr>
+          </a:p>
+        </p:txBody>
+      </p:sp>
+      <p:sp>
+        <p:nvSpPr>
+          <p:cNvPr id="78" name="文本框 77">
+            <a:extLst>
+              <a:ext uri="{FF2B5EF4-FFF2-40B4-BE49-F238E27FC236}">
+                <a16:creationId xmlns:a16="http://schemas.microsoft.com/office/drawing/2014/main" id="{36FA92F4-C591-42F1-BF1F-3E7AA6BF1E6C}"/>
+              </a:ext>
+            </a:extLst>
+          </p:cNvPr>
+          <p:cNvSpPr txBox="1"/>
+          <p:nvPr/>
+        </p:nvSpPr>
+        <p:spPr>
+          <a:xfrm>
+            <a:off x="12186450" y="-197865"/>
+            <a:ext cx="914413" cy="1024974"/>
+          </a:xfrm>
+          <a:prstGeom prst="rect">
+            <a:avLst/>
+          </a:prstGeom>
+          <a:noFill/>
+          <a:ln w="19050">
+            <a:noFill/>
+          </a:ln>
+        </p:spPr>
+        <p:style>
+          <a:lnRef idx="2">
+            <a:schemeClr val="accent1">
+              <a:shade val="50000"/>
+            </a:schemeClr>
+          </a:lnRef>
+          <a:fillRef idx="1">
+            <a:schemeClr val="accent1"/>
+          </a:fillRef>
+          <a:effectRef idx="0">
+            <a:schemeClr val="accent1"/>
+          </a:effectRef>
+          <a:fontRef idx="minor">
+            <a:schemeClr val="lt1"/>
+          </a:fontRef>
+        </p:style>
+        <p:txBody>
+          <a:bodyPr rtlCol="0" anchor="ctr"/>
+          <a:lstStyle>
+            <a:defPPr>
+              <a:defRPr lang="zh-CN"/>
+            </a:defPPr>
+            <a:lvl1pPr algn="ctr">
+              <a:defRPr sz="2200">
+                <a:latin typeface="Times New Roman" panose="02020603050405020304" pitchFamily="18" charset="0"/>
+                <a:cs typeface="Times New Roman" panose="02020603050405020304" pitchFamily="18" charset="0"/>
+              </a:defRPr>
+            </a:lvl1pPr>
+            <a:lvl2pPr>
+              <a:defRPr>
+                <a:solidFill>
+                  <a:schemeClr val="lt1"/>
+                </a:solidFill>
+              </a:defRPr>
+            </a:lvl2pPr>
+            <a:lvl3pPr>
+              <a:defRPr>
+                <a:solidFill>
+                  <a:schemeClr val="lt1"/>
+                </a:solidFill>
+              </a:defRPr>
+            </a:lvl3pPr>
+            <a:lvl4pPr>
+              <a:defRPr>
+                <a:solidFill>
+                  <a:schemeClr val="lt1"/>
+                </a:solidFill>
+              </a:defRPr>
+            </a:lvl4pPr>
+            <a:lvl5pPr>
+              <a:defRPr>
+                <a:solidFill>
+                  <a:schemeClr val="lt1"/>
+                </a:solidFill>
+              </a:defRPr>
+            </a:lvl5pPr>
+            <a:lvl6pPr>
+              <a:defRPr>
+                <a:solidFill>
+                  <a:schemeClr val="lt1"/>
+                </a:solidFill>
+              </a:defRPr>
+            </a:lvl6pPr>
+            <a:lvl7pPr>
+              <a:defRPr>
+                <a:solidFill>
+                  <a:schemeClr val="lt1"/>
+                </a:solidFill>
+              </a:defRPr>
+            </a:lvl7pPr>
+            <a:lvl8pPr>
+              <a:defRPr>
+                <a:solidFill>
+                  <a:schemeClr val="lt1"/>
+                </a:solidFill>
+              </a:defRPr>
+            </a:lvl8pPr>
+            <a:lvl9pPr>
+              <a:defRPr>
+                <a:solidFill>
+                  <a:schemeClr val="lt1"/>
+                </a:solidFill>
+              </a:defRPr>
+            </a:lvl9pPr>
+          </a:lstStyle>
+          <a:p>
+            <a:r>
+              <a:rPr lang="en-US" altLang="zh-CN" dirty="0">
+                <a:solidFill>
+                  <a:schemeClr val="tx1"/>
+                </a:solidFill>
+              </a:rPr>
+              <a:t>(b)</a:t>
+            </a:r>
+            <a:endParaRPr lang="zh-CN" altLang="en-US" dirty="0">
+              <a:solidFill>
+                <a:schemeClr val="tx1"/>
+              </a:solidFill>
+            </a:endParaRPr>
+          </a:p>
+        </p:txBody>
+      </p:sp>
+      <p:sp>
+        <p:nvSpPr>
+          <p:cNvPr id="79" name="矩形 78">
+            <a:extLst>
+              <a:ext uri="{FF2B5EF4-FFF2-40B4-BE49-F238E27FC236}">
+                <a16:creationId xmlns:a16="http://schemas.microsoft.com/office/drawing/2014/main" id="{ECAF6388-FD02-48D8-BF48-D4A3BE6BDB63}"/>
+              </a:ext>
+            </a:extLst>
+          </p:cNvPr>
+          <p:cNvSpPr/>
+          <p:nvPr/>
+        </p:nvSpPr>
+        <p:spPr>
+          <a:xfrm>
+            <a:off x="-63214" y="-2"/>
+            <a:ext cx="16550333" cy="715047"/>
+          </a:xfrm>
+          <a:prstGeom prst="rect">
+            <a:avLst/>
+          </a:prstGeom>
+          <a:noFill/>
+          <a:ln w="19050">
+            <a:solidFill>
+              <a:schemeClr val="tx1"/>
+            </a:solidFill>
+          </a:ln>
+        </p:spPr>
+        <p:style>
+          <a:lnRef idx="2">
+            <a:schemeClr val="accent1">
+              <a:shade val="50000"/>
+            </a:schemeClr>
+          </a:lnRef>
+          <a:fillRef idx="1">
+            <a:schemeClr val="accent1"/>
+          </a:fillRef>
+          <a:effectRef idx="0">
+            <a:schemeClr val="accent1"/>
+          </a:effectRef>
+          <a:fontRef idx="minor">
+            <a:schemeClr val="lt1"/>
+          </a:fontRef>
+        </p:style>
+        <p:txBody>
+          <a:bodyPr rtlCol="0" anchor="ctr"/>
+          <a:lstStyle/>
+          <a:p>
+            <a:pPr algn="ctr"/>
+            <a:endParaRPr lang="zh-CN" altLang="en-US"/>
           </a:p>
         </p:txBody>
       </p:sp>
@@ -6190,31 +7304,87 @@
       </p:grpSpPr>
       <p:sp>
         <p:nvSpPr>
-          <p:cNvPr id="5" name="椭圆 4">
-            <a:extLst>
-              <a:ext uri="{FF2B5EF4-FFF2-40B4-BE49-F238E27FC236}">
-                <a16:creationId xmlns:a16="http://schemas.microsoft.com/office/drawing/2014/main" id="{C7E16B93-A503-4923-99B5-3C84CCD2D09C}"/>
-              </a:ext>
-            </a:extLst>
-          </p:cNvPr>
-          <p:cNvSpPr/>
-          <p:nvPr/>
-        </p:nvSpPr>
-        <p:spPr>
-          <a:xfrm>
-            <a:off x="3420755" y="1315548"/>
-            <a:ext cx="2405103" cy="668511"/>
-          </a:xfrm>
-          <a:prstGeom prst="ellipse">
-            <a:avLst/>
-          </a:prstGeom>
-          <a:solidFill>
-            <a:schemeClr val="bg1"/>
-          </a:solidFill>
+          <p:cNvPr id="25" name="文本框 24">
+            <a:extLst>
+              <a:ext uri="{FF2B5EF4-FFF2-40B4-BE49-F238E27FC236}">
+                <a16:creationId xmlns:a16="http://schemas.microsoft.com/office/drawing/2014/main" id="{57F20868-9FC5-4B5C-B354-01642F971D31}"/>
+              </a:ext>
+            </a:extLst>
+          </p:cNvPr>
+          <p:cNvSpPr txBox="1"/>
+          <p:nvPr/>
+        </p:nvSpPr>
+        <p:spPr>
+          <a:xfrm>
+            <a:off x="7867067" y="239844"/>
+            <a:ext cx="3908442" cy="523220"/>
+          </a:xfrm>
+          <a:prstGeom prst="rect">
+            <a:avLst/>
+          </a:prstGeom>
+          <a:noFill/>
+        </p:spPr>
+        <p:txBody>
+          <a:bodyPr wrap="none" rtlCol="0">
+            <a:spAutoFit/>
+          </a:bodyPr>
+          <a:lstStyle/>
+          <a:p>
+            <a:r>
+              <a:rPr lang="en-US" altLang="zh-CN" sz="2800" b="1" dirty="0">
+                <a:solidFill>
+                  <a:srgbClr val="FF0000"/>
+                </a:solidFill>
+                <a:highlight>
+                  <a:srgbClr val="FFFF00"/>
+                </a:highlight>
+                <a:latin typeface="Times New Roman" panose="02020603050405020304" pitchFamily="18" charset="0"/>
+                <a:cs typeface="Times New Roman" panose="02020603050405020304" pitchFamily="18" charset="0"/>
+              </a:rPr>
+              <a:t>When 0.422&lt;VCI&lt;0.55 :</a:t>
+            </a:r>
+            <a:endParaRPr lang="zh-CN" altLang="en-US" sz="2800" b="1" dirty="0">
+              <a:solidFill>
+                <a:srgbClr val="FF0000"/>
+              </a:solidFill>
+              <a:highlight>
+                <a:srgbClr val="FFFF00"/>
+              </a:highlight>
+              <a:latin typeface="Times New Roman" panose="02020603050405020304" pitchFamily="18" charset="0"/>
+              <a:cs typeface="Times New Roman" panose="02020603050405020304" pitchFamily="18" charset="0"/>
+            </a:endParaRPr>
+          </a:p>
+        </p:txBody>
+      </p:sp>
+      <p:cxnSp>
+        <p:nvCxnSpPr>
+          <p:cNvPr id="27" name="直接箭头连接符 26">
+            <a:extLst>
+              <a:ext uri="{FF2B5EF4-FFF2-40B4-BE49-F238E27FC236}">
+                <a16:creationId xmlns:a16="http://schemas.microsoft.com/office/drawing/2014/main" id="{4C1471BB-AD18-422A-9E8D-74F9F330074F}"/>
+              </a:ext>
+            </a:extLst>
+          </p:cNvPr>
+          <p:cNvCxnSpPr>
+            <a:cxnSpLocks/>
+            <a:stCxn id="40" idx="2"/>
+          </p:cNvCxnSpPr>
+          <p:nvPr/>
+        </p:nvCxnSpPr>
+        <p:spPr>
+          <a:xfrm>
+            <a:off x="4955823" y="2313697"/>
+            <a:ext cx="889602" cy="830864"/>
+          </a:xfrm>
+          <a:prstGeom prst="straightConnector1">
+            <a:avLst/>
+          </a:prstGeom>
+          <a:noFill/>
           <a:ln w="19050">
             <a:solidFill>
               <a:schemeClr val="tx1"/>
             </a:solidFill>
+            <a:tailEnd type="arrow"/>
           </a:ln>
         </p:spPr>
         <p:style>
@@ -6233,58 +7403,37 @@
             <a:schemeClr val="lt1"/>
           </a:fontRef>
         </p:style>
-        <p:txBody>
-          <a:bodyPr lIns="0" rIns="0" rtlCol="0" anchor="ctr"/>
-          <a:lstStyle/>
-          <a:p>
-            <a:pPr algn="ctr"/>
-            <a:r>
-              <a:rPr lang="en-US" altLang="zh-CN" dirty="0">
-                <a:solidFill>
-                  <a:schemeClr val="tx1"/>
-                </a:solidFill>
-                <a:latin typeface="Times New Roman" panose="02020603050405020304" pitchFamily="18" charset="0"/>
-                <a:cs typeface="Times New Roman" panose="02020603050405020304" pitchFamily="18" charset="0"/>
-              </a:rPr>
-              <a:t>GS precipitation</a:t>
-            </a:r>
-            <a:endParaRPr lang="zh-CN" altLang="en-US" dirty="0">
-              <a:solidFill>
-                <a:schemeClr val="tx1"/>
-              </a:solidFill>
-              <a:latin typeface="Times New Roman" panose="02020603050405020304" pitchFamily="18" charset="0"/>
-              <a:cs typeface="Times New Roman" panose="02020603050405020304" pitchFamily="18" charset="0"/>
-            </a:endParaRPr>
-          </a:p>
-        </p:txBody>
-      </p:sp>
-      <p:sp>
-        <p:nvSpPr>
-          <p:cNvPr id="6" name="椭圆 5">
-            <a:extLst>
-              <a:ext uri="{FF2B5EF4-FFF2-40B4-BE49-F238E27FC236}">
-                <a16:creationId xmlns:a16="http://schemas.microsoft.com/office/drawing/2014/main" id="{3921DB63-84EB-43A4-BBE0-46BB2D3C68BA}"/>
-              </a:ext>
-            </a:extLst>
-          </p:cNvPr>
-          <p:cNvSpPr/>
-          <p:nvPr/>
-        </p:nvSpPr>
-        <p:spPr>
-          <a:xfrm>
-            <a:off x="2190670" y="2102223"/>
-            <a:ext cx="2405103" cy="668511"/>
-          </a:xfrm>
-          <a:prstGeom prst="ellipse">
-            <a:avLst/>
-          </a:prstGeom>
-          <a:solidFill>
-            <a:schemeClr val="bg1"/>
-          </a:solidFill>
+      </p:cxnSp>
+      <p:cxnSp>
+        <p:nvCxnSpPr>
+          <p:cNvPr id="28" name="直接箭头连接符 27">
+            <a:extLst>
+              <a:ext uri="{FF2B5EF4-FFF2-40B4-BE49-F238E27FC236}">
+                <a16:creationId xmlns:a16="http://schemas.microsoft.com/office/drawing/2014/main" id="{7F28F6AB-1A86-47D1-AE8B-7769630A9C00}"/>
+              </a:ext>
+            </a:extLst>
+          </p:cNvPr>
+          <p:cNvCxnSpPr>
+            <a:cxnSpLocks/>
+            <a:stCxn id="42" idx="2"/>
+          </p:cNvCxnSpPr>
+          <p:nvPr/>
+        </p:nvCxnSpPr>
+        <p:spPr>
+          <a:xfrm flipH="1">
+            <a:off x="5754914" y="4062415"/>
+            <a:ext cx="899066" cy="974231"/>
+          </a:xfrm>
+          <a:prstGeom prst="straightConnector1">
+            <a:avLst/>
+          </a:prstGeom>
+          <a:noFill/>
           <a:ln w="19050">
             <a:solidFill>
               <a:schemeClr val="tx1"/>
             </a:solidFill>
+            <a:prstDash val="dash"/>
+            <a:tailEnd type="arrow"/>
           </a:ln>
         </p:spPr>
         <p:style>
@@ -6303,60 +7452,37 @@
             <a:schemeClr val="lt1"/>
           </a:fontRef>
         </p:style>
-        <p:txBody>
-          <a:bodyPr lIns="0" rIns="0" rtlCol="0" anchor="ctr"/>
-          <a:lstStyle/>
-          <a:p>
-            <a:pPr algn="ctr"/>
-            <a:r>
-              <a:rPr lang="en-US" altLang="zh-CN" dirty="0">
-                <a:solidFill>
-                  <a:schemeClr val="tx1"/>
-                </a:solidFill>
-                <a:latin typeface="Times New Roman" panose="02020603050405020304" pitchFamily="18" charset="0"/>
-                <a:cs typeface="Times New Roman" panose="02020603050405020304" pitchFamily="18" charset="0"/>
-              </a:rPr>
-              <a:t>GS snow cover</a:t>
-            </a:r>
-            <a:endParaRPr lang="zh-CN" altLang="en-US" dirty="0">
-              <a:solidFill>
-                <a:schemeClr val="tx1"/>
-              </a:solidFill>
-              <a:latin typeface="Times New Roman" panose="02020603050405020304" pitchFamily="18" charset="0"/>
-              <a:cs typeface="Times New Roman" panose="02020603050405020304" pitchFamily="18" charset="0"/>
-            </a:endParaRPr>
-          </a:p>
-        </p:txBody>
-      </p:sp>
-      <p:sp>
-        <p:nvSpPr>
-          <p:cNvPr id="7" name="椭圆 6">
-            <a:extLst>
-              <a:ext uri="{FF2B5EF4-FFF2-40B4-BE49-F238E27FC236}">
-                <a16:creationId xmlns:a16="http://schemas.microsoft.com/office/drawing/2014/main" id="{FFB18201-FD17-4619-B376-96D442BEF1FE}"/>
-              </a:ext>
-            </a:extLst>
-          </p:cNvPr>
-          <p:cNvSpPr/>
-          <p:nvPr/>
-        </p:nvSpPr>
-        <p:spPr>
-          <a:xfrm>
-            <a:off x="2190670" y="2884715"/>
-            <a:ext cx="2405103" cy="668511"/>
-          </a:xfrm>
-          <a:prstGeom prst="ellipse">
-            <a:avLst/>
-          </a:prstGeom>
-          <a:solidFill>
-            <a:schemeClr val="bg1"/>
-          </a:solidFill>
+      </p:cxnSp>
+      <p:cxnSp>
+        <p:nvCxnSpPr>
+          <p:cNvPr id="32" name="直接箭头连接符 31">
+            <a:extLst>
+              <a:ext uri="{FF2B5EF4-FFF2-40B4-BE49-F238E27FC236}">
+                <a16:creationId xmlns:a16="http://schemas.microsoft.com/office/drawing/2014/main" id="{5223AB74-A63F-45AC-AAFA-791D3A027773}"/>
+              </a:ext>
+            </a:extLst>
+          </p:cNvPr>
+          <p:cNvCxnSpPr>
+            <a:cxnSpLocks/>
+            <a:stCxn id="41" idx="2"/>
+          </p:cNvCxnSpPr>
+          <p:nvPr/>
+        </p:nvCxnSpPr>
+        <p:spPr>
+          <a:xfrm>
+            <a:off x="2654248" y="4062415"/>
+            <a:ext cx="1329923" cy="974231"/>
+          </a:xfrm>
+          <a:prstGeom prst="straightConnector1">
+            <a:avLst/>
+          </a:prstGeom>
+          <a:noFill/>
           <a:ln w="19050">
             <a:solidFill>
-              <a:schemeClr val="bg1">
-                <a:lumMod val="50000"/>
-              </a:schemeClr>
+              <a:schemeClr val="tx1"/>
             </a:solidFill>
+            <a:prstDash val="dash"/>
+            <a:tailEnd type="arrow"/>
           </a:ln>
         </p:spPr>
         <p:style>
@@ -6375,8 +7501,373 @@
             <a:schemeClr val="lt1"/>
           </a:fontRef>
         </p:style>
-        <p:txBody>
-          <a:bodyPr lIns="0" rIns="0" rtlCol="0" anchor="ctr"/>
+      </p:cxnSp>
+      <p:cxnSp>
+        <p:nvCxnSpPr>
+          <p:cNvPr id="33" name="直接箭头连接符 32">
+            <a:extLst>
+              <a:ext uri="{FF2B5EF4-FFF2-40B4-BE49-F238E27FC236}">
+                <a16:creationId xmlns:a16="http://schemas.microsoft.com/office/drawing/2014/main" id="{CEF7A6D3-B3CF-46E0-8321-FDA105C8CDA5}"/>
+              </a:ext>
+            </a:extLst>
+          </p:cNvPr>
+          <p:cNvCxnSpPr>
+            <a:cxnSpLocks/>
+            <a:endCxn id="57" idx="2"/>
+          </p:cNvCxnSpPr>
+          <p:nvPr/>
+        </p:nvCxnSpPr>
+        <p:spPr>
+          <a:xfrm flipV="1">
+            <a:off x="7470286" y="2313697"/>
+            <a:ext cx="811809" cy="863284"/>
+          </a:xfrm>
+          <a:prstGeom prst="straightConnector1">
+            <a:avLst/>
+          </a:prstGeom>
+          <a:noFill/>
+          <a:ln w="19050">
+            <a:solidFill>
+              <a:schemeClr val="tx1"/>
+            </a:solidFill>
+            <a:prstDash val="dash"/>
+            <a:headEnd type="arrow"/>
+            <a:tailEnd type="none"/>
+          </a:ln>
+        </p:spPr>
+        <p:style>
+          <a:lnRef idx="2">
+            <a:schemeClr val="accent1">
+              <a:shade val="50000"/>
+            </a:schemeClr>
+          </a:lnRef>
+          <a:fillRef idx="1">
+            <a:schemeClr val="accent1"/>
+          </a:fillRef>
+          <a:effectRef idx="0">
+            <a:schemeClr val="accent1"/>
+          </a:effectRef>
+          <a:fontRef idx="minor">
+            <a:schemeClr val="lt1"/>
+          </a:fontRef>
+        </p:style>
+      </p:cxnSp>
+      <p:sp>
+        <p:nvSpPr>
+          <p:cNvPr id="40" name="流程图: 准备 39">
+            <a:extLst>
+              <a:ext uri="{FF2B5EF4-FFF2-40B4-BE49-F238E27FC236}">
+                <a16:creationId xmlns:a16="http://schemas.microsoft.com/office/drawing/2014/main" id="{49ED55FD-A180-4E71-AA76-F3A5817732A5}"/>
+              </a:ext>
+            </a:extLst>
+          </p:cNvPr>
+          <p:cNvSpPr/>
+          <p:nvPr/>
+        </p:nvSpPr>
+        <p:spPr>
+          <a:xfrm>
+            <a:off x="3903981" y="1411997"/>
+            <a:ext cx="2103684" cy="901700"/>
+          </a:xfrm>
+          <a:prstGeom prst="flowChartPreparation">
+            <a:avLst/>
+          </a:prstGeom>
+          <a:noFill/>
+          <a:ln w="19050">
+            <a:solidFill>
+              <a:schemeClr val="tx1"/>
+            </a:solidFill>
+          </a:ln>
+        </p:spPr>
+        <p:style>
+          <a:lnRef idx="2">
+            <a:schemeClr val="accent1">
+              <a:shade val="50000"/>
+            </a:schemeClr>
+          </a:lnRef>
+          <a:fillRef idx="1">
+            <a:schemeClr val="accent1"/>
+          </a:fillRef>
+          <a:effectRef idx="0">
+            <a:schemeClr val="accent1"/>
+          </a:effectRef>
+          <a:fontRef idx="minor">
+            <a:schemeClr val="lt1"/>
+          </a:fontRef>
+        </p:style>
+        <p:txBody>
+          <a:bodyPr rtlCol="0" anchor="ctr"/>
+          <a:lstStyle/>
+          <a:p>
+            <a:pPr algn="ctr"/>
+            <a:r>
+              <a:rPr lang="en-US" altLang="zh-CN" sz="2200" dirty="0">
+                <a:solidFill>
+                  <a:schemeClr val="tx1"/>
+                </a:solidFill>
+                <a:latin typeface="Times New Roman" panose="02020603050405020304" pitchFamily="18" charset="0"/>
+                <a:cs typeface="Times New Roman" panose="02020603050405020304" pitchFamily="18" charset="0"/>
+              </a:rPr>
+              <a:t>Drought</a:t>
+            </a:r>
+          </a:p>
+          <a:p>
+            <a:pPr algn="ctr"/>
+            <a:r>
+              <a:rPr lang="en-US" altLang="zh-CN" sz="2200" dirty="0">
+                <a:solidFill>
+                  <a:schemeClr val="tx1"/>
+                </a:solidFill>
+                <a:latin typeface="Times New Roman" panose="02020603050405020304" pitchFamily="18" charset="0"/>
+                <a:cs typeface="Times New Roman" panose="02020603050405020304" pitchFamily="18" charset="0"/>
+              </a:rPr>
+              <a:t>(</a:t>
+            </a:r>
+            <a:r>
+              <a:rPr lang="en-US" altLang="zh-CN" sz="2200" i="1" dirty="0">
+                <a:solidFill>
+                  <a:schemeClr val="tx1"/>
+                </a:solidFill>
+                <a:latin typeface="Times New Roman" panose="02020603050405020304" pitchFamily="18" charset="0"/>
+                <a:cs typeface="Times New Roman" panose="02020603050405020304" pitchFamily="18" charset="0"/>
+              </a:rPr>
+              <a:t>R</a:t>
+            </a:r>
+            <a:r>
+              <a:rPr lang="en-US" altLang="zh-CN" sz="2200" baseline="30000" dirty="0">
+                <a:solidFill>
+                  <a:schemeClr val="tx1"/>
+                </a:solidFill>
+                <a:latin typeface="Times New Roman" panose="02020603050405020304" pitchFamily="18" charset="0"/>
+                <a:cs typeface="Times New Roman" panose="02020603050405020304" pitchFamily="18" charset="0"/>
+              </a:rPr>
+              <a:t>2</a:t>
+            </a:r>
+            <a:r>
+              <a:rPr lang="en-US" altLang="zh-CN" sz="2200" dirty="0">
+                <a:solidFill>
+                  <a:schemeClr val="tx1"/>
+                </a:solidFill>
+                <a:latin typeface="Times New Roman" panose="02020603050405020304" pitchFamily="18" charset="0"/>
+                <a:cs typeface="Times New Roman" panose="02020603050405020304" pitchFamily="18" charset="0"/>
+              </a:rPr>
+              <a:t>=0.39)</a:t>
+            </a:r>
+            <a:endParaRPr lang="zh-CN" altLang="en-US" sz="2200" dirty="0">
+              <a:solidFill>
+                <a:schemeClr val="tx1"/>
+              </a:solidFill>
+              <a:latin typeface="Times New Roman" panose="02020603050405020304" pitchFamily="18" charset="0"/>
+              <a:cs typeface="Times New Roman" panose="02020603050405020304" pitchFamily="18" charset="0"/>
+            </a:endParaRPr>
+          </a:p>
+        </p:txBody>
+      </p:sp>
+      <p:sp>
+        <p:nvSpPr>
+          <p:cNvPr id="41" name="流程图: 准备 40">
+            <a:extLst>
+              <a:ext uri="{FF2B5EF4-FFF2-40B4-BE49-F238E27FC236}">
+                <a16:creationId xmlns:a16="http://schemas.microsoft.com/office/drawing/2014/main" id="{A075ACB0-1BB7-424F-B05C-30809BE62A16}"/>
+              </a:ext>
+            </a:extLst>
+          </p:cNvPr>
+          <p:cNvSpPr/>
+          <p:nvPr/>
+        </p:nvSpPr>
+        <p:spPr>
+          <a:xfrm>
+            <a:off x="1602406" y="3160715"/>
+            <a:ext cx="2103684" cy="901700"/>
+          </a:xfrm>
+          <a:prstGeom prst="flowChartPreparation">
+            <a:avLst/>
+          </a:prstGeom>
+          <a:noFill/>
+          <a:ln w="19050">
+            <a:solidFill>
+              <a:schemeClr val="tx1"/>
+            </a:solidFill>
+          </a:ln>
+        </p:spPr>
+        <p:style>
+          <a:lnRef idx="2">
+            <a:schemeClr val="accent1">
+              <a:shade val="50000"/>
+            </a:schemeClr>
+          </a:lnRef>
+          <a:fillRef idx="1">
+            <a:schemeClr val="accent1"/>
+          </a:fillRef>
+          <a:effectRef idx="0">
+            <a:schemeClr val="accent1"/>
+          </a:effectRef>
+          <a:fontRef idx="minor">
+            <a:schemeClr val="lt1"/>
+          </a:fontRef>
+        </p:style>
+        <p:txBody>
+          <a:bodyPr rtlCol="0" anchor="ctr"/>
+          <a:lstStyle/>
+          <a:p>
+            <a:pPr algn="ctr"/>
+            <a:r>
+              <a:rPr lang="en-US" altLang="zh-CN" sz="2200" dirty="0">
+                <a:solidFill>
+                  <a:schemeClr val="tx1"/>
+                </a:solidFill>
+                <a:latin typeface="Times New Roman" panose="02020603050405020304" pitchFamily="18" charset="0"/>
+                <a:cs typeface="Times New Roman" panose="02020603050405020304" pitchFamily="18" charset="0"/>
+              </a:rPr>
+              <a:t>Warming</a:t>
+            </a:r>
+            <a:endParaRPr lang="zh-CN" altLang="en-US" sz="2200" dirty="0">
+              <a:solidFill>
+                <a:schemeClr val="tx1"/>
+              </a:solidFill>
+              <a:latin typeface="Times New Roman" panose="02020603050405020304" pitchFamily="18" charset="0"/>
+              <a:cs typeface="Times New Roman" panose="02020603050405020304" pitchFamily="18" charset="0"/>
+            </a:endParaRPr>
+          </a:p>
+        </p:txBody>
+      </p:sp>
+      <p:sp>
+        <p:nvSpPr>
+          <p:cNvPr id="42" name="流程图: 准备 41">
+            <a:extLst>
+              <a:ext uri="{FF2B5EF4-FFF2-40B4-BE49-F238E27FC236}">
+                <a16:creationId xmlns:a16="http://schemas.microsoft.com/office/drawing/2014/main" id="{3D2C99C2-E779-4C0E-887C-500E5898EA80}"/>
+              </a:ext>
+            </a:extLst>
+          </p:cNvPr>
+          <p:cNvSpPr/>
+          <p:nvPr/>
+        </p:nvSpPr>
+        <p:spPr>
+          <a:xfrm>
+            <a:off x="4821060" y="3160715"/>
+            <a:ext cx="3665839" cy="901700"/>
+          </a:xfrm>
+          <a:prstGeom prst="flowChartPreparation">
+            <a:avLst/>
+          </a:prstGeom>
+          <a:noFill/>
+          <a:ln w="19050">
+            <a:solidFill>
+              <a:schemeClr val="tx1"/>
+            </a:solidFill>
+          </a:ln>
+        </p:spPr>
+        <p:style>
+          <a:lnRef idx="2">
+            <a:schemeClr val="accent1">
+              <a:shade val="50000"/>
+            </a:schemeClr>
+          </a:lnRef>
+          <a:fillRef idx="1">
+            <a:schemeClr val="accent1"/>
+          </a:fillRef>
+          <a:effectRef idx="0">
+            <a:schemeClr val="accent1"/>
+          </a:effectRef>
+          <a:fontRef idx="minor">
+            <a:schemeClr val="lt1"/>
+          </a:fontRef>
+        </p:style>
+        <p:txBody>
+          <a:bodyPr rtlCol="0" anchor="ctr"/>
+          <a:lstStyle/>
+          <a:p>
+            <a:pPr algn="ctr"/>
+            <a:r>
+              <a:rPr lang="en-US" altLang="zh-CN" sz="2200" dirty="0">
+                <a:solidFill>
+                  <a:schemeClr val="tx1"/>
+                </a:solidFill>
+                <a:latin typeface="Times New Roman" panose="02020603050405020304" pitchFamily="18" charset="0"/>
+                <a:cs typeface="Times New Roman" panose="02020603050405020304" pitchFamily="18" charset="0"/>
+              </a:rPr>
+              <a:t>Water availability</a:t>
+            </a:r>
+          </a:p>
+          <a:p>
+            <a:pPr algn="ctr"/>
+            <a:r>
+              <a:rPr lang="en-US" altLang="zh-CN" sz="2200" dirty="0">
+                <a:solidFill>
+                  <a:schemeClr val="tx1"/>
+                </a:solidFill>
+                <a:latin typeface="Times New Roman" panose="02020603050405020304" pitchFamily="18" charset="0"/>
+                <a:cs typeface="Times New Roman" panose="02020603050405020304" pitchFamily="18" charset="0"/>
+              </a:rPr>
+              <a:t>(</a:t>
+            </a:r>
+            <a:r>
+              <a:rPr lang="en-US" altLang="zh-CN" sz="2200" i="1" dirty="0">
+                <a:solidFill>
+                  <a:schemeClr val="tx1"/>
+                </a:solidFill>
+                <a:latin typeface="Times New Roman" panose="02020603050405020304" pitchFamily="18" charset="0"/>
+                <a:cs typeface="Times New Roman" panose="02020603050405020304" pitchFamily="18" charset="0"/>
+              </a:rPr>
+              <a:t>R</a:t>
+            </a:r>
+            <a:r>
+              <a:rPr lang="en-US" altLang="zh-CN" sz="2200" baseline="30000" dirty="0">
+                <a:solidFill>
+                  <a:schemeClr val="tx1"/>
+                </a:solidFill>
+                <a:latin typeface="Times New Roman" panose="02020603050405020304" pitchFamily="18" charset="0"/>
+                <a:cs typeface="Times New Roman" panose="02020603050405020304" pitchFamily="18" charset="0"/>
+              </a:rPr>
+              <a:t>2</a:t>
+            </a:r>
+            <a:r>
+              <a:rPr lang="en-US" altLang="zh-CN" sz="2200" dirty="0">
+                <a:solidFill>
+                  <a:schemeClr val="tx1"/>
+                </a:solidFill>
+                <a:latin typeface="Times New Roman" panose="02020603050405020304" pitchFamily="18" charset="0"/>
+                <a:cs typeface="Times New Roman" panose="02020603050405020304" pitchFamily="18" charset="0"/>
+              </a:rPr>
+              <a:t>=0. 69)</a:t>
+            </a:r>
+            <a:endParaRPr lang="zh-CN" altLang="en-US" sz="2200" dirty="0">
+              <a:solidFill>
+                <a:schemeClr val="tx1"/>
+              </a:solidFill>
+              <a:latin typeface="Times New Roman" panose="02020603050405020304" pitchFamily="18" charset="0"/>
+              <a:cs typeface="Times New Roman" panose="02020603050405020304" pitchFamily="18" charset="0"/>
+            </a:endParaRPr>
+          </a:p>
+        </p:txBody>
+      </p:sp>
+      <p:sp>
+        <p:nvSpPr>
+          <p:cNvPr id="43" name="文本框 42">
+            <a:extLst>
+              <a:ext uri="{FF2B5EF4-FFF2-40B4-BE49-F238E27FC236}">
+                <a16:creationId xmlns:a16="http://schemas.microsoft.com/office/drawing/2014/main" id="{64A2E90F-8831-4590-8928-CA4CEEEBCB43}"/>
+              </a:ext>
+            </a:extLst>
+          </p:cNvPr>
+          <p:cNvSpPr txBox="1"/>
+          <p:nvPr/>
+        </p:nvSpPr>
+        <p:spPr>
+          <a:xfrm>
+            <a:off x="1654775" y="4475669"/>
+            <a:ext cx="1658896" cy="646331"/>
+          </a:xfrm>
+          <a:prstGeom prst="rect">
+            <a:avLst/>
+          </a:prstGeom>
+          <a:noFill/>
+        </p:spPr>
+        <p:txBody>
+          <a:bodyPr wrap="square">
+            <a:spAutoFit/>
+          </a:bodyPr>
           <a:lstStyle/>
           <a:p>
             <a:pPr algn="ctr"/>
@@ -6390,7 +7881,21 @@
                 <a:latin typeface="Times New Roman" panose="02020603050405020304" pitchFamily="18" charset="0"/>
                 <a:cs typeface="Times New Roman" panose="02020603050405020304" pitchFamily="18" charset="0"/>
               </a:rPr>
-              <a:t>GS snow depth</a:t>
+              <a:t>-0.81</a:t>
+            </a:r>
+          </a:p>
+          <a:p>
+            <a:r>
+              <a:rPr lang="en-US" altLang="zh-CN" dirty="0">
+                <a:solidFill>
+                  <a:schemeClr val="bg1">
+                    <a:lumMod val="50000"/>
+                  </a:schemeClr>
+                </a:solidFill>
+                <a:latin typeface="Times New Roman" panose="02020603050405020304" pitchFamily="18" charset="0"/>
+                <a:cs typeface="Times New Roman" panose="02020603050405020304" pitchFamily="18" charset="0"/>
+              </a:rPr>
+              <a:t>(-5.52, 3.90)</a:t>
             </a:r>
             <a:endParaRPr lang="zh-CN" altLang="en-US" dirty="0">
               <a:solidFill>
@@ -6406,53 +7911,30 @@
       </p:sp>
       <p:sp>
         <p:nvSpPr>
-          <p:cNvPr id="8" name="椭圆 7">
-            <a:extLst>
-              <a:ext uri="{FF2B5EF4-FFF2-40B4-BE49-F238E27FC236}">
-                <a16:creationId xmlns:a16="http://schemas.microsoft.com/office/drawing/2014/main" id="{941C2D18-2801-42E7-A809-D0D8360B1528}"/>
-              </a:ext>
-            </a:extLst>
-          </p:cNvPr>
-          <p:cNvSpPr/>
-          <p:nvPr/>
-        </p:nvSpPr>
-        <p:spPr>
-          <a:xfrm>
-            <a:off x="3420755" y="3666004"/>
-            <a:ext cx="2405103" cy="778996"/>
-          </a:xfrm>
-          <a:prstGeom prst="ellipse">
-            <a:avLst/>
-          </a:prstGeom>
-          <a:solidFill>
-            <a:schemeClr val="bg1"/>
-          </a:solidFill>
-          <a:ln w="19050">
-            <a:solidFill>
-              <a:schemeClr val="bg1">
-                <a:lumMod val="50000"/>
-              </a:schemeClr>
-            </a:solidFill>
-          </a:ln>
-        </p:spPr>
-        <p:style>
-          <a:lnRef idx="2">
-            <a:schemeClr val="accent1">
-              <a:shade val="50000"/>
-            </a:schemeClr>
-          </a:lnRef>
-          <a:fillRef idx="1">
-            <a:schemeClr val="accent1"/>
-          </a:fillRef>
-          <a:effectRef idx="0">
-            <a:schemeClr val="accent1"/>
-          </a:effectRef>
-          <a:fontRef idx="minor">
-            <a:schemeClr val="lt1"/>
-          </a:fontRef>
-        </p:style>
-        <p:txBody>
-          <a:bodyPr lIns="0" rIns="0" rtlCol="0" anchor="ctr"/>
+          <p:cNvPr id="44" name="文本框 43">
+            <a:extLst>
+              <a:ext uri="{FF2B5EF4-FFF2-40B4-BE49-F238E27FC236}">
+                <a16:creationId xmlns:a16="http://schemas.microsoft.com/office/drawing/2014/main" id="{EC0F7B6F-929F-45FD-9575-2A1662E7695F}"/>
+              </a:ext>
+            </a:extLst>
+          </p:cNvPr>
+          <p:cNvSpPr txBox="1"/>
+          <p:nvPr/>
+        </p:nvSpPr>
+        <p:spPr>
+          <a:xfrm>
+            <a:off x="5908665" y="4413853"/>
+            <a:ext cx="1531855" cy="646331"/>
+          </a:xfrm>
+          <a:prstGeom prst="rect">
+            <a:avLst/>
+          </a:prstGeom>
+          <a:noFill/>
+        </p:spPr>
+        <p:txBody>
+          <a:bodyPr wrap="square">
+            <a:spAutoFit/>
+          </a:bodyPr>
           <a:lstStyle/>
           <a:p>
             <a:pPr algn="ctr"/>
@@ -6466,11 +7948,10 @@
                 <a:latin typeface="Times New Roman" panose="02020603050405020304" pitchFamily="18" charset="0"/>
                 <a:cs typeface="Times New Roman" panose="02020603050405020304" pitchFamily="18" charset="0"/>
               </a:rPr>
-              <a:t>GS snow water</a:t>
-            </a:r>
-          </a:p>
-          <a:p>
-            <a:pPr algn="ctr"/>
+              <a:t>0.47</a:t>
+            </a:r>
+          </a:p>
+          <a:p>
             <a:r>
               <a:rPr lang="en-US" altLang="zh-CN" dirty="0">
                 <a:solidFill>
@@ -6481,7 +7962,7 @@
                 <a:latin typeface="Times New Roman" panose="02020603050405020304" pitchFamily="18" charset="0"/>
                 <a:cs typeface="Times New Roman" panose="02020603050405020304" pitchFamily="18" charset="0"/>
               </a:rPr>
-              <a:t>equivalent</a:t>
+              <a:t>(-2.27, 3.22)</a:t>
             </a:r>
             <a:endParaRPr lang="zh-CN" altLang="en-US" dirty="0">
               <a:solidFill>
@@ -6495,24 +7976,28 @@
           </a:p>
         </p:txBody>
       </p:sp>
-      <p:sp>
-        <p:nvSpPr>
-          <p:cNvPr id="9" name="流程图: 准备 8">
-            <a:extLst>
-              <a:ext uri="{FF2B5EF4-FFF2-40B4-BE49-F238E27FC236}">
-                <a16:creationId xmlns:a16="http://schemas.microsoft.com/office/drawing/2014/main" id="{E79DCF5B-F841-4D45-878D-317FC38E381B}"/>
-              </a:ext>
-            </a:extLst>
-          </p:cNvPr>
-          <p:cNvSpPr/>
-          <p:nvPr/>
-        </p:nvSpPr>
-        <p:spPr>
-          <a:xfrm>
-            <a:off x="5015831" y="2317270"/>
-            <a:ext cx="1727621" cy="901700"/>
-          </a:xfrm>
-          <a:prstGeom prst="flowChartPreparation">
+      <p:cxnSp>
+        <p:nvCxnSpPr>
+          <p:cNvPr id="45" name="直接箭头连接符 44">
+            <a:extLst>
+              <a:ext uri="{FF2B5EF4-FFF2-40B4-BE49-F238E27FC236}">
+                <a16:creationId xmlns:a16="http://schemas.microsoft.com/office/drawing/2014/main" id="{CECA9A03-7C13-40BD-87D7-37CD7D0797D6}"/>
+              </a:ext>
+            </a:extLst>
+          </p:cNvPr>
+          <p:cNvCxnSpPr>
+            <a:cxnSpLocks/>
+            <a:stCxn id="41" idx="0"/>
+            <a:endCxn id="40" idx="1"/>
+          </p:cNvCxnSpPr>
+          <p:nvPr/>
+        </p:nvCxnSpPr>
+        <p:spPr>
+          <a:xfrm flipV="1">
+            <a:off x="2654248" y="1862847"/>
+            <a:ext cx="1249733" cy="1297868"/>
+          </a:xfrm>
+          <a:prstGeom prst="straightConnector1">
             <a:avLst/>
           </a:prstGeom>
           <a:noFill/>
@@ -6520,6 +8005,8 @@
             <a:solidFill>
               <a:schemeClr val="tx1"/>
             </a:solidFill>
+            <a:prstDash val="solid"/>
+            <a:tailEnd type="arrow"/>
           </a:ln>
         </p:spPr>
         <p:style>
@@ -6538,53 +8025,38 @@
             <a:schemeClr val="lt1"/>
           </a:fontRef>
         </p:style>
-        <p:txBody>
-          <a:bodyPr rtlCol="0" anchor="ctr"/>
-          <a:lstStyle/>
-          <a:p>
-            <a:pPr algn="ctr"/>
-            <a:r>
-              <a:rPr lang="en-US" altLang="zh-CN" sz="2200" dirty="0">
-                <a:solidFill>
-                  <a:schemeClr val="tx1"/>
-                </a:solidFill>
-                <a:latin typeface="Times New Roman" panose="02020603050405020304" pitchFamily="18" charset="0"/>
-                <a:cs typeface="Times New Roman" panose="02020603050405020304" pitchFamily="18" charset="0"/>
-              </a:rPr>
-              <a:t>Wet</a:t>
-            </a:r>
-          </a:p>
-        </p:txBody>
-      </p:sp>
-      <p:sp>
-        <p:nvSpPr>
-          <p:cNvPr id="10" name="椭圆 9">
-            <a:extLst>
-              <a:ext uri="{FF2B5EF4-FFF2-40B4-BE49-F238E27FC236}">
-                <a16:creationId xmlns:a16="http://schemas.microsoft.com/office/drawing/2014/main" id="{D96134BF-F048-4E1C-87BB-EA2F65BA3908}"/>
-              </a:ext>
-            </a:extLst>
-          </p:cNvPr>
-          <p:cNvSpPr/>
-          <p:nvPr/>
-        </p:nvSpPr>
-        <p:spPr>
-          <a:xfrm>
-            <a:off x="6060026" y="1315548"/>
-            <a:ext cx="2405103" cy="668511"/>
-          </a:xfrm>
-          <a:prstGeom prst="ellipse">
-            <a:avLst/>
-          </a:prstGeom>
-          <a:solidFill>
-            <a:schemeClr val="bg1"/>
-          </a:solidFill>
+      </p:cxnSp>
+      <p:cxnSp>
+        <p:nvCxnSpPr>
+          <p:cNvPr id="46" name="直接箭头连接符 45">
+            <a:extLst>
+              <a:ext uri="{FF2B5EF4-FFF2-40B4-BE49-F238E27FC236}">
+                <a16:creationId xmlns:a16="http://schemas.microsoft.com/office/drawing/2014/main" id="{C8C4CB3D-D45B-4185-B509-B010B3DA9EF5}"/>
+              </a:ext>
+            </a:extLst>
+          </p:cNvPr>
+          <p:cNvCxnSpPr>
+            <a:cxnSpLocks/>
+            <a:stCxn id="57" idx="1"/>
+            <a:endCxn id="40" idx="3"/>
+          </p:cNvCxnSpPr>
+          <p:nvPr/>
+        </p:nvCxnSpPr>
+        <p:spPr>
+          <a:xfrm flipH="1">
+            <a:off x="6007665" y="1862847"/>
+            <a:ext cx="1222588" cy="0"/>
+          </a:xfrm>
+          <a:prstGeom prst="straightConnector1">
+            <a:avLst/>
+          </a:prstGeom>
+          <a:noFill/>
           <a:ln w="19050">
             <a:solidFill>
-              <a:schemeClr val="bg1">
-                <a:lumMod val="50000"/>
-              </a:schemeClr>
+              <a:schemeClr val="tx1"/>
             </a:solidFill>
+            <a:prstDash val="dash"/>
+            <a:tailEnd type="arrow"/>
           </a:ln>
         </p:spPr>
         <p:style>
@@ -6603,8 +8075,186 @@
             <a:schemeClr val="lt1"/>
           </a:fontRef>
         </p:style>
-        <p:txBody>
-          <a:bodyPr lIns="0" rIns="0" rtlCol="0" anchor="ctr"/>
+      </p:cxnSp>
+      <p:sp>
+        <p:nvSpPr>
+          <p:cNvPr id="47" name="文本框 46">
+            <a:extLst>
+              <a:ext uri="{FF2B5EF4-FFF2-40B4-BE49-F238E27FC236}">
+                <a16:creationId xmlns:a16="http://schemas.microsoft.com/office/drawing/2014/main" id="{05EC9598-8412-4E5F-9F59-59D1037327FE}"/>
+              </a:ext>
+            </a:extLst>
+          </p:cNvPr>
+          <p:cNvSpPr txBox="1"/>
+          <p:nvPr/>
+        </p:nvSpPr>
+        <p:spPr>
+          <a:xfrm>
+            <a:off x="5463214" y="2261138"/>
+            <a:ext cx="1434053" cy="646331"/>
+          </a:xfrm>
+          <a:prstGeom prst="rect">
+            <a:avLst/>
+          </a:prstGeom>
+          <a:noFill/>
+        </p:spPr>
+        <p:txBody>
+          <a:bodyPr wrap="square">
+            <a:spAutoFit/>
+          </a:bodyPr>
+          <a:lstStyle/>
+          <a:p>
+            <a:pPr algn="ctr"/>
+            <a:r>
+              <a:rPr lang="en-US" altLang="zh-CN" dirty="0">
+                <a:latin typeface="Times New Roman" panose="02020603050405020304" pitchFamily="18" charset="0"/>
+                <a:cs typeface="Times New Roman" panose="02020603050405020304" pitchFamily="18" charset="0"/>
+              </a:rPr>
+              <a:t>-0.68</a:t>
+            </a:r>
+          </a:p>
+          <a:p>
+            <a:r>
+              <a:rPr lang="en-US" altLang="zh-CN" dirty="0">
+                <a:latin typeface="Times New Roman" panose="02020603050405020304" pitchFamily="18" charset="0"/>
+                <a:cs typeface="Times New Roman" panose="02020603050405020304" pitchFamily="18" charset="0"/>
+              </a:rPr>
+              <a:t>(-1.13, -0.23)</a:t>
+            </a:r>
+            <a:endParaRPr lang="zh-CN" altLang="en-US" dirty="0">
+              <a:latin typeface="Times New Roman" panose="02020603050405020304" pitchFamily="18" charset="0"/>
+              <a:cs typeface="Times New Roman" panose="02020603050405020304" pitchFamily="18" charset="0"/>
+            </a:endParaRPr>
+          </a:p>
+        </p:txBody>
+      </p:sp>
+      <p:cxnSp>
+        <p:nvCxnSpPr>
+          <p:cNvPr id="48" name="直接箭头连接符 47">
+            <a:extLst>
+              <a:ext uri="{FF2B5EF4-FFF2-40B4-BE49-F238E27FC236}">
+                <a16:creationId xmlns:a16="http://schemas.microsoft.com/office/drawing/2014/main" id="{19C1632D-E5E7-4D88-9BC0-E178FB4096EF}"/>
+              </a:ext>
+            </a:extLst>
+          </p:cNvPr>
+          <p:cNvCxnSpPr>
+            <a:cxnSpLocks/>
+            <a:stCxn id="41" idx="3"/>
+            <a:endCxn id="42" idx="1"/>
+          </p:cNvCxnSpPr>
+          <p:nvPr/>
+        </p:nvCxnSpPr>
+        <p:spPr>
+          <a:xfrm>
+            <a:off x="3706090" y="3611565"/>
+            <a:ext cx="1114970" cy="0"/>
+          </a:xfrm>
+          <a:prstGeom prst="straightConnector1">
+            <a:avLst/>
+          </a:prstGeom>
+          <a:noFill/>
+          <a:ln w="19050">
+            <a:solidFill>
+              <a:schemeClr val="tx1"/>
+            </a:solidFill>
+            <a:tailEnd type="arrow"/>
+          </a:ln>
+        </p:spPr>
+        <p:style>
+          <a:lnRef idx="2">
+            <a:schemeClr val="accent1">
+              <a:shade val="50000"/>
+            </a:schemeClr>
+          </a:lnRef>
+          <a:fillRef idx="1">
+            <a:schemeClr val="accent1"/>
+          </a:fillRef>
+          <a:effectRef idx="0">
+            <a:schemeClr val="accent1"/>
+          </a:effectRef>
+          <a:fontRef idx="minor">
+            <a:schemeClr val="lt1"/>
+          </a:fontRef>
+        </p:style>
+      </p:cxnSp>
+      <p:sp>
+        <p:nvSpPr>
+          <p:cNvPr id="49" name="文本框 48">
+            <a:extLst>
+              <a:ext uri="{FF2B5EF4-FFF2-40B4-BE49-F238E27FC236}">
+                <a16:creationId xmlns:a16="http://schemas.microsoft.com/office/drawing/2014/main" id="{A786F313-BB08-4FD7-A54D-D46D353D037E}"/>
+              </a:ext>
+            </a:extLst>
+          </p:cNvPr>
+          <p:cNvSpPr txBox="1"/>
+          <p:nvPr/>
+        </p:nvSpPr>
+        <p:spPr>
+          <a:xfrm>
+            <a:off x="3578361" y="2907469"/>
+            <a:ext cx="1307301" cy="646331"/>
+          </a:xfrm>
+          <a:prstGeom prst="rect">
+            <a:avLst/>
+          </a:prstGeom>
+          <a:noFill/>
+        </p:spPr>
+        <p:txBody>
+          <a:bodyPr wrap="square">
+            <a:spAutoFit/>
+          </a:bodyPr>
+          <a:lstStyle/>
+          <a:p>
+            <a:pPr algn="ctr"/>
+            <a:r>
+              <a:rPr lang="en-US" altLang="zh-CN" dirty="0">
+                <a:latin typeface="Times New Roman" panose="02020603050405020304" pitchFamily="18" charset="0"/>
+                <a:cs typeface="Times New Roman" panose="02020603050405020304" pitchFamily="18" charset="0"/>
+              </a:rPr>
+              <a:t>1.07</a:t>
+            </a:r>
+          </a:p>
+          <a:p>
+            <a:r>
+              <a:rPr lang="en-US" altLang="zh-CN" dirty="0">
+                <a:latin typeface="Times New Roman" panose="02020603050405020304" pitchFamily="18" charset="0"/>
+                <a:cs typeface="Times New Roman" panose="02020603050405020304" pitchFamily="18" charset="0"/>
+              </a:rPr>
+              <a:t>(0.50, 1.65)</a:t>
+            </a:r>
+            <a:endParaRPr lang="zh-CN" altLang="en-US" dirty="0">
+              <a:latin typeface="Times New Roman" panose="02020603050405020304" pitchFamily="18" charset="0"/>
+              <a:cs typeface="Times New Roman" panose="02020603050405020304" pitchFamily="18" charset="0"/>
+            </a:endParaRPr>
+          </a:p>
+        </p:txBody>
+      </p:sp>
+      <p:sp>
+        <p:nvSpPr>
+          <p:cNvPr id="50" name="文本框 49">
+            <a:extLst>
+              <a:ext uri="{FF2B5EF4-FFF2-40B4-BE49-F238E27FC236}">
+                <a16:creationId xmlns:a16="http://schemas.microsoft.com/office/drawing/2014/main" id="{7C2614D4-BBDE-4B7C-91E2-B36B4134BA39}"/>
+              </a:ext>
+            </a:extLst>
+          </p:cNvPr>
+          <p:cNvSpPr txBox="1"/>
+          <p:nvPr/>
+        </p:nvSpPr>
+        <p:spPr>
+          <a:xfrm>
+            <a:off x="7664082" y="2517784"/>
+            <a:ext cx="1531855" cy="646331"/>
+          </a:xfrm>
+          <a:prstGeom prst="rect">
+            <a:avLst/>
+          </a:prstGeom>
+          <a:noFill/>
+        </p:spPr>
+        <p:txBody>
+          <a:bodyPr wrap="square">
+            <a:spAutoFit/>
+          </a:bodyPr>
           <a:lstStyle/>
           <a:p>
             <a:pPr algn="ctr"/>
@@ -6618,7 +8268,21 @@
                 <a:latin typeface="Times New Roman" panose="02020603050405020304" pitchFamily="18" charset="0"/>
                 <a:cs typeface="Times New Roman" panose="02020603050405020304" pitchFamily="18" charset="0"/>
               </a:rPr>
-              <a:t>NGS precipitation</a:t>
+              <a:t>0.49</a:t>
+            </a:r>
+          </a:p>
+          <a:p>
+            <a:r>
+              <a:rPr lang="en-US" altLang="zh-CN" dirty="0">
+                <a:solidFill>
+                  <a:schemeClr val="bg1">
+                    <a:lumMod val="50000"/>
+                  </a:schemeClr>
+                </a:solidFill>
+                <a:latin typeface="Times New Roman" panose="02020603050405020304" pitchFamily="18" charset="0"/>
+                <a:cs typeface="Times New Roman" panose="02020603050405020304" pitchFamily="18" charset="0"/>
+              </a:rPr>
+              <a:t>(-2.00, 2.96)</a:t>
             </a:r>
             <a:endParaRPr lang="zh-CN" altLang="en-US" dirty="0">
               <a:solidFill>
@@ -6634,10 +8298,208 @@
       </p:sp>
       <p:sp>
         <p:nvSpPr>
-          <p:cNvPr id="11" name="椭圆 10">
-            <a:extLst>
-              <a:ext uri="{FF2B5EF4-FFF2-40B4-BE49-F238E27FC236}">
-                <a16:creationId xmlns:a16="http://schemas.microsoft.com/office/drawing/2014/main" id="{E0F7194A-C16A-42B8-BCD7-02135ED09120}"/>
+          <p:cNvPr id="51" name="文本框 50">
+            <a:extLst>
+              <a:ext uri="{FF2B5EF4-FFF2-40B4-BE49-F238E27FC236}">
+                <a16:creationId xmlns:a16="http://schemas.microsoft.com/office/drawing/2014/main" id="{1269FF6A-16A8-4168-A3A9-3CE5669DEB46}"/>
+              </a:ext>
+            </a:extLst>
+          </p:cNvPr>
+          <p:cNvSpPr txBox="1"/>
+          <p:nvPr/>
+        </p:nvSpPr>
+        <p:spPr>
+          <a:xfrm>
+            <a:off x="5958390" y="1169645"/>
+            <a:ext cx="1519976" cy="646331"/>
+          </a:xfrm>
+          <a:prstGeom prst="rect">
+            <a:avLst/>
+          </a:prstGeom>
+          <a:noFill/>
+        </p:spPr>
+        <p:txBody>
+          <a:bodyPr wrap="square">
+            <a:spAutoFit/>
+          </a:bodyPr>
+          <a:lstStyle/>
+          <a:p>
+            <a:pPr algn="ctr"/>
+            <a:r>
+              <a:rPr lang="en-US" altLang="zh-CN" dirty="0">
+                <a:latin typeface="Times New Roman" panose="02020603050405020304" pitchFamily="18" charset="0"/>
+                <a:cs typeface="Times New Roman" panose="02020603050405020304" pitchFamily="18" charset="0"/>
+              </a:rPr>
+              <a:t>-0. 35</a:t>
+            </a:r>
+          </a:p>
+          <a:p>
+            <a:r>
+              <a:rPr lang="en-US" altLang="zh-CN" dirty="0">
+                <a:latin typeface="Times New Roman" panose="02020603050405020304" pitchFamily="18" charset="0"/>
+                <a:cs typeface="Times New Roman" panose="02020603050405020304" pitchFamily="18" charset="0"/>
+              </a:rPr>
+              <a:t>(-0.72, 0.02)</a:t>
+            </a:r>
+            <a:endParaRPr lang="zh-CN" altLang="en-US" dirty="0">
+              <a:latin typeface="Times New Roman" panose="02020603050405020304" pitchFamily="18" charset="0"/>
+              <a:cs typeface="Times New Roman" panose="02020603050405020304" pitchFamily="18" charset="0"/>
+            </a:endParaRPr>
+          </a:p>
+        </p:txBody>
+      </p:sp>
+      <p:sp>
+        <p:nvSpPr>
+          <p:cNvPr id="52" name="文本框 51">
+            <a:extLst>
+              <a:ext uri="{FF2B5EF4-FFF2-40B4-BE49-F238E27FC236}">
+                <a16:creationId xmlns:a16="http://schemas.microsoft.com/office/drawing/2014/main" id="{1576E5E1-ABFC-4EBC-B958-8A13820C1D83}"/>
+              </a:ext>
+            </a:extLst>
+          </p:cNvPr>
+          <p:cNvSpPr txBox="1"/>
+          <p:nvPr/>
+        </p:nvSpPr>
+        <p:spPr>
+          <a:xfrm>
+            <a:off x="1930449" y="1965794"/>
+            <a:ext cx="1408611" cy="646331"/>
+          </a:xfrm>
+          <a:prstGeom prst="rect">
+            <a:avLst/>
+          </a:prstGeom>
+          <a:noFill/>
+        </p:spPr>
+        <p:txBody>
+          <a:bodyPr wrap="square">
+            <a:spAutoFit/>
+          </a:bodyPr>
+          <a:lstStyle/>
+          <a:p>
+            <a:pPr algn="ctr"/>
+            <a:r>
+              <a:rPr lang="en-US" altLang="zh-CN" dirty="0">
+                <a:latin typeface="Times New Roman" panose="02020603050405020304" pitchFamily="18" charset="0"/>
+                <a:cs typeface="Times New Roman" panose="02020603050405020304" pitchFamily="18" charset="0"/>
+              </a:rPr>
+              <a:t>0.34</a:t>
+            </a:r>
+          </a:p>
+          <a:p>
+            <a:r>
+              <a:rPr lang="en-US" altLang="zh-CN" dirty="0">
+                <a:latin typeface="Times New Roman" panose="02020603050405020304" pitchFamily="18" charset="0"/>
+                <a:cs typeface="Times New Roman" panose="02020603050405020304" pitchFamily="18" charset="0"/>
+              </a:rPr>
+              <a:t>(0.02, 0.65)</a:t>
+            </a:r>
+            <a:endParaRPr lang="zh-CN" altLang="en-US" dirty="0">
+              <a:latin typeface="Times New Roman" panose="02020603050405020304" pitchFamily="18" charset="0"/>
+              <a:cs typeface="Times New Roman" panose="02020603050405020304" pitchFamily="18" charset="0"/>
+            </a:endParaRPr>
+          </a:p>
+        </p:txBody>
+      </p:sp>
+      <p:sp>
+        <p:nvSpPr>
+          <p:cNvPr id="54" name="文本框 53">
+            <a:extLst>
+              <a:ext uri="{FF2B5EF4-FFF2-40B4-BE49-F238E27FC236}">
+                <a16:creationId xmlns:a16="http://schemas.microsoft.com/office/drawing/2014/main" id="{D11C0AE3-C459-4CCA-B169-2B4451B9E6B7}"/>
+              </a:ext>
+            </a:extLst>
+          </p:cNvPr>
+          <p:cNvSpPr txBox="1"/>
+          <p:nvPr/>
+        </p:nvSpPr>
+        <p:spPr>
+          <a:xfrm>
+            <a:off x="2415643" y="4180198"/>
+            <a:ext cx="392641" cy="369332"/>
+          </a:xfrm>
+          <a:prstGeom prst="rect">
+            <a:avLst/>
+          </a:prstGeom>
+          <a:noFill/>
+        </p:spPr>
+        <p:txBody>
+          <a:bodyPr wrap="square">
+            <a:spAutoFit/>
+          </a:bodyPr>
+          <a:lstStyle/>
+          <a:p>
+            <a:pPr algn="ctr"/>
+            <a:r>
+              <a:rPr lang="en-US" altLang="zh-CN" dirty="0">
+                <a:latin typeface="Times New Roman" panose="02020603050405020304" pitchFamily="18" charset="0"/>
+                <a:cs typeface="Times New Roman" panose="02020603050405020304" pitchFamily="18" charset="0"/>
+              </a:rPr>
+              <a:t>ns</a:t>
+            </a:r>
+            <a:endParaRPr lang="zh-CN" altLang="en-US" dirty="0">
+              <a:latin typeface="Times New Roman" panose="02020603050405020304" pitchFamily="18" charset="0"/>
+              <a:cs typeface="Times New Roman" panose="02020603050405020304" pitchFamily="18" charset="0"/>
+            </a:endParaRPr>
+          </a:p>
+        </p:txBody>
+      </p:sp>
+      <p:cxnSp>
+        <p:nvCxnSpPr>
+          <p:cNvPr id="55" name="连接符: 肘形 54">
+            <a:extLst>
+              <a:ext uri="{FF2B5EF4-FFF2-40B4-BE49-F238E27FC236}">
+                <a16:creationId xmlns:a16="http://schemas.microsoft.com/office/drawing/2014/main" id="{8749BBF3-298E-4EE7-AD2B-95A91D8877D1}"/>
+              </a:ext>
+            </a:extLst>
+          </p:cNvPr>
+          <p:cNvCxnSpPr>
+            <a:cxnSpLocks/>
+            <a:stCxn id="40" idx="0"/>
+            <a:endCxn id="56" idx="3"/>
+          </p:cNvCxnSpPr>
+          <p:nvPr/>
+        </p:nvCxnSpPr>
+        <p:spPr>
+          <a:xfrm rot="16200000" flipH="1">
+            <a:off x="3942331" y="2425489"/>
+            <a:ext cx="4145984" cy="2119000"/>
+          </a:xfrm>
+          <a:prstGeom prst="bentConnector4">
+            <a:avLst>
+              <a:gd name="adj1" fmla="val -9190"/>
+              <a:gd name="adj2" fmla="val 215073"/>
+            </a:avLst>
+          </a:prstGeom>
+          <a:ln w="19050">
+            <a:solidFill>
+              <a:srgbClr val="FF0000"/>
+            </a:solidFill>
+            <a:prstDash val="dash"/>
+            <a:headEnd type="none"/>
+            <a:tailEnd type="arrow"/>
+          </a:ln>
+        </p:spPr>
+        <p:style>
+          <a:lnRef idx="1">
+            <a:schemeClr val="accent1"/>
+          </a:lnRef>
+          <a:fillRef idx="0">
+            <a:schemeClr val="accent1"/>
+          </a:fillRef>
+          <a:effectRef idx="0">
+            <a:schemeClr val="accent1"/>
+          </a:effectRef>
+          <a:fontRef idx="minor">
+            <a:schemeClr val="tx1"/>
+          </a:fontRef>
+        </p:style>
+      </p:cxnSp>
+      <p:sp>
+        <p:nvSpPr>
+          <p:cNvPr id="56" name="流程图: 准备 55">
+            <a:extLst>
+              <a:ext uri="{FF2B5EF4-FFF2-40B4-BE49-F238E27FC236}">
+                <a16:creationId xmlns:a16="http://schemas.microsoft.com/office/drawing/2014/main" id="{B60143E0-381D-4716-B230-756176F9BF72}"/>
               </a:ext>
             </a:extLst>
           </p:cNvPr>
@@ -6646,15 +8508,13 @@
         </p:nvSpPr>
         <p:spPr>
           <a:xfrm>
-            <a:off x="7135977" y="2102223"/>
-            <a:ext cx="2405103" cy="668511"/>
-          </a:xfrm>
-          <a:prstGeom prst="ellipse">
-            <a:avLst/>
-          </a:prstGeom>
-          <a:solidFill>
-            <a:schemeClr val="bg1"/>
-          </a:solidFill>
+            <a:off x="2569678" y="5036646"/>
+            <a:ext cx="4505145" cy="1042670"/>
+          </a:xfrm>
+          <a:prstGeom prst="flowChartPreparation">
+            <a:avLst/>
+          </a:prstGeom>
+          <a:noFill/>
           <a:ln w="19050">
             <a:solidFill>
               <a:schemeClr val="tx1"/>
@@ -6683,31 +8543,67 @@
           <a:p>
             <a:pPr algn="ctr"/>
             <a:r>
-              <a:rPr lang="en-US" altLang="zh-CN" dirty="0">
+              <a:rPr lang="en-US" altLang="zh-CN" sz="2200" dirty="0">
                 <a:solidFill>
                   <a:schemeClr val="tx1"/>
                 </a:solidFill>
                 <a:latin typeface="Times New Roman" panose="02020603050405020304" pitchFamily="18" charset="0"/>
                 <a:cs typeface="Times New Roman" panose="02020603050405020304" pitchFamily="18" charset="0"/>
               </a:rPr>
-              <a:t>NGS snow cover</a:t>
-            </a:r>
-            <a:endParaRPr lang="zh-CN" altLang="en-US" dirty="0">
-              <a:solidFill>
-                <a:schemeClr val="tx1"/>
-              </a:solidFill>
-              <a:latin typeface="Times New Roman" panose="02020603050405020304" pitchFamily="18" charset="0"/>
-              <a:cs typeface="Times New Roman" panose="02020603050405020304" pitchFamily="18" charset="0"/>
-            </a:endParaRPr>
-          </a:p>
-        </p:txBody>
-      </p:sp>
-      <p:sp>
-        <p:nvSpPr>
-          <p:cNvPr id="12" name="椭圆 11">
-            <a:extLst>
-              <a:ext uri="{FF2B5EF4-FFF2-40B4-BE49-F238E27FC236}">
-                <a16:creationId xmlns:a16="http://schemas.microsoft.com/office/drawing/2014/main" id="{2BDDE503-5109-43A1-B9F9-D16A147042BA}"/>
+              <a:t>Vegetation Performance</a:t>
+            </a:r>
+          </a:p>
+          <a:p>
+            <a:pPr algn="ctr"/>
+            <a:r>
+              <a:rPr lang="en-US" altLang="zh-CN" sz="2200" dirty="0">
+                <a:solidFill>
+                  <a:schemeClr val="tx1"/>
+                </a:solidFill>
+                <a:latin typeface="Times New Roman" panose="02020603050405020304" pitchFamily="18" charset="0"/>
+                <a:cs typeface="Times New Roman" panose="02020603050405020304" pitchFamily="18" charset="0"/>
+              </a:rPr>
+              <a:t>(</a:t>
+            </a:r>
+            <a:r>
+              <a:rPr lang="en-US" altLang="zh-CN" sz="2200" i="1" dirty="0">
+                <a:solidFill>
+                  <a:schemeClr val="tx1"/>
+                </a:solidFill>
+                <a:latin typeface="Times New Roman" panose="02020603050405020304" pitchFamily="18" charset="0"/>
+                <a:cs typeface="Times New Roman" panose="02020603050405020304" pitchFamily="18" charset="0"/>
+              </a:rPr>
+              <a:t>R</a:t>
+            </a:r>
+            <a:r>
+              <a:rPr lang="en-US" altLang="zh-CN" sz="2200" baseline="30000" dirty="0">
+                <a:solidFill>
+                  <a:schemeClr val="tx1"/>
+                </a:solidFill>
+                <a:latin typeface="Times New Roman" panose="02020603050405020304" pitchFamily="18" charset="0"/>
+                <a:cs typeface="Times New Roman" panose="02020603050405020304" pitchFamily="18" charset="0"/>
+              </a:rPr>
+              <a:t>2</a:t>
+            </a:r>
+            <a:r>
+              <a:rPr lang="en-US" altLang="zh-CN" sz="2200" dirty="0">
+                <a:solidFill>
+                  <a:schemeClr val="tx1"/>
+                </a:solidFill>
+                <a:latin typeface="Times New Roman" panose="02020603050405020304" pitchFamily="18" charset="0"/>
+                <a:cs typeface="Times New Roman" panose="02020603050405020304" pitchFamily="18" charset="0"/>
+              </a:rPr>
+              <a:t>=0.80)</a:t>
+            </a:r>
+          </a:p>
+        </p:txBody>
+      </p:sp>
+      <p:sp>
+        <p:nvSpPr>
+          <p:cNvPr id="57" name="流程图: 准备 56">
+            <a:extLst>
+              <a:ext uri="{FF2B5EF4-FFF2-40B4-BE49-F238E27FC236}">
+                <a16:creationId xmlns:a16="http://schemas.microsoft.com/office/drawing/2014/main" id="{5B96A244-3AE2-4768-82A5-E01443F9CC1B}"/>
               </a:ext>
             </a:extLst>
           </p:cNvPr>
@@ -6716,15 +8612,13 @@
         </p:nvSpPr>
         <p:spPr>
           <a:xfrm>
-            <a:off x="7135977" y="2884715"/>
-            <a:ext cx="2405103" cy="668511"/>
-          </a:xfrm>
-          <a:prstGeom prst="ellipse">
-            <a:avLst/>
-          </a:prstGeom>
-          <a:solidFill>
-            <a:schemeClr val="bg1"/>
-          </a:solidFill>
+            <a:off x="7230253" y="1411997"/>
+            <a:ext cx="2103684" cy="901700"/>
+          </a:xfrm>
+          <a:prstGeom prst="flowChartPreparation">
+            <a:avLst/>
+          </a:prstGeom>
+          <a:noFill/>
           <a:ln w="19050">
             <a:solidFill>
               <a:schemeClr val="tx1"/>
@@ -6748,23 +8642,83 @@
           </a:fontRef>
         </p:style>
         <p:txBody>
-          <a:bodyPr lIns="0" rIns="0" rtlCol="0" anchor="ctr"/>
+          <a:bodyPr rtlCol="0" anchor="ctr"/>
           <a:lstStyle/>
           <a:p>
             <a:pPr algn="ctr"/>
             <a:r>
-              <a:rPr lang="en-US" altLang="zh-CN" dirty="0">
+              <a:rPr lang="en-US" altLang="zh-CN" sz="2200" dirty="0">
                 <a:solidFill>
                   <a:schemeClr val="tx1"/>
                 </a:solidFill>
                 <a:latin typeface="Times New Roman" panose="02020603050405020304" pitchFamily="18" charset="0"/>
                 <a:cs typeface="Times New Roman" panose="02020603050405020304" pitchFamily="18" charset="0"/>
               </a:rPr>
-              <a:t>NGS snow depth</a:t>
+              <a:t>Wet</a:t>
+            </a:r>
+          </a:p>
+        </p:txBody>
+      </p:sp>
+      <p:sp>
+        <p:nvSpPr>
+          <p:cNvPr id="58" name="文本框 57">
+            <a:extLst>
+              <a:ext uri="{FF2B5EF4-FFF2-40B4-BE49-F238E27FC236}">
+                <a16:creationId xmlns:a16="http://schemas.microsoft.com/office/drawing/2014/main" id="{81610676-7579-4098-9AB7-51EC237E804F}"/>
+              </a:ext>
+            </a:extLst>
+          </p:cNvPr>
+          <p:cNvSpPr txBox="1"/>
+          <p:nvPr/>
+        </p:nvSpPr>
+        <p:spPr>
+          <a:xfrm>
+            <a:off x="8004270" y="4835505"/>
+            <a:ext cx="1531855" cy="646331"/>
+          </a:xfrm>
+          <a:prstGeom prst="rect">
+            <a:avLst/>
+          </a:prstGeom>
+          <a:noFill/>
+        </p:spPr>
+        <p:txBody>
+          <a:bodyPr wrap="square">
+            <a:spAutoFit/>
+          </a:bodyPr>
+          <a:lstStyle/>
+          <a:p>
+            <a:pPr algn="ctr"/>
+            <a:r>
+              <a:rPr lang="en-US" altLang="zh-CN" dirty="0">
+                <a:solidFill>
+                  <a:schemeClr val="bg1">
+                    <a:lumMod val="50000"/>
+                  </a:schemeClr>
+                </a:solidFill>
+                <a:latin typeface="Times New Roman" panose="02020603050405020304" pitchFamily="18" charset="0"/>
+                <a:cs typeface="Times New Roman" panose="02020603050405020304" pitchFamily="18" charset="0"/>
+              </a:rPr>
+              <a:t>-0.89</a:t>
+            </a:r>
+          </a:p>
+          <a:p>
+            <a:r>
+              <a:rPr lang="en-US" altLang="zh-CN" dirty="0">
+                <a:solidFill>
+                  <a:schemeClr val="bg1">
+                    <a:lumMod val="50000"/>
+                  </a:schemeClr>
+                </a:solidFill>
+                <a:latin typeface="Times New Roman" panose="02020603050405020304" pitchFamily="18" charset="0"/>
+                <a:cs typeface="Times New Roman" panose="02020603050405020304" pitchFamily="18" charset="0"/>
+              </a:rPr>
+              <a:t>(-25.18, 23.40)</a:t>
             </a:r>
             <a:endParaRPr lang="zh-CN" altLang="en-US" dirty="0">
               <a:solidFill>
-                <a:schemeClr val="tx1"/>
+                <a:schemeClr val="bg1">
+                  <a:lumMod val="50000"/>
+                </a:schemeClr>
               </a:solidFill>
               <a:latin typeface="Times New Roman" panose="02020603050405020304" pitchFamily="18" charset="0"/>
               <a:cs typeface="Times New Roman" panose="02020603050405020304" pitchFamily="18" charset="0"/>
@@ -6774,497 +8728,10 @@
       </p:sp>
       <p:sp>
         <p:nvSpPr>
-          <p:cNvPr id="13" name="椭圆 12">
-            <a:extLst>
-              <a:ext uri="{FF2B5EF4-FFF2-40B4-BE49-F238E27FC236}">
-                <a16:creationId xmlns:a16="http://schemas.microsoft.com/office/drawing/2014/main" id="{F2B96109-90A2-4C71-AC71-1F07149304CC}"/>
-              </a:ext>
-            </a:extLst>
-          </p:cNvPr>
-          <p:cNvSpPr/>
-          <p:nvPr/>
-        </p:nvSpPr>
-        <p:spPr>
-          <a:xfrm>
-            <a:off x="6060026" y="3666004"/>
-            <a:ext cx="2405103" cy="778996"/>
-          </a:xfrm>
-          <a:prstGeom prst="ellipse">
-            <a:avLst/>
-          </a:prstGeom>
-          <a:solidFill>
-            <a:schemeClr val="bg1"/>
-          </a:solidFill>
-          <a:ln w="19050">
-            <a:solidFill>
-              <a:schemeClr val="tx1"/>
-            </a:solidFill>
-          </a:ln>
-        </p:spPr>
-        <p:style>
-          <a:lnRef idx="2">
-            <a:schemeClr val="accent1">
-              <a:shade val="50000"/>
-            </a:schemeClr>
-          </a:lnRef>
-          <a:fillRef idx="1">
-            <a:schemeClr val="accent1"/>
-          </a:fillRef>
-          <a:effectRef idx="0">
-            <a:schemeClr val="accent1"/>
-          </a:effectRef>
-          <a:fontRef idx="minor">
-            <a:schemeClr val="lt1"/>
-          </a:fontRef>
-        </p:style>
-        <p:txBody>
-          <a:bodyPr lIns="0" rIns="0" rtlCol="0" anchor="ctr"/>
-          <a:lstStyle/>
-          <a:p>
-            <a:pPr algn="ctr"/>
-            <a:r>
-              <a:rPr lang="en-US" altLang="zh-CN" dirty="0">
-                <a:solidFill>
-                  <a:schemeClr val="tx1"/>
-                </a:solidFill>
-                <a:latin typeface="Times New Roman" panose="02020603050405020304" pitchFamily="18" charset="0"/>
-                <a:cs typeface="Times New Roman" panose="02020603050405020304" pitchFamily="18" charset="0"/>
-              </a:rPr>
-              <a:t>NGS snow water equivalent</a:t>
-            </a:r>
-            <a:endParaRPr lang="zh-CN" altLang="en-US" dirty="0">
-              <a:solidFill>
-                <a:schemeClr val="tx1"/>
-              </a:solidFill>
-              <a:latin typeface="Times New Roman" panose="02020603050405020304" pitchFamily="18" charset="0"/>
-              <a:cs typeface="Times New Roman" panose="02020603050405020304" pitchFamily="18" charset="0"/>
-            </a:endParaRPr>
-          </a:p>
-        </p:txBody>
-      </p:sp>
-      <p:cxnSp>
-        <p:nvCxnSpPr>
-          <p:cNvPr id="15" name="直接箭头连接符 14">
-            <a:extLst>
-              <a:ext uri="{FF2B5EF4-FFF2-40B4-BE49-F238E27FC236}">
-                <a16:creationId xmlns:a16="http://schemas.microsoft.com/office/drawing/2014/main" id="{DAE30326-44D8-43B0-8A3C-F7AD55F12874}"/>
-              </a:ext>
-            </a:extLst>
-          </p:cNvPr>
-          <p:cNvCxnSpPr>
-            <a:cxnSpLocks/>
-            <a:stCxn id="6" idx="6"/>
-          </p:cNvCxnSpPr>
-          <p:nvPr/>
-        </p:nvCxnSpPr>
-        <p:spPr>
-          <a:xfrm>
-            <a:off x="4595773" y="2436479"/>
-            <a:ext cx="592971" cy="109077"/>
-          </a:xfrm>
-          <a:prstGeom prst="straightConnector1">
-            <a:avLst/>
-          </a:prstGeom>
-          <a:solidFill>
-            <a:schemeClr val="bg1"/>
-          </a:solidFill>
-          <a:ln w="19050">
-            <a:solidFill>
-              <a:schemeClr val="tx1"/>
-            </a:solidFill>
-            <a:headEnd type="none"/>
-            <a:tailEnd type="arrow"/>
-          </a:ln>
-        </p:spPr>
-        <p:style>
-          <a:lnRef idx="2">
-            <a:schemeClr val="accent1">
-              <a:shade val="50000"/>
-            </a:schemeClr>
-          </a:lnRef>
-          <a:fillRef idx="1">
-            <a:schemeClr val="accent1"/>
-          </a:fillRef>
-          <a:effectRef idx="0">
-            <a:schemeClr val="accent1"/>
-          </a:effectRef>
-          <a:fontRef idx="minor">
-            <a:schemeClr val="lt1"/>
-          </a:fontRef>
-        </p:style>
-      </p:cxnSp>
-      <p:cxnSp>
-        <p:nvCxnSpPr>
-          <p:cNvPr id="19" name="直接箭头连接符 18">
-            <a:extLst>
-              <a:ext uri="{FF2B5EF4-FFF2-40B4-BE49-F238E27FC236}">
-                <a16:creationId xmlns:a16="http://schemas.microsoft.com/office/drawing/2014/main" id="{6CBFA236-DF36-4CD8-B37A-1806FBE3B350}"/>
-              </a:ext>
-            </a:extLst>
-          </p:cNvPr>
-          <p:cNvCxnSpPr>
-            <a:cxnSpLocks/>
-            <a:stCxn id="7" idx="6"/>
-          </p:cNvCxnSpPr>
-          <p:nvPr/>
-        </p:nvCxnSpPr>
-        <p:spPr>
-          <a:xfrm flipV="1">
-            <a:off x="4595773" y="2993793"/>
-            <a:ext cx="592971" cy="225178"/>
-          </a:xfrm>
-          <a:prstGeom prst="straightConnector1">
-            <a:avLst/>
-          </a:prstGeom>
-          <a:solidFill>
-            <a:schemeClr val="bg1"/>
-          </a:solidFill>
-          <a:ln w="19050">
-            <a:solidFill>
-              <a:schemeClr val="bg1">
-                <a:lumMod val="50000"/>
-              </a:schemeClr>
-            </a:solidFill>
-            <a:prstDash val="dash"/>
-            <a:headEnd type="none"/>
-            <a:tailEnd type="arrow"/>
-          </a:ln>
-        </p:spPr>
-        <p:style>
-          <a:lnRef idx="2">
-            <a:schemeClr val="accent1">
-              <a:shade val="50000"/>
-            </a:schemeClr>
-          </a:lnRef>
-          <a:fillRef idx="1">
-            <a:schemeClr val="accent1"/>
-          </a:fillRef>
-          <a:effectRef idx="0">
-            <a:schemeClr val="accent1"/>
-          </a:effectRef>
-          <a:fontRef idx="minor">
-            <a:schemeClr val="lt1"/>
-          </a:fontRef>
-        </p:style>
-      </p:cxnSp>
-      <p:cxnSp>
-        <p:nvCxnSpPr>
-          <p:cNvPr id="26" name="直接箭头连接符 25">
-            <a:extLst>
-              <a:ext uri="{FF2B5EF4-FFF2-40B4-BE49-F238E27FC236}">
-                <a16:creationId xmlns:a16="http://schemas.microsoft.com/office/drawing/2014/main" id="{C1D5CFC7-22AE-40C1-910A-ED5D112AEB15}"/>
-              </a:ext>
-            </a:extLst>
-          </p:cNvPr>
-          <p:cNvCxnSpPr>
-            <a:cxnSpLocks/>
-            <a:stCxn id="5" idx="5"/>
-          </p:cNvCxnSpPr>
-          <p:nvPr/>
-        </p:nvCxnSpPr>
-        <p:spPr>
-          <a:xfrm>
-            <a:off x="5473639" y="1886158"/>
-            <a:ext cx="135146" cy="431111"/>
-          </a:xfrm>
-          <a:prstGeom prst="straightConnector1">
-            <a:avLst/>
-          </a:prstGeom>
-          <a:solidFill>
-            <a:schemeClr val="bg1"/>
-          </a:solidFill>
-          <a:ln w="19050">
-            <a:solidFill>
-              <a:schemeClr val="tx1"/>
-            </a:solidFill>
-            <a:headEnd type="none"/>
-            <a:tailEnd type="arrow"/>
-          </a:ln>
-        </p:spPr>
-        <p:style>
-          <a:lnRef idx="2">
-            <a:schemeClr val="accent1">
-              <a:shade val="50000"/>
-            </a:schemeClr>
-          </a:lnRef>
-          <a:fillRef idx="1">
-            <a:schemeClr val="accent1"/>
-          </a:fillRef>
-          <a:effectRef idx="0">
-            <a:schemeClr val="accent1"/>
-          </a:effectRef>
-          <a:fontRef idx="minor">
-            <a:schemeClr val="lt1"/>
-          </a:fontRef>
-        </p:style>
-      </p:cxnSp>
-      <p:cxnSp>
-        <p:nvCxnSpPr>
-          <p:cNvPr id="29" name="直接箭头连接符 28">
-            <a:extLst>
-              <a:ext uri="{FF2B5EF4-FFF2-40B4-BE49-F238E27FC236}">
-                <a16:creationId xmlns:a16="http://schemas.microsoft.com/office/drawing/2014/main" id="{62B40435-C2C1-428E-9507-6AF9C6C312E2}"/>
-              </a:ext>
-            </a:extLst>
-          </p:cNvPr>
-          <p:cNvCxnSpPr>
-            <a:cxnSpLocks/>
-            <a:stCxn id="10" idx="3"/>
-          </p:cNvCxnSpPr>
-          <p:nvPr/>
-        </p:nvCxnSpPr>
-        <p:spPr>
-          <a:xfrm flipH="1">
-            <a:off x="6150499" y="1886158"/>
-            <a:ext cx="261746" cy="440560"/>
-          </a:xfrm>
-          <a:prstGeom prst="straightConnector1">
-            <a:avLst/>
-          </a:prstGeom>
-          <a:solidFill>
-            <a:schemeClr val="bg1"/>
-          </a:solidFill>
-          <a:ln w="19050">
-            <a:solidFill>
-              <a:schemeClr val="bg1">
-                <a:lumMod val="50000"/>
-              </a:schemeClr>
-            </a:solidFill>
-            <a:prstDash val="dash"/>
-            <a:headEnd type="none"/>
-            <a:tailEnd type="arrow"/>
-          </a:ln>
-        </p:spPr>
-        <p:style>
-          <a:lnRef idx="2">
-            <a:schemeClr val="accent1">
-              <a:shade val="50000"/>
-            </a:schemeClr>
-          </a:lnRef>
-          <a:fillRef idx="1">
-            <a:schemeClr val="accent1"/>
-          </a:fillRef>
-          <a:effectRef idx="0">
-            <a:schemeClr val="accent1"/>
-          </a:effectRef>
-          <a:fontRef idx="minor">
-            <a:schemeClr val="lt1"/>
-          </a:fontRef>
-        </p:style>
-      </p:cxnSp>
-      <p:cxnSp>
-        <p:nvCxnSpPr>
-          <p:cNvPr id="32" name="直接箭头连接符 31">
-            <a:extLst>
-              <a:ext uri="{FF2B5EF4-FFF2-40B4-BE49-F238E27FC236}">
-                <a16:creationId xmlns:a16="http://schemas.microsoft.com/office/drawing/2014/main" id="{EECFF051-7FF5-46C5-B4DA-617FA497A426}"/>
-              </a:ext>
-            </a:extLst>
-          </p:cNvPr>
-          <p:cNvCxnSpPr>
-            <a:cxnSpLocks/>
-            <a:stCxn id="11" idx="2"/>
-          </p:cNvCxnSpPr>
-          <p:nvPr/>
-        </p:nvCxnSpPr>
-        <p:spPr>
-          <a:xfrm flipH="1">
-            <a:off x="6586539" y="2436479"/>
-            <a:ext cx="549438" cy="109077"/>
-          </a:xfrm>
-          <a:prstGeom prst="straightConnector1">
-            <a:avLst/>
-          </a:prstGeom>
-          <a:solidFill>
-            <a:schemeClr val="bg1"/>
-          </a:solidFill>
-          <a:ln w="19050">
-            <a:solidFill>
-              <a:schemeClr val="tx1"/>
-            </a:solidFill>
-            <a:headEnd type="none"/>
-            <a:tailEnd type="arrow"/>
-          </a:ln>
-        </p:spPr>
-        <p:style>
-          <a:lnRef idx="2">
-            <a:schemeClr val="accent1">
-              <a:shade val="50000"/>
-            </a:schemeClr>
-          </a:lnRef>
-          <a:fillRef idx="1">
-            <a:schemeClr val="accent1"/>
-          </a:fillRef>
-          <a:effectRef idx="0">
-            <a:schemeClr val="accent1"/>
-          </a:effectRef>
-          <a:fontRef idx="minor">
-            <a:schemeClr val="lt1"/>
-          </a:fontRef>
-        </p:style>
-      </p:cxnSp>
-      <p:cxnSp>
-        <p:nvCxnSpPr>
-          <p:cNvPr id="36" name="直接箭头连接符 35">
-            <a:extLst>
-              <a:ext uri="{FF2B5EF4-FFF2-40B4-BE49-F238E27FC236}">
-                <a16:creationId xmlns:a16="http://schemas.microsoft.com/office/drawing/2014/main" id="{6289043C-ED11-45B5-A401-D12B2E9013EC}"/>
-              </a:ext>
-            </a:extLst>
-          </p:cNvPr>
-          <p:cNvCxnSpPr>
-            <a:cxnSpLocks/>
-            <a:stCxn id="12" idx="2"/>
-          </p:cNvCxnSpPr>
-          <p:nvPr/>
-        </p:nvCxnSpPr>
-        <p:spPr>
-          <a:xfrm flipH="1" flipV="1">
-            <a:off x="6586539" y="2961633"/>
-            <a:ext cx="549438" cy="257338"/>
-          </a:xfrm>
-          <a:prstGeom prst="straightConnector1">
-            <a:avLst/>
-          </a:prstGeom>
-          <a:solidFill>
-            <a:schemeClr val="bg1"/>
-          </a:solidFill>
-          <a:ln w="19050">
-            <a:solidFill>
-              <a:schemeClr val="tx1"/>
-            </a:solidFill>
-            <a:headEnd type="none"/>
-            <a:tailEnd type="arrow"/>
-          </a:ln>
-        </p:spPr>
-        <p:style>
-          <a:lnRef idx="2">
-            <a:schemeClr val="accent1">
-              <a:shade val="50000"/>
-            </a:schemeClr>
-          </a:lnRef>
-          <a:fillRef idx="1">
-            <a:schemeClr val="accent1"/>
-          </a:fillRef>
-          <a:effectRef idx="0">
-            <a:schemeClr val="accent1"/>
-          </a:effectRef>
-          <a:fontRef idx="minor">
-            <a:schemeClr val="lt1"/>
-          </a:fontRef>
-        </p:style>
-      </p:cxnSp>
-      <p:cxnSp>
-        <p:nvCxnSpPr>
-          <p:cNvPr id="39" name="直接箭头连接符 38">
-            <a:extLst>
-              <a:ext uri="{FF2B5EF4-FFF2-40B4-BE49-F238E27FC236}">
-                <a16:creationId xmlns:a16="http://schemas.microsoft.com/office/drawing/2014/main" id="{502F8241-F3AA-4A59-9AB2-C19DE9A1ED57}"/>
-              </a:ext>
-            </a:extLst>
-          </p:cNvPr>
-          <p:cNvCxnSpPr>
-            <a:cxnSpLocks/>
-            <a:stCxn id="13" idx="1"/>
-          </p:cNvCxnSpPr>
-          <p:nvPr/>
-        </p:nvCxnSpPr>
-        <p:spPr>
-          <a:xfrm flipH="1" flipV="1">
-            <a:off x="6166835" y="3218971"/>
-            <a:ext cx="245410" cy="561114"/>
-          </a:xfrm>
-          <a:prstGeom prst="straightConnector1">
-            <a:avLst/>
-          </a:prstGeom>
-          <a:solidFill>
-            <a:schemeClr val="bg1"/>
-          </a:solidFill>
-          <a:ln w="19050">
-            <a:solidFill>
-              <a:schemeClr val="tx1"/>
-            </a:solidFill>
-            <a:headEnd type="none"/>
-            <a:tailEnd type="arrow"/>
-          </a:ln>
-        </p:spPr>
-        <p:style>
-          <a:lnRef idx="2">
-            <a:schemeClr val="accent1">
-              <a:shade val="50000"/>
-            </a:schemeClr>
-          </a:lnRef>
-          <a:fillRef idx="1">
-            <a:schemeClr val="accent1"/>
-          </a:fillRef>
-          <a:effectRef idx="0">
-            <a:schemeClr val="accent1"/>
-          </a:effectRef>
-          <a:fontRef idx="minor">
-            <a:schemeClr val="lt1"/>
-          </a:fontRef>
-        </p:style>
-      </p:cxnSp>
-      <p:cxnSp>
-        <p:nvCxnSpPr>
-          <p:cNvPr id="42" name="直接箭头连接符 41">
-            <a:extLst>
-              <a:ext uri="{FF2B5EF4-FFF2-40B4-BE49-F238E27FC236}">
-                <a16:creationId xmlns:a16="http://schemas.microsoft.com/office/drawing/2014/main" id="{66FA3239-A60C-4627-8492-57BD68C040B0}"/>
-              </a:ext>
-            </a:extLst>
-          </p:cNvPr>
-          <p:cNvCxnSpPr>
-            <a:cxnSpLocks/>
-            <a:stCxn id="8" idx="7"/>
-          </p:cNvCxnSpPr>
-          <p:nvPr/>
-        </p:nvCxnSpPr>
-        <p:spPr>
-          <a:xfrm flipV="1">
-            <a:off x="5473639" y="3209521"/>
-            <a:ext cx="187295" cy="570564"/>
-          </a:xfrm>
-          <a:prstGeom prst="straightConnector1">
-            <a:avLst/>
-          </a:prstGeom>
-          <a:solidFill>
-            <a:schemeClr val="bg1"/>
-          </a:solidFill>
-          <a:ln w="19050">
-            <a:solidFill>
-              <a:schemeClr val="bg1">
-                <a:lumMod val="50000"/>
-              </a:schemeClr>
-            </a:solidFill>
-            <a:prstDash val="dash"/>
-            <a:headEnd type="none"/>
-            <a:tailEnd type="arrow"/>
-          </a:ln>
-        </p:spPr>
-        <p:style>
-          <a:lnRef idx="2">
-            <a:schemeClr val="accent1">
-              <a:shade val="50000"/>
-            </a:schemeClr>
-          </a:lnRef>
-          <a:fillRef idx="1">
-            <a:schemeClr val="accent1"/>
-          </a:fillRef>
-          <a:effectRef idx="0">
-            <a:schemeClr val="accent1"/>
-          </a:effectRef>
-          <a:fontRef idx="minor">
-            <a:schemeClr val="lt1"/>
-          </a:fontRef>
-        </p:style>
-      </p:cxnSp>
-      <p:sp>
-        <p:nvSpPr>
-          <p:cNvPr id="46" name="文本框 45">
-            <a:extLst>
-              <a:ext uri="{FF2B5EF4-FFF2-40B4-BE49-F238E27FC236}">
-                <a16:creationId xmlns:a16="http://schemas.microsoft.com/office/drawing/2014/main" id="{E40A497F-307B-47CC-90F3-07FC8A00A587}"/>
+          <p:cNvPr id="59" name="文本框 58">
+            <a:extLst>
+              <a:ext uri="{FF2B5EF4-FFF2-40B4-BE49-F238E27FC236}">
+                <a16:creationId xmlns:a16="http://schemas.microsoft.com/office/drawing/2014/main" id="{B0C2B59B-C285-4A16-ABCD-92EF76B7EC70}"/>
               </a:ext>
             </a:extLst>
           </p:cNvPr>
@@ -7273,8 +8740,8 @@
         </p:nvSpPr>
         <p:spPr>
           <a:xfrm>
-            <a:off x="3044120" y="4730621"/>
-            <a:ext cx="6245430" cy="646331"/>
+            <a:off x="6561568" y="4119308"/>
+            <a:ext cx="392641" cy="369332"/>
           </a:xfrm>
           <a:prstGeom prst="rect">
             <a:avLst/>
@@ -7282,31 +8749,18 @@
           <a:noFill/>
         </p:spPr>
         <p:txBody>
-          <a:bodyPr wrap="square" rtlCol="0">
+          <a:bodyPr wrap="square">
             <a:spAutoFit/>
           </a:bodyPr>
           <a:lstStyle/>
           <a:p>
+            <a:pPr algn="ctr"/>
             <a:r>
               <a:rPr lang="en-US" altLang="zh-CN" dirty="0">
                 <a:latin typeface="Times New Roman" panose="02020603050405020304" pitchFamily="18" charset="0"/>
                 <a:cs typeface="Times New Roman" panose="02020603050405020304" pitchFamily="18" charset="0"/>
               </a:rPr>
-              <a:t>Test statistic = 1.99, with 4 model degrees of freedom and </a:t>
-            </a:r>
-            <a:r>
-              <a:rPr lang="en-US" altLang="zh-CN" i="1" dirty="0">
-                <a:latin typeface="Times New Roman" panose="02020603050405020304" pitchFamily="18" charset="0"/>
-                <a:cs typeface="Times New Roman" panose="02020603050405020304" pitchFamily="18" charset="0"/>
-              </a:rPr>
-              <a:t>P</a:t>
-            </a:r>
-            <a:r>
-              <a:rPr lang="en-US" altLang="zh-CN" dirty="0">
-                <a:latin typeface="Times New Roman" panose="02020603050405020304" pitchFamily="18" charset="0"/>
-                <a:cs typeface="Times New Roman" panose="02020603050405020304" pitchFamily="18" charset="0"/>
-              </a:rPr>
-              <a:t>-value (Chi-square) = 0.74 (indicating close model-data fit).</a:t>
+              <a:t>ns</a:t>
             </a:r>
             <a:endParaRPr lang="zh-CN" altLang="en-US" dirty="0">
               <a:latin typeface="Times New Roman" panose="02020603050405020304" pitchFamily="18" charset="0"/>
@@ -7317,10 +8771,10 @@
       </p:sp>
       <p:sp>
         <p:nvSpPr>
-          <p:cNvPr id="49" name="文本框 48">
-            <a:extLst>
-              <a:ext uri="{FF2B5EF4-FFF2-40B4-BE49-F238E27FC236}">
-                <a16:creationId xmlns:a16="http://schemas.microsoft.com/office/drawing/2014/main" id="{3DAEB181-377E-40DC-B3DC-C5EAB82D4C8B}"/>
+          <p:cNvPr id="60" name="文本框 59">
+            <a:extLst>
+              <a:ext uri="{FF2B5EF4-FFF2-40B4-BE49-F238E27FC236}">
+                <a16:creationId xmlns:a16="http://schemas.microsoft.com/office/drawing/2014/main" id="{0BE96245-E484-4644-A792-6B74EC0FFBEE}"/>
               </a:ext>
             </a:extLst>
           </p:cNvPr>
@@ -7329,8 +8783,8 @@
         </p:nvSpPr>
         <p:spPr>
           <a:xfrm>
-            <a:off x="5474457" y="1858476"/>
-            <a:ext cx="601447" cy="369332"/>
+            <a:off x="8253380" y="2237497"/>
+            <a:ext cx="392641" cy="369332"/>
           </a:xfrm>
           <a:prstGeom prst="rect">
             <a:avLst/>
@@ -7338,17 +8792,18 @@
           <a:noFill/>
         </p:spPr>
         <p:txBody>
-          <a:bodyPr wrap="none" rtlCol="0">
+          <a:bodyPr wrap="square">
             <a:spAutoFit/>
           </a:bodyPr>
           <a:lstStyle/>
           <a:p>
+            <a:pPr algn="ctr"/>
             <a:r>
               <a:rPr lang="en-US" altLang="zh-CN" dirty="0">
                 <a:latin typeface="Times New Roman" panose="02020603050405020304" pitchFamily="18" charset="0"/>
                 <a:cs typeface="Times New Roman" panose="02020603050405020304" pitchFamily="18" charset="0"/>
               </a:rPr>
-              <a:t>1.00</a:t>
+              <a:t>ns</a:t>
             </a:r>
             <a:endParaRPr lang="zh-CN" altLang="en-US" dirty="0">
               <a:latin typeface="Times New Roman" panose="02020603050405020304" pitchFamily="18" charset="0"/>
@@ -7359,10 +8814,10 @@
       </p:sp>
       <p:sp>
         <p:nvSpPr>
-          <p:cNvPr id="50" name="文本框 49">
-            <a:extLst>
-              <a:ext uri="{FF2B5EF4-FFF2-40B4-BE49-F238E27FC236}">
-                <a16:creationId xmlns:a16="http://schemas.microsoft.com/office/drawing/2014/main" id="{26828962-628A-4FC1-9EBC-C5656BC914CF}"/>
+          <p:cNvPr id="61" name="文本框 60">
+            <a:extLst>
+              <a:ext uri="{FF2B5EF4-FFF2-40B4-BE49-F238E27FC236}">
+                <a16:creationId xmlns:a16="http://schemas.microsoft.com/office/drawing/2014/main" id="{0162D1D3-FE7E-45A3-BC94-8C935A09A43C}"/>
               </a:ext>
             </a:extLst>
           </p:cNvPr>
@@ -7371,8 +8826,8 @@
         </p:nvSpPr>
         <p:spPr>
           <a:xfrm>
-            <a:off x="4577767" y="2142052"/>
-            <a:ext cx="588623" cy="369332"/>
+            <a:off x="8865096" y="4530394"/>
+            <a:ext cx="392641" cy="369332"/>
           </a:xfrm>
           <a:prstGeom prst="rect">
             <a:avLst/>
@@ -7380,17 +8835,18 @@
           <a:noFill/>
         </p:spPr>
         <p:txBody>
-          <a:bodyPr wrap="none" rtlCol="0">
+          <a:bodyPr wrap="square">
             <a:spAutoFit/>
           </a:bodyPr>
           <a:lstStyle/>
           <a:p>
+            <a:pPr algn="ctr"/>
             <a:r>
               <a:rPr lang="en-US" altLang="zh-CN" dirty="0">
                 <a:latin typeface="Times New Roman" panose="02020603050405020304" pitchFamily="18" charset="0"/>
                 <a:cs typeface="Times New Roman" panose="02020603050405020304" pitchFamily="18" charset="0"/>
               </a:rPr>
-              <a:t>0.30</a:t>
+              <a:t>ns</a:t>
             </a:r>
             <a:endParaRPr lang="zh-CN" altLang="en-US" dirty="0">
               <a:latin typeface="Times New Roman" panose="02020603050405020304" pitchFamily="18" charset="0"/>
@@ -7401,10 +8857,10 @@
       </p:sp>
       <p:sp>
         <p:nvSpPr>
-          <p:cNvPr id="51" name="文本框 50">
-            <a:extLst>
-              <a:ext uri="{FF2B5EF4-FFF2-40B4-BE49-F238E27FC236}">
-                <a16:creationId xmlns:a16="http://schemas.microsoft.com/office/drawing/2014/main" id="{74A86FEC-22C7-48D8-8C35-2148070F6960}"/>
+          <p:cNvPr id="30" name="文本框 29">
+            <a:extLst>
+              <a:ext uri="{FF2B5EF4-FFF2-40B4-BE49-F238E27FC236}">
+                <a16:creationId xmlns:a16="http://schemas.microsoft.com/office/drawing/2014/main" id="{5087B248-B94A-4F34-8C7F-7ECBB2939F09}"/>
               </a:ext>
             </a:extLst>
           </p:cNvPr>
@@ -7413,8 +8869,8 @@
         </p:nvSpPr>
         <p:spPr>
           <a:xfrm>
-            <a:off x="6564040" y="2142052"/>
-            <a:ext cx="588623" cy="369332"/>
+            <a:off x="856343" y="457200"/>
+            <a:ext cx="960519" cy="369332"/>
           </a:xfrm>
           <a:prstGeom prst="rect">
             <a:avLst/>
@@ -7432,7 +8888,7 @@
                 <a:latin typeface="Times New Roman" panose="02020603050405020304" pitchFamily="18" charset="0"/>
                 <a:cs typeface="Times New Roman" panose="02020603050405020304" pitchFamily="18" charset="0"/>
               </a:rPr>
-              <a:t>0.99</a:t>
+              <a:t>Figure 4</a:t>
             </a:r>
             <a:endParaRPr lang="zh-CN" altLang="en-US" dirty="0">
               <a:latin typeface="Times New Roman" panose="02020603050405020304" pitchFamily="18" charset="0"/>
@@ -7441,136 +8897,10 @@
           </a:p>
         </p:txBody>
       </p:sp>
-      <p:sp>
-        <p:nvSpPr>
-          <p:cNvPr id="52" name="文本框 51">
-            <a:extLst>
-              <a:ext uri="{FF2B5EF4-FFF2-40B4-BE49-F238E27FC236}">
-                <a16:creationId xmlns:a16="http://schemas.microsoft.com/office/drawing/2014/main" id="{0F8C365D-43BB-4C3B-ADD9-FE5B9D6C2E97}"/>
-              </a:ext>
-            </a:extLst>
-          </p:cNvPr>
-          <p:cNvSpPr txBox="1"/>
-          <p:nvPr/>
-        </p:nvSpPr>
-        <p:spPr>
-          <a:xfrm>
-            <a:off x="6705070" y="2772063"/>
-            <a:ext cx="704039" cy="369332"/>
-          </a:xfrm>
-          <a:prstGeom prst="rect">
-            <a:avLst/>
-          </a:prstGeom>
-          <a:noFill/>
-        </p:spPr>
-        <p:txBody>
-          <a:bodyPr wrap="none" rtlCol="0">
-            <a:spAutoFit/>
-          </a:bodyPr>
-          <a:lstStyle/>
-          <a:p>
-            <a:r>
-              <a:rPr lang="en-US" altLang="zh-CN" dirty="0">
-                <a:latin typeface="Times New Roman" panose="02020603050405020304" pitchFamily="18" charset="0"/>
-                <a:cs typeface="Times New Roman" panose="02020603050405020304" pitchFamily="18" charset="0"/>
-              </a:rPr>
-              <a:t>42.56</a:t>
-            </a:r>
-            <a:endParaRPr lang="zh-CN" altLang="en-US" dirty="0">
-              <a:latin typeface="Times New Roman" panose="02020603050405020304" pitchFamily="18" charset="0"/>
-              <a:cs typeface="Times New Roman" panose="02020603050405020304" pitchFamily="18" charset="0"/>
-            </a:endParaRPr>
-          </a:p>
-        </p:txBody>
-      </p:sp>
-      <p:sp>
-        <p:nvSpPr>
-          <p:cNvPr id="53" name="文本框 52">
-            <a:extLst>
-              <a:ext uri="{FF2B5EF4-FFF2-40B4-BE49-F238E27FC236}">
-                <a16:creationId xmlns:a16="http://schemas.microsoft.com/office/drawing/2014/main" id="{2888C2BA-F555-4A34-9252-EF86D583FC39}"/>
-              </a:ext>
-            </a:extLst>
-          </p:cNvPr>
-          <p:cNvSpPr txBox="1"/>
-          <p:nvPr/>
-        </p:nvSpPr>
-        <p:spPr>
-          <a:xfrm>
-            <a:off x="6353050" y="3358656"/>
-            <a:ext cx="588623" cy="369332"/>
-          </a:xfrm>
-          <a:prstGeom prst="rect">
-            <a:avLst/>
-          </a:prstGeom>
-          <a:noFill/>
-        </p:spPr>
-        <p:txBody>
-          <a:bodyPr wrap="none" rtlCol="0">
-            <a:spAutoFit/>
-          </a:bodyPr>
-          <a:lstStyle/>
-          <a:p>
-            <a:r>
-              <a:rPr lang="en-US" altLang="zh-CN" dirty="0">
-                <a:latin typeface="Times New Roman" panose="02020603050405020304" pitchFamily="18" charset="0"/>
-                <a:cs typeface="Times New Roman" panose="02020603050405020304" pitchFamily="18" charset="0"/>
-              </a:rPr>
-              <a:t>7.33</a:t>
-            </a:r>
-            <a:endParaRPr lang="zh-CN" altLang="en-US" dirty="0">
-              <a:latin typeface="Times New Roman" panose="02020603050405020304" pitchFamily="18" charset="0"/>
-              <a:cs typeface="Times New Roman" panose="02020603050405020304" pitchFamily="18" charset="0"/>
-            </a:endParaRPr>
-          </a:p>
-        </p:txBody>
-      </p:sp>
-      <p:sp>
-        <p:nvSpPr>
-          <p:cNvPr id="95" name="文本框 94">
-            <a:extLst>
-              <a:ext uri="{FF2B5EF4-FFF2-40B4-BE49-F238E27FC236}">
-                <a16:creationId xmlns:a16="http://schemas.microsoft.com/office/drawing/2014/main" id="{22F55564-C8CC-410A-9CF1-BDB63A9B8A80}"/>
-              </a:ext>
-            </a:extLst>
-          </p:cNvPr>
-          <p:cNvSpPr txBox="1"/>
-          <p:nvPr/>
-        </p:nvSpPr>
-        <p:spPr>
-          <a:xfrm>
-            <a:off x="856343" y="457200"/>
-            <a:ext cx="1106393" cy="369332"/>
-          </a:xfrm>
-          <a:prstGeom prst="rect">
-            <a:avLst/>
-          </a:prstGeom>
-          <a:noFill/>
-        </p:spPr>
-        <p:txBody>
-          <a:bodyPr wrap="none" rtlCol="0">
-            <a:spAutoFit/>
-          </a:bodyPr>
-          <a:lstStyle/>
-          <a:p>
-            <a:r>
-              <a:rPr lang="en-US" altLang="zh-CN" dirty="0">
-                <a:latin typeface="Times New Roman" panose="02020603050405020304" pitchFamily="18" charset="0"/>
-                <a:cs typeface="Times New Roman" panose="02020603050405020304" pitchFamily="18" charset="0"/>
-              </a:rPr>
-              <a:t>Figure S3</a:t>
-            </a:r>
-            <a:endParaRPr lang="zh-CN" altLang="en-US" dirty="0">
-              <a:latin typeface="Times New Roman" panose="02020603050405020304" pitchFamily="18" charset="0"/>
-              <a:cs typeface="Times New Roman" panose="02020603050405020304" pitchFamily="18" charset="0"/>
-            </a:endParaRPr>
-          </a:p>
-        </p:txBody>
-      </p:sp>
     </p:spTree>
     <p:extLst>
       <p:ext uri="{BB962C8B-B14F-4D97-AF65-F5344CB8AC3E}">
-        <p14:creationId xmlns:p14="http://schemas.microsoft.com/office/powerpoint/2010/main" val="3308116035"/>
+        <p14:creationId xmlns:p14="http://schemas.microsoft.com/office/powerpoint/2010/main" val="2854014178"/>
       </p:ext>
     </p:extLst>
   </p:cSld>
@@ -7599,10 +8929,10 @@
       </p:grpSpPr>
       <p:sp>
         <p:nvSpPr>
-          <p:cNvPr id="56" name="流程图: 准备 55">
-            <a:extLst>
-              <a:ext uri="{FF2B5EF4-FFF2-40B4-BE49-F238E27FC236}">
-                <a16:creationId xmlns:a16="http://schemas.microsoft.com/office/drawing/2014/main" id="{B5F07A86-E2A7-492B-B7C2-CE2158C067FA}"/>
+          <p:cNvPr id="5" name="椭圆 4">
+            <a:extLst>
+              <a:ext uri="{FF2B5EF4-FFF2-40B4-BE49-F238E27FC236}">
+                <a16:creationId xmlns:a16="http://schemas.microsoft.com/office/drawing/2014/main" id="{C7E16B93-A503-4923-99B5-3C84CCD2D09C}"/>
               </a:ext>
             </a:extLst>
           </p:cNvPr>
@@ -7611,68 +8941,7 @@
         </p:nvSpPr>
         <p:spPr>
           <a:xfrm>
-            <a:off x="5006201" y="2101165"/>
-            <a:ext cx="1727621" cy="901700"/>
-          </a:xfrm>
-          <a:prstGeom prst="flowChartPreparation">
-            <a:avLst/>
-          </a:prstGeom>
-          <a:noFill/>
-          <a:ln w="19050">
-            <a:solidFill>
-              <a:schemeClr val="tx1"/>
-            </a:solidFill>
-          </a:ln>
-        </p:spPr>
-        <p:style>
-          <a:lnRef idx="2">
-            <a:schemeClr val="accent1">
-              <a:shade val="50000"/>
-            </a:schemeClr>
-          </a:lnRef>
-          <a:fillRef idx="1">
-            <a:schemeClr val="accent1"/>
-          </a:fillRef>
-          <a:effectRef idx="0">
-            <a:schemeClr val="accent1"/>
-          </a:effectRef>
-          <a:fontRef idx="minor">
-            <a:schemeClr val="lt1"/>
-          </a:fontRef>
-        </p:style>
-        <p:txBody>
-          <a:bodyPr lIns="0" rtlCol="0" anchor="ctr"/>
-          <a:lstStyle/>
-          <a:p>
-            <a:pPr algn="ctr"/>
-            <a:r>
-              <a:rPr lang="en-US" altLang="zh-CN" sz="2200" dirty="0">
-                <a:solidFill>
-                  <a:schemeClr val="tx1"/>
-                </a:solidFill>
-                <a:latin typeface="Times New Roman" panose="02020603050405020304" pitchFamily="18" charset="0"/>
-                <a:cs typeface="Times New Roman" panose="02020603050405020304" pitchFamily="18" charset="0"/>
-              </a:rPr>
-              <a:t>Drought</a:t>
-            </a:r>
-          </a:p>
-        </p:txBody>
-      </p:sp>
-      <p:sp>
-        <p:nvSpPr>
-          <p:cNvPr id="57" name="椭圆 56">
-            <a:extLst>
-              <a:ext uri="{FF2B5EF4-FFF2-40B4-BE49-F238E27FC236}">
-                <a16:creationId xmlns:a16="http://schemas.microsoft.com/office/drawing/2014/main" id="{AB687A96-0B1A-47AA-9700-AB956DB85A47}"/>
-              </a:ext>
-            </a:extLst>
-          </p:cNvPr>
-          <p:cNvSpPr/>
-          <p:nvPr/>
-        </p:nvSpPr>
-        <p:spPr>
-          <a:xfrm>
-            <a:off x="6443622" y="1327150"/>
+            <a:off x="3420755" y="1315548"/>
             <a:ext cx="2405103" cy="668511"/>
           </a:xfrm>
           <a:prstGeom prst="ellipse">
@@ -7716,7 +8985,7 @@
                 <a:latin typeface="Times New Roman" panose="02020603050405020304" pitchFamily="18" charset="0"/>
                 <a:cs typeface="Times New Roman" panose="02020603050405020304" pitchFamily="18" charset="0"/>
               </a:rPr>
-              <a:t>NGS plant transpiration</a:t>
+              <a:t>GS precipitation</a:t>
             </a:r>
             <a:endParaRPr lang="zh-CN" altLang="en-US" dirty="0">
               <a:solidFill>
@@ -7730,10 +8999,10 @@
       </p:sp>
       <p:sp>
         <p:nvSpPr>
-          <p:cNvPr id="58" name="椭圆 57">
-            <a:extLst>
-              <a:ext uri="{FF2B5EF4-FFF2-40B4-BE49-F238E27FC236}">
-                <a16:creationId xmlns:a16="http://schemas.microsoft.com/office/drawing/2014/main" id="{D4424CB3-D0C7-4A46-AB35-3F541092D1BE}"/>
+          <p:cNvPr id="6" name="椭圆 5">
+            <a:extLst>
+              <a:ext uri="{FF2B5EF4-FFF2-40B4-BE49-F238E27FC236}">
+                <a16:creationId xmlns:a16="http://schemas.microsoft.com/office/drawing/2014/main" id="{3921DB63-84EB-43A4-BBE0-46BB2D3C68BA}"/>
               </a:ext>
             </a:extLst>
           </p:cNvPr>
@@ -7742,7 +9011,7 @@
         </p:nvSpPr>
         <p:spPr>
           <a:xfrm>
-            <a:off x="6443622" y="3028470"/>
+            <a:off x="2190670" y="2102223"/>
             <a:ext cx="2405103" cy="668511"/>
           </a:xfrm>
           <a:prstGeom prst="ellipse">
@@ -7786,7 +9055,7 @@
                 <a:latin typeface="Times New Roman" panose="02020603050405020304" pitchFamily="18" charset="0"/>
                 <a:cs typeface="Times New Roman" panose="02020603050405020304" pitchFamily="18" charset="0"/>
               </a:rPr>
-              <a:t>NGS soil evaporation</a:t>
+              <a:t>GS snow cover</a:t>
             </a:r>
             <a:endParaRPr lang="zh-CN" altLang="en-US" dirty="0">
               <a:solidFill>
@@ -7800,10 +9069,10 @@
       </p:sp>
       <p:sp>
         <p:nvSpPr>
-          <p:cNvPr id="59" name="椭圆 58">
-            <a:extLst>
-              <a:ext uri="{FF2B5EF4-FFF2-40B4-BE49-F238E27FC236}">
-                <a16:creationId xmlns:a16="http://schemas.microsoft.com/office/drawing/2014/main" id="{CBAB2A0E-9ABD-4F55-841D-6856762B2F71}"/>
+          <p:cNvPr id="7" name="椭圆 6">
+            <a:extLst>
+              <a:ext uri="{FF2B5EF4-FFF2-40B4-BE49-F238E27FC236}">
+                <a16:creationId xmlns:a16="http://schemas.microsoft.com/office/drawing/2014/main" id="{FFB18201-FD17-4619-B376-96D442BEF1FE}"/>
               </a:ext>
             </a:extLst>
           </p:cNvPr>
@@ -7812,7 +9081,311 @@
         </p:nvSpPr>
         <p:spPr>
           <a:xfrm>
-            <a:off x="2777208" y="1327150"/>
+            <a:off x="2190670" y="2884715"/>
+            <a:ext cx="2405103" cy="668511"/>
+          </a:xfrm>
+          <a:prstGeom prst="ellipse">
+            <a:avLst/>
+          </a:prstGeom>
+          <a:solidFill>
+            <a:schemeClr val="bg1"/>
+          </a:solidFill>
+          <a:ln w="19050">
+            <a:solidFill>
+              <a:schemeClr val="bg1">
+                <a:lumMod val="50000"/>
+              </a:schemeClr>
+            </a:solidFill>
+          </a:ln>
+        </p:spPr>
+        <p:style>
+          <a:lnRef idx="2">
+            <a:schemeClr val="accent1">
+              <a:shade val="50000"/>
+            </a:schemeClr>
+          </a:lnRef>
+          <a:fillRef idx="1">
+            <a:schemeClr val="accent1"/>
+          </a:fillRef>
+          <a:effectRef idx="0">
+            <a:schemeClr val="accent1"/>
+          </a:effectRef>
+          <a:fontRef idx="minor">
+            <a:schemeClr val="lt1"/>
+          </a:fontRef>
+        </p:style>
+        <p:txBody>
+          <a:bodyPr lIns="0" rIns="0" rtlCol="0" anchor="ctr"/>
+          <a:lstStyle/>
+          <a:p>
+            <a:pPr algn="ctr"/>
+            <a:r>
+              <a:rPr lang="en-US" altLang="zh-CN" dirty="0">
+                <a:solidFill>
+                  <a:schemeClr val="bg1">
+                    <a:lumMod val="50000"/>
+                  </a:schemeClr>
+                </a:solidFill>
+                <a:latin typeface="Times New Roman" panose="02020603050405020304" pitchFamily="18" charset="0"/>
+                <a:cs typeface="Times New Roman" panose="02020603050405020304" pitchFamily="18" charset="0"/>
+              </a:rPr>
+              <a:t>GS snow depth</a:t>
+            </a:r>
+            <a:endParaRPr lang="zh-CN" altLang="en-US" dirty="0">
+              <a:solidFill>
+                <a:schemeClr val="bg1">
+                  <a:lumMod val="50000"/>
+                </a:schemeClr>
+              </a:solidFill>
+              <a:latin typeface="Times New Roman" panose="02020603050405020304" pitchFamily="18" charset="0"/>
+              <a:cs typeface="Times New Roman" panose="02020603050405020304" pitchFamily="18" charset="0"/>
+            </a:endParaRPr>
+          </a:p>
+        </p:txBody>
+      </p:sp>
+      <p:sp>
+        <p:nvSpPr>
+          <p:cNvPr id="8" name="椭圆 7">
+            <a:extLst>
+              <a:ext uri="{FF2B5EF4-FFF2-40B4-BE49-F238E27FC236}">
+                <a16:creationId xmlns:a16="http://schemas.microsoft.com/office/drawing/2014/main" id="{941C2D18-2801-42E7-A809-D0D8360B1528}"/>
+              </a:ext>
+            </a:extLst>
+          </p:cNvPr>
+          <p:cNvSpPr/>
+          <p:nvPr/>
+        </p:nvSpPr>
+        <p:spPr>
+          <a:xfrm>
+            <a:off x="3420755" y="3666004"/>
+            <a:ext cx="2405103" cy="778996"/>
+          </a:xfrm>
+          <a:prstGeom prst="ellipse">
+            <a:avLst/>
+          </a:prstGeom>
+          <a:solidFill>
+            <a:schemeClr val="bg1"/>
+          </a:solidFill>
+          <a:ln w="19050">
+            <a:solidFill>
+              <a:schemeClr val="bg1">
+                <a:lumMod val="50000"/>
+              </a:schemeClr>
+            </a:solidFill>
+          </a:ln>
+        </p:spPr>
+        <p:style>
+          <a:lnRef idx="2">
+            <a:schemeClr val="accent1">
+              <a:shade val="50000"/>
+            </a:schemeClr>
+          </a:lnRef>
+          <a:fillRef idx="1">
+            <a:schemeClr val="accent1"/>
+          </a:fillRef>
+          <a:effectRef idx="0">
+            <a:schemeClr val="accent1"/>
+          </a:effectRef>
+          <a:fontRef idx="minor">
+            <a:schemeClr val="lt1"/>
+          </a:fontRef>
+        </p:style>
+        <p:txBody>
+          <a:bodyPr lIns="0" rIns="0" rtlCol="0" anchor="ctr"/>
+          <a:lstStyle/>
+          <a:p>
+            <a:pPr algn="ctr"/>
+            <a:r>
+              <a:rPr lang="en-US" altLang="zh-CN" dirty="0">
+                <a:solidFill>
+                  <a:schemeClr val="bg1">
+                    <a:lumMod val="50000"/>
+                  </a:schemeClr>
+                </a:solidFill>
+                <a:latin typeface="Times New Roman" panose="02020603050405020304" pitchFamily="18" charset="0"/>
+                <a:cs typeface="Times New Roman" panose="02020603050405020304" pitchFamily="18" charset="0"/>
+              </a:rPr>
+              <a:t>GS snow water</a:t>
+            </a:r>
+          </a:p>
+          <a:p>
+            <a:pPr algn="ctr"/>
+            <a:r>
+              <a:rPr lang="en-US" altLang="zh-CN" dirty="0">
+                <a:solidFill>
+                  <a:schemeClr val="bg1">
+                    <a:lumMod val="50000"/>
+                  </a:schemeClr>
+                </a:solidFill>
+                <a:latin typeface="Times New Roman" panose="02020603050405020304" pitchFamily="18" charset="0"/>
+                <a:cs typeface="Times New Roman" panose="02020603050405020304" pitchFamily="18" charset="0"/>
+              </a:rPr>
+              <a:t>equivalent</a:t>
+            </a:r>
+            <a:endParaRPr lang="zh-CN" altLang="en-US" dirty="0">
+              <a:solidFill>
+                <a:schemeClr val="bg1">
+                  <a:lumMod val="50000"/>
+                </a:schemeClr>
+              </a:solidFill>
+              <a:latin typeface="Times New Roman" panose="02020603050405020304" pitchFamily="18" charset="0"/>
+              <a:cs typeface="Times New Roman" panose="02020603050405020304" pitchFamily="18" charset="0"/>
+            </a:endParaRPr>
+          </a:p>
+        </p:txBody>
+      </p:sp>
+      <p:sp>
+        <p:nvSpPr>
+          <p:cNvPr id="9" name="流程图: 准备 8">
+            <a:extLst>
+              <a:ext uri="{FF2B5EF4-FFF2-40B4-BE49-F238E27FC236}">
+                <a16:creationId xmlns:a16="http://schemas.microsoft.com/office/drawing/2014/main" id="{E79DCF5B-F841-4D45-878D-317FC38E381B}"/>
+              </a:ext>
+            </a:extLst>
+          </p:cNvPr>
+          <p:cNvSpPr/>
+          <p:nvPr/>
+        </p:nvSpPr>
+        <p:spPr>
+          <a:xfrm>
+            <a:off x="5015831" y="2317270"/>
+            <a:ext cx="1727621" cy="901700"/>
+          </a:xfrm>
+          <a:prstGeom prst="flowChartPreparation">
+            <a:avLst/>
+          </a:prstGeom>
+          <a:noFill/>
+          <a:ln w="19050">
+            <a:solidFill>
+              <a:schemeClr val="tx1"/>
+            </a:solidFill>
+          </a:ln>
+        </p:spPr>
+        <p:style>
+          <a:lnRef idx="2">
+            <a:schemeClr val="accent1">
+              <a:shade val="50000"/>
+            </a:schemeClr>
+          </a:lnRef>
+          <a:fillRef idx="1">
+            <a:schemeClr val="accent1"/>
+          </a:fillRef>
+          <a:effectRef idx="0">
+            <a:schemeClr val="accent1"/>
+          </a:effectRef>
+          <a:fontRef idx="minor">
+            <a:schemeClr val="lt1"/>
+          </a:fontRef>
+        </p:style>
+        <p:txBody>
+          <a:bodyPr rtlCol="0" anchor="ctr"/>
+          <a:lstStyle/>
+          <a:p>
+            <a:pPr algn="ctr"/>
+            <a:r>
+              <a:rPr lang="en-US" altLang="zh-CN" sz="2200" dirty="0">
+                <a:solidFill>
+                  <a:schemeClr val="tx1"/>
+                </a:solidFill>
+                <a:latin typeface="Times New Roman" panose="02020603050405020304" pitchFamily="18" charset="0"/>
+                <a:cs typeface="Times New Roman" panose="02020603050405020304" pitchFamily="18" charset="0"/>
+              </a:rPr>
+              <a:t>Wet</a:t>
+            </a:r>
+          </a:p>
+        </p:txBody>
+      </p:sp>
+      <p:sp>
+        <p:nvSpPr>
+          <p:cNvPr id="10" name="椭圆 9">
+            <a:extLst>
+              <a:ext uri="{FF2B5EF4-FFF2-40B4-BE49-F238E27FC236}">
+                <a16:creationId xmlns:a16="http://schemas.microsoft.com/office/drawing/2014/main" id="{D96134BF-F048-4E1C-87BB-EA2F65BA3908}"/>
+              </a:ext>
+            </a:extLst>
+          </p:cNvPr>
+          <p:cNvSpPr/>
+          <p:nvPr/>
+        </p:nvSpPr>
+        <p:spPr>
+          <a:xfrm>
+            <a:off x="6060026" y="1315548"/>
+            <a:ext cx="2405103" cy="668511"/>
+          </a:xfrm>
+          <a:prstGeom prst="ellipse">
+            <a:avLst/>
+          </a:prstGeom>
+          <a:solidFill>
+            <a:schemeClr val="bg1"/>
+          </a:solidFill>
+          <a:ln w="19050">
+            <a:solidFill>
+              <a:schemeClr val="bg1">
+                <a:lumMod val="50000"/>
+              </a:schemeClr>
+            </a:solidFill>
+          </a:ln>
+        </p:spPr>
+        <p:style>
+          <a:lnRef idx="2">
+            <a:schemeClr val="accent1">
+              <a:shade val="50000"/>
+            </a:schemeClr>
+          </a:lnRef>
+          <a:fillRef idx="1">
+            <a:schemeClr val="accent1"/>
+          </a:fillRef>
+          <a:effectRef idx="0">
+            <a:schemeClr val="accent1"/>
+          </a:effectRef>
+          <a:fontRef idx="minor">
+            <a:schemeClr val="lt1"/>
+          </a:fontRef>
+        </p:style>
+        <p:txBody>
+          <a:bodyPr lIns="0" rIns="0" rtlCol="0" anchor="ctr"/>
+          <a:lstStyle/>
+          <a:p>
+            <a:pPr algn="ctr"/>
+            <a:r>
+              <a:rPr lang="en-US" altLang="zh-CN" dirty="0">
+                <a:solidFill>
+                  <a:schemeClr val="bg1">
+                    <a:lumMod val="50000"/>
+                  </a:schemeClr>
+                </a:solidFill>
+                <a:latin typeface="Times New Roman" panose="02020603050405020304" pitchFamily="18" charset="0"/>
+                <a:cs typeface="Times New Roman" panose="02020603050405020304" pitchFamily="18" charset="0"/>
+              </a:rPr>
+              <a:t>NGS precipitation</a:t>
+            </a:r>
+            <a:endParaRPr lang="zh-CN" altLang="en-US" dirty="0">
+              <a:solidFill>
+                <a:schemeClr val="bg1">
+                  <a:lumMod val="50000"/>
+                </a:schemeClr>
+              </a:solidFill>
+              <a:latin typeface="Times New Roman" panose="02020603050405020304" pitchFamily="18" charset="0"/>
+              <a:cs typeface="Times New Roman" panose="02020603050405020304" pitchFamily="18" charset="0"/>
+            </a:endParaRPr>
+          </a:p>
+        </p:txBody>
+      </p:sp>
+      <p:sp>
+        <p:nvSpPr>
+          <p:cNvPr id="11" name="椭圆 10">
+            <a:extLst>
+              <a:ext uri="{FF2B5EF4-FFF2-40B4-BE49-F238E27FC236}">
+                <a16:creationId xmlns:a16="http://schemas.microsoft.com/office/drawing/2014/main" id="{E0F7194A-C16A-42B8-BCD7-02135ED09120}"/>
+              </a:ext>
+            </a:extLst>
+          </p:cNvPr>
+          <p:cNvSpPr/>
+          <p:nvPr/>
+        </p:nvSpPr>
+        <p:spPr>
+          <a:xfrm>
+            <a:off x="7135977" y="2102223"/>
             <a:ext cx="2405103" cy="668511"/>
           </a:xfrm>
           <a:prstGeom prst="ellipse">
@@ -7856,7 +9429,7 @@
                 <a:latin typeface="Times New Roman" panose="02020603050405020304" pitchFamily="18" charset="0"/>
                 <a:cs typeface="Times New Roman" panose="02020603050405020304" pitchFamily="18" charset="0"/>
               </a:rPr>
-              <a:t>GS plant transpiration</a:t>
+              <a:t>NGS snow cover</a:t>
             </a:r>
             <a:endParaRPr lang="zh-CN" altLang="en-US" dirty="0">
               <a:solidFill>
@@ -7870,10 +9443,10 @@
       </p:sp>
       <p:sp>
         <p:nvSpPr>
-          <p:cNvPr id="60" name="椭圆 59">
-            <a:extLst>
-              <a:ext uri="{FF2B5EF4-FFF2-40B4-BE49-F238E27FC236}">
-                <a16:creationId xmlns:a16="http://schemas.microsoft.com/office/drawing/2014/main" id="{754004A4-A831-4078-AD4F-F7AA096A4529}"/>
+          <p:cNvPr id="12" name="椭圆 11">
+            <a:extLst>
+              <a:ext uri="{FF2B5EF4-FFF2-40B4-BE49-F238E27FC236}">
+                <a16:creationId xmlns:a16="http://schemas.microsoft.com/office/drawing/2014/main" id="{2BDDE503-5109-43A1-B9F9-D16A147042BA}"/>
               </a:ext>
             </a:extLst>
           </p:cNvPr>
@@ -7882,7 +9455,7 @@
         </p:nvSpPr>
         <p:spPr>
           <a:xfrm>
-            <a:off x="2777208" y="3028470"/>
+            <a:off x="7135977" y="2884715"/>
             <a:ext cx="2405103" cy="668511"/>
           </a:xfrm>
           <a:prstGeom prst="ellipse">
@@ -7926,7 +9499,7 @@
                 <a:latin typeface="Times New Roman" panose="02020603050405020304" pitchFamily="18" charset="0"/>
                 <a:cs typeface="Times New Roman" panose="02020603050405020304" pitchFamily="18" charset="0"/>
               </a:rPr>
-              <a:t>GS soil evaporation</a:t>
+              <a:t>NGS snow depth</a:t>
             </a:r>
             <a:endParaRPr lang="zh-CN" altLang="en-US" dirty="0">
               <a:solidFill>
@@ -7938,25 +9511,95 @@
           </a:p>
         </p:txBody>
       </p:sp>
+      <p:sp>
+        <p:nvSpPr>
+          <p:cNvPr id="13" name="椭圆 12">
+            <a:extLst>
+              <a:ext uri="{FF2B5EF4-FFF2-40B4-BE49-F238E27FC236}">
+                <a16:creationId xmlns:a16="http://schemas.microsoft.com/office/drawing/2014/main" id="{F2B96109-90A2-4C71-AC71-1F07149304CC}"/>
+              </a:ext>
+            </a:extLst>
+          </p:cNvPr>
+          <p:cNvSpPr/>
+          <p:nvPr/>
+        </p:nvSpPr>
+        <p:spPr>
+          <a:xfrm>
+            <a:off x="6060026" y="3666004"/>
+            <a:ext cx="2405103" cy="778996"/>
+          </a:xfrm>
+          <a:prstGeom prst="ellipse">
+            <a:avLst/>
+          </a:prstGeom>
+          <a:solidFill>
+            <a:schemeClr val="bg1"/>
+          </a:solidFill>
+          <a:ln w="19050">
+            <a:solidFill>
+              <a:schemeClr val="tx1"/>
+            </a:solidFill>
+          </a:ln>
+        </p:spPr>
+        <p:style>
+          <a:lnRef idx="2">
+            <a:schemeClr val="accent1">
+              <a:shade val="50000"/>
+            </a:schemeClr>
+          </a:lnRef>
+          <a:fillRef idx="1">
+            <a:schemeClr val="accent1"/>
+          </a:fillRef>
+          <a:effectRef idx="0">
+            <a:schemeClr val="accent1"/>
+          </a:effectRef>
+          <a:fontRef idx="minor">
+            <a:schemeClr val="lt1"/>
+          </a:fontRef>
+        </p:style>
+        <p:txBody>
+          <a:bodyPr lIns="0" rIns="0" rtlCol="0" anchor="ctr"/>
+          <a:lstStyle/>
+          <a:p>
+            <a:pPr algn="ctr"/>
+            <a:r>
+              <a:rPr lang="en-US" altLang="zh-CN" dirty="0">
+                <a:solidFill>
+                  <a:schemeClr val="tx1"/>
+                </a:solidFill>
+                <a:latin typeface="Times New Roman" panose="02020603050405020304" pitchFamily="18" charset="0"/>
+                <a:cs typeface="Times New Roman" panose="02020603050405020304" pitchFamily="18" charset="0"/>
+              </a:rPr>
+              <a:t>NGS snow water equivalent</a:t>
+            </a:r>
+            <a:endParaRPr lang="zh-CN" altLang="en-US" dirty="0">
+              <a:solidFill>
+                <a:schemeClr val="tx1"/>
+              </a:solidFill>
+              <a:latin typeface="Times New Roman" panose="02020603050405020304" pitchFamily="18" charset="0"/>
+              <a:cs typeface="Times New Roman" panose="02020603050405020304" pitchFamily="18" charset="0"/>
+            </a:endParaRPr>
+          </a:p>
+        </p:txBody>
+      </p:sp>
       <p:cxnSp>
         <p:nvCxnSpPr>
-          <p:cNvPr id="61" name="直接箭头连接符 60">
-            <a:extLst>
-              <a:ext uri="{FF2B5EF4-FFF2-40B4-BE49-F238E27FC236}">
-                <a16:creationId xmlns:a16="http://schemas.microsoft.com/office/drawing/2014/main" id="{7958C5CB-DABA-42AF-9250-5803F1F24A1C}"/>
+          <p:cNvPr id="15" name="直接箭头连接符 14">
+            <a:extLst>
+              <a:ext uri="{FF2B5EF4-FFF2-40B4-BE49-F238E27FC236}">
+                <a16:creationId xmlns:a16="http://schemas.microsoft.com/office/drawing/2014/main" id="{DAE30326-44D8-43B0-8A3C-F7AD55F12874}"/>
               </a:ext>
             </a:extLst>
           </p:cNvPr>
           <p:cNvCxnSpPr>
             <a:cxnSpLocks/>
-            <a:stCxn id="59" idx="5"/>
+            <a:stCxn id="6" idx="6"/>
           </p:cNvCxnSpPr>
           <p:nvPr/>
         </p:nvCxnSpPr>
         <p:spPr>
           <a:xfrm>
-            <a:off x="4830092" y="1897760"/>
-            <a:ext cx="411833" cy="368950"/>
+            <a:off x="4595773" y="2436479"/>
+            <a:ext cx="592971" cy="109077"/>
           </a:xfrm>
           <a:prstGeom prst="straightConnector1">
             <a:avLst/>
@@ -7991,23 +9634,77 @@
       </p:cxnSp>
       <p:cxnSp>
         <p:nvCxnSpPr>
-          <p:cNvPr id="64" name="直接箭头连接符 63">
-            <a:extLst>
-              <a:ext uri="{FF2B5EF4-FFF2-40B4-BE49-F238E27FC236}">
-                <a16:creationId xmlns:a16="http://schemas.microsoft.com/office/drawing/2014/main" id="{D3E8F4C5-556B-42C3-A30C-F3E5A0EA652F}"/>
+          <p:cNvPr id="19" name="直接箭头连接符 18">
+            <a:extLst>
+              <a:ext uri="{FF2B5EF4-FFF2-40B4-BE49-F238E27FC236}">
+                <a16:creationId xmlns:a16="http://schemas.microsoft.com/office/drawing/2014/main" id="{6CBFA236-DF36-4CD8-B37A-1806FBE3B350}"/>
               </a:ext>
             </a:extLst>
           </p:cNvPr>
           <p:cNvCxnSpPr>
             <a:cxnSpLocks/>
-            <a:stCxn id="60" idx="7"/>
+            <a:stCxn id="7" idx="6"/>
           </p:cNvCxnSpPr>
           <p:nvPr/>
         </p:nvCxnSpPr>
         <p:spPr>
           <a:xfrm flipV="1">
-            <a:off x="4830092" y="2837321"/>
-            <a:ext cx="411833" cy="289050"/>
+            <a:off x="4595773" y="2993793"/>
+            <a:ext cx="592971" cy="225178"/>
+          </a:xfrm>
+          <a:prstGeom prst="straightConnector1">
+            <a:avLst/>
+          </a:prstGeom>
+          <a:solidFill>
+            <a:schemeClr val="bg1"/>
+          </a:solidFill>
+          <a:ln w="19050">
+            <a:solidFill>
+              <a:schemeClr val="bg1">
+                <a:lumMod val="50000"/>
+              </a:schemeClr>
+            </a:solidFill>
+            <a:prstDash val="dash"/>
+            <a:headEnd type="none"/>
+            <a:tailEnd type="arrow"/>
+          </a:ln>
+        </p:spPr>
+        <p:style>
+          <a:lnRef idx="2">
+            <a:schemeClr val="accent1">
+              <a:shade val="50000"/>
+            </a:schemeClr>
+          </a:lnRef>
+          <a:fillRef idx="1">
+            <a:schemeClr val="accent1"/>
+          </a:fillRef>
+          <a:effectRef idx="0">
+            <a:schemeClr val="accent1"/>
+          </a:effectRef>
+          <a:fontRef idx="minor">
+            <a:schemeClr val="lt1"/>
+          </a:fontRef>
+        </p:style>
+      </p:cxnSp>
+      <p:cxnSp>
+        <p:nvCxnSpPr>
+          <p:cNvPr id="26" name="直接箭头连接符 25">
+            <a:extLst>
+              <a:ext uri="{FF2B5EF4-FFF2-40B4-BE49-F238E27FC236}">
+                <a16:creationId xmlns:a16="http://schemas.microsoft.com/office/drawing/2014/main" id="{C1D5CFC7-22AE-40C1-910A-ED5D112AEB15}"/>
+              </a:ext>
+            </a:extLst>
+          </p:cNvPr>
+          <p:cNvCxnSpPr>
+            <a:cxnSpLocks/>
+            <a:stCxn id="5" idx="5"/>
+          </p:cNvCxnSpPr>
+          <p:nvPr/>
+        </p:nvCxnSpPr>
+        <p:spPr>
+          <a:xfrm>
+            <a:off x="5473639" y="1886158"/>
+            <a:ext cx="135146" cy="431111"/>
           </a:xfrm>
           <a:prstGeom prst="straightConnector1">
             <a:avLst/>
@@ -8042,23 +9739,77 @@
       </p:cxnSp>
       <p:cxnSp>
         <p:nvCxnSpPr>
-          <p:cNvPr id="81" name="直接箭头连接符 80">
-            <a:extLst>
-              <a:ext uri="{FF2B5EF4-FFF2-40B4-BE49-F238E27FC236}">
-                <a16:creationId xmlns:a16="http://schemas.microsoft.com/office/drawing/2014/main" id="{0341825E-D1EB-4B40-BE3F-2E0EF0A48E7A}"/>
+          <p:cNvPr id="29" name="直接箭头连接符 28">
+            <a:extLst>
+              <a:ext uri="{FF2B5EF4-FFF2-40B4-BE49-F238E27FC236}">
+                <a16:creationId xmlns:a16="http://schemas.microsoft.com/office/drawing/2014/main" id="{62B40435-C2C1-428E-9507-6AF9C6C312E2}"/>
               </a:ext>
             </a:extLst>
           </p:cNvPr>
           <p:cNvCxnSpPr>
             <a:cxnSpLocks/>
-            <a:stCxn id="57" idx="3"/>
+            <a:stCxn id="10" idx="3"/>
           </p:cNvCxnSpPr>
           <p:nvPr/>
         </p:nvCxnSpPr>
         <p:spPr>
           <a:xfrm flipH="1">
-            <a:off x="6443623" y="1897760"/>
-            <a:ext cx="352218" cy="295827"/>
+            <a:off x="6150499" y="1886158"/>
+            <a:ext cx="261746" cy="440560"/>
+          </a:xfrm>
+          <a:prstGeom prst="straightConnector1">
+            <a:avLst/>
+          </a:prstGeom>
+          <a:solidFill>
+            <a:schemeClr val="bg1"/>
+          </a:solidFill>
+          <a:ln w="19050">
+            <a:solidFill>
+              <a:schemeClr val="bg1">
+                <a:lumMod val="50000"/>
+              </a:schemeClr>
+            </a:solidFill>
+            <a:prstDash val="dash"/>
+            <a:headEnd type="none"/>
+            <a:tailEnd type="arrow"/>
+          </a:ln>
+        </p:spPr>
+        <p:style>
+          <a:lnRef idx="2">
+            <a:schemeClr val="accent1">
+              <a:shade val="50000"/>
+            </a:schemeClr>
+          </a:lnRef>
+          <a:fillRef idx="1">
+            <a:schemeClr val="accent1"/>
+          </a:fillRef>
+          <a:effectRef idx="0">
+            <a:schemeClr val="accent1"/>
+          </a:effectRef>
+          <a:fontRef idx="minor">
+            <a:schemeClr val="lt1"/>
+          </a:fontRef>
+        </p:style>
+      </p:cxnSp>
+      <p:cxnSp>
+        <p:nvCxnSpPr>
+          <p:cNvPr id="32" name="直接箭头连接符 31">
+            <a:extLst>
+              <a:ext uri="{FF2B5EF4-FFF2-40B4-BE49-F238E27FC236}">
+                <a16:creationId xmlns:a16="http://schemas.microsoft.com/office/drawing/2014/main" id="{EECFF051-7FF5-46C5-B4DA-617FA497A426}"/>
+              </a:ext>
+            </a:extLst>
+          </p:cNvPr>
+          <p:cNvCxnSpPr>
+            <a:cxnSpLocks/>
+            <a:stCxn id="11" idx="2"/>
+          </p:cNvCxnSpPr>
+          <p:nvPr/>
+        </p:nvCxnSpPr>
+        <p:spPr>
+          <a:xfrm flipH="1">
+            <a:off x="6586539" y="2436479"/>
+            <a:ext cx="549438" cy="109077"/>
           </a:xfrm>
           <a:prstGeom prst="straightConnector1">
             <a:avLst/>
@@ -8093,23 +9844,23 @@
       </p:cxnSp>
       <p:cxnSp>
         <p:nvCxnSpPr>
-          <p:cNvPr id="84" name="直接箭头连接符 83">
-            <a:extLst>
-              <a:ext uri="{FF2B5EF4-FFF2-40B4-BE49-F238E27FC236}">
-                <a16:creationId xmlns:a16="http://schemas.microsoft.com/office/drawing/2014/main" id="{6CAA3911-50A3-4FDE-84AC-1B9B16A886F1}"/>
+          <p:cNvPr id="36" name="直接箭头连接符 35">
+            <a:extLst>
+              <a:ext uri="{FF2B5EF4-FFF2-40B4-BE49-F238E27FC236}">
+                <a16:creationId xmlns:a16="http://schemas.microsoft.com/office/drawing/2014/main" id="{6289043C-ED11-45B5-A401-D12B2E9013EC}"/>
               </a:ext>
             </a:extLst>
           </p:cNvPr>
           <p:cNvCxnSpPr>
             <a:cxnSpLocks/>
-            <a:stCxn id="58" idx="1"/>
+            <a:stCxn id="12" idx="2"/>
           </p:cNvCxnSpPr>
           <p:nvPr/>
         </p:nvCxnSpPr>
         <p:spPr>
           <a:xfrm flipH="1" flipV="1">
-            <a:off x="6503237" y="2837321"/>
-            <a:ext cx="292604" cy="289050"/>
+            <a:off x="6586539" y="2961633"/>
+            <a:ext cx="549438" cy="257338"/>
           </a:xfrm>
           <a:prstGeom prst="straightConnector1">
             <a:avLst/>
@@ -8142,12 +9893,117 @@
           </a:fontRef>
         </p:style>
       </p:cxnSp>
-      <p:sp>
-        <p:nvSpPr>
-          <p:cNvPr id="90" name="文本框 89">
-            <a:extLst>
-              <a:ext uri="{FF2B5EF4-FFF2-40B4-BE49-F238E27FC236}">
-                <a16:creationId xmlns:a16="http://schemas.microsoft.com/office/drawing/2014/main" id="{C8D51C49-3682-4966-B735-11DCDD33AE38}"/>
+      <p:cxnSp>
+        <p:nvCxnSpPr>
+          <p:cNvPr id="39" name="直接箭头连接符 38">
+            <a:extLst>
+              <a:ext uri="{FF2B5EF4-FFF2-40B4-BE49-F238E27FC236}">
+                <a16:creationId xmlns:a16="http://schemas.microsoft.com/office/drawing/2014/main" id="{502F8241-F3AA-4A59-9AB2-C19DE9A1ED57}"/>
+              </a:ext>
+            </a:extLst>
+          </p:cNvPr>
+          <p:cNvCxnSpPr>
+            <a:cxnSpLocks/>
+            <a:stCxn id="13" idx="1"/>
+          </p:cNvCxnSpPr>
+          <p:nvPr/>
+        </p:nvCxnSpPr>
+        <p:spPr>
+          <a:xfrm flipH="1" flipV="1">
+            <a:off x="6166835" y="3218971"/>
+            <a:ext cx="245410" cy="561114"/>
+          </a:xfrm>
+          <a:prstGeom prst="straightConnector1">
+            <a:avLst/>
+          </a:prstGeom>
+          <a:solidFill>
+            <a:schemeClr val="bg1"/>
+          </a:solidFill>
+          <a:ln w="19050">
+            <a:solidFill>
+              <a:schemeClr val="tx1"/>
+            </a:solidFill>
+            <a:headEnd type="none"/>
+            <a:tailEnd type="arrow"/>
+          </a:ln>
+        </p:spPr>
+        <p:style>
+          <a:lnRef idx="2">
+            <a:schemeClr val="accent1">
+              <a:shade val="50000"/>
+            </a:schemeClr>
+          </a:lnRef>
+          <a:fillRef idx="1">
+            <a:schemeClr val="accent1"/>
+          </a:fillRef>
+          <a:effectRef idx="0">
+            <a:schemeClr val="accent1"/>
+          </a:effectRef>
+          <a:fontRef idx="minor">
+            <a:schemeClr val="lt1"/>
+          </a:fontRef>
+        </p:style>
+      </p:cxnSp>
+      <p:cxnSp>
+        <p:nvCxnSpPr>
+          <p:cNvPr id="42" name="直接箭头连接符 41">
+            <a:extLst>
+              <a:ext uri="{FF2B5EF4-FFF2-40B4-BE49-F238E27FC236}">
+                <a16:creationId xmlns:a16="http://schemas.microsoft.com/office/drawing/2014/main" id="{66FA3239-A60C-4627-8492-57BD68C040B0}"/>
+              </a:ext>
+            </a:extLst>
+          </p:cNvPr>
+          <p:cNvCxnSpPr>
+            <a:cxnSpLocks/>
+            <a:stCxn id="8" idx="7"/>
+          </p:cNvCxnSpPr>
+          <p:nvPr/>
+        </p:nvCxnSpPr>
+        <p:spPr>
+          <a:xfrm flipV="1">
+            <a:off x="5473639" y="3209521"/>
+            <a:ext cx="187295" cy="570564"/>
+          </a:xfrm>
+          <a:prstGeom prst="straightConnector1">
+            <a:avLst/>
+          </a:prstGeom>
+          <a:solidFill>
+            <a:schemeClr val="bg1"/>
+          </a:solidFill>
+          <a:ln w="19050">
+            <a:solidFill>
+              <a:schemeClr val="bg1">
+                <a:lumMod val="50000"/>
+              </a:schemeClr>
+            </a:solidFill>
+            <a:prstDash val="dash"/>
+            <a:headEnd type="none"/>
+            <a:tailEnd type="arrow"/>
+          </a:ln>
+        </p:spPr>
+        <p:style>
+          <a:lnRef idx="2">
+            <a:schemeClr val="accent1">
+              <a:shade val="50000"/>
+            </a:schemeClr>
+          </a:lnRef>
+          <a:fillRef idx="1">
+            <a:schemeClr val="accent1"/>
+          </a:fillRef>
+          <a:effectRef idx="0">
+            <a:schemeClr val="accent1"/>
+          </a:effectRef>
+          <a:fontRef idx="minor">
+            <a:schemeClr val="lt1"/>
+          </a:fontRef>
+        </p:style>
+      </p:cxnSp>
+      <p:sp>
+        <p:nvSpPr>
+          <p:cNvPr id="46" name="文本框 45">
+            <a:extLst>
+              <a:ext uri="{FF2B5EF4-FFF2-40B4-BE49-F238E27FC236}">
+                <a16:creationId xmlns:a16="http://schemas.microsoft.com/office/drawing/2014/main" id="{E40A497F-307B-47CC-90F3-07FC8A00A587}"/>
               </a:ext>
             </a:extLst>
           </p:cNvPr>
@@ -8156,8 +10012,8 @@
         </p:nvSpPr>
         <p:spPr>
           <a:xfrm>
-            <a:off x="2974181" y="4030195"/>
-            <a:ext cx="6243637" cy="646331"/>
+            <a:off x="3044120" y="4730621"/>
+            <a:ext cx="6245430" cy="646331"/>
           </a:xfrm>
           <a:prstGeom prst="rect">
             <a:avLst/>
@@ -8175,7 +10031,7 @@
                 <a:latin typeface="Times New Roman" panose="02020603050405020304" pitchFamily="18" charset="0"/>
                 <a:cs typeface="Times New Roman" panose="02020603050405020304" pitchFamily="18" charset="0"/>
               </a:rPr>
-              <a:t>Test statistic = 2.36, with 1 model degrees of freedom and </a:t>
+              <a:t>Test statistic = 1.99, with 4 model degrees of freedom and </a:t>
             </a:r>
             <a:r>
               <a:rPr lang="en-US" altLang="zh-CN" i="1" dirty="0">
@@ -8189,7 +10045,7 @@
                 <a:latin typeface="Times New Roman" panose="02020603050405020304" pitchFamily="18" charset="0"/>
                 <a:cs typeface="Times New Roman" panose="02020603050405020304" pitchFamily="18" charset="0"/>
               </a:rPr>
-              <a:t>-value (Chi-square) = 0.13 (again indicating close model-data fit).</a:t>
+              <a:t>-value (Chi-square) = 0.74 (indicating close model-data fit).</a:t>
             </a:r>
             <a:endParaRPr lang="zh-CN" altLang="en-US" dirty="0">
               <a:latin typeface="Times New Roman" panose="02020603050405020304" pitchFamily="18" charset="0"/>
@@ -8200,10 +10056,10 @@
       </p:sp>
       <p:sp>
         <p:nvSpPr>
-          <p:cNvPr id="91" name="文本框 90">
-            <a:extLst>
-              <a:ext uri="{FF2B5EF4-FFF2-40B4-BE49-F238E27FC236}">
-                <a16:creationId xmlns:a16="http://schemas.microsoft.com/office/drawing/2014/main" id="{4FFDD44F-BB61-45A1-BAAD-943DFBE4F1F5}"/>
+          <p:cNvPr id="49" name="文本框 48">
+            <a:extLst>
+              <a:ext uri="{FF2B5EF4-FFF2-40B4-BE49-F238E27FC236}">
+                <a16:creationId xmlns:a16="http://schemas.microsoft.com/office/drawing/2014/main" id="{3DAEB181-377E-40DC-B3DC-C5EAB82D4C8B}"/>
               </a:ext>
             </a:extLst>
           </p:cNvPr>
@@ -8212,7 +10068,7 @@
         </p:nvSpPr>
         <p:spPr>
           <a:xfrm>
-            <a:off x="5008233" y="2941705"/>
+            <a:off x="5474457" y="1858476"/>
             <a:ext cx="601447" cy="369332"/>
           </a:xfrm>
           <a:prstGeom prst="rect">
@@ -8242,10 +10098,10 @@
       </p:sp>
       <p:sp>
         <p:nvSpPr>
-          <p:cNvPr id="92" name="文本框 91">
-            <a:extLst>
-              <a:ext uri="{FF2B5EF4-FFF2-40B4-BE49-F238E27FC236}">
-                <a16:creationId xmlns:a16="http://schemas.microsoft.com/office/drawing/2014/main" id="{10B2B8D8-DDB9-476D-B4A9-A8452ECD6945}"/>
+          <p:cNvPr id="50" name="文本框 49">
+            <a:extLst>
+              <a:ext uri="{FF2B5EF4-FFF2-40B4-BE49-F238E27FC236}">
+                <a16:creationId xmlns:a16="http://schemas.microsoft.com/office/drawing/2014/main" id="{26828962-628A-4FC1-9EBC-C5656BC914CF}"/>
               </a:ext>
             </a:extLst>
           </p:cNvPr>
@@ -8254,8 +10110,8 @@
         </p:nvSpPr>
         <p:spPr>
           <a:xfrm>
-            <a:off x="5026089" y="1764593"/>
-            <a:ext cx="665567" cy="369332"/>
+            <a:off x="4577767" y="2142052"/>
+            <a:ext cx="588623" cy="369332"/>
           </a:xfrm>
           <a:prstGeom prst="rect">
             <a:avLst/>
@@ -8273,7 +10129,7 @@
                 <a:latin typeface="Times New Roman" panose="02020603050405020304" pitchFamily="18" charset="0"/>
                 <a:cs typeface="Times New Roman" panose="02020603050405020304" pitchFamily="18" charset="0"/>
               </a:rPr>
-              <a:t>-3.31</a:t>
+              <a:t>0.30</a:t>
             </a:r>
             <a:endParaRPr lang="zh-CN" altLang="en-US" dirty="0">
               <a:latin typeface="Times New Roman" panose="02020603050405020304" pitchFamily="18" charset="0"/>
@@ -8284,10 +10140,10 @@
       </p:sp>
       <p:sp>
         <p:nvSpPr>
-          <p:cNvPr id="93" name="文本框 92">
-            <a:extLst>
-              <a:ext uri="{FF2B5EF4-FFF2-40B4-BE49-F238E27FC236}">
-                <a16:creationId xmlns:a16="http://schemas.microsoft.com/office/drawing/2014/main" id="{03F57F08-5E95-460F-90C4-EB411791E491}"/>
+          <p:cNvPr id="51" name="文本框 50">
+            <a:extLst>
+              <a:ext uri="{FF2B5EF4-FFF2-40B4-BE49-F238E27FC236}">
+                <a16:creationId xmlns:a16="http://schemas.microsoft.com/office/drawing/2014/main" id="{74A86FEC-22C7-48D8-8C35-2148070F6960}"/>
               </a:ext>
             </a:extLst>
           </p:cNvPr>
@@ -8296,8 +10152,8 @@
         </p:nvSpPr>
         <p:spPr>
           <a:xfrm>
-            <a:off x="5920620" y="2981845"/>
-            <a:ext cx="665567" cy="369332"/>
+            <a:off x="6564040" y="2142052"/>
+            <a:ext cx="588623" cy="369332"/>
           </a:xfrm>
           <a:prstGeom prst="rect">
             <a:avLst/>
@@ -8315,7 +10171,7 @@
                 <a:latin typeface="Times New Roman" panose="02020603050405020304" pitchFamily="18" charset="0"/>
                 <a:cs typeface="Times New Roman" panose="02020603050405020304" pitchFamily="18" charset="0"/>
               </a:rPr>
-              <a:t>-0.63</a:t>
+              <a:t>0.99</a:t>
             </a:r>
             <a:endParaRPr lang="zh-CN" altLang="en-US" dirty="0">
               <a:latin typeface="Times New Roman" panose="02020603050405020304" pitchFamily="18" charset="0"/>
@@ -8326,10 +10182,10 @@
       </p:sp>
       <p:sp>
         <p:nvSpPr>
-          <p:cNvPr id="94" name="文本框 93">
-            <a:extLst>
-              <a:ext uri="{FF2B5EF4-FFF2-40B4-BE49-F238E27FC236}">
-                <a16:creationId xmlns:a16="http://schemas.microsoft.com/office/drawing/2014/main" id="{4662F36E-5AD6-4F1A-91BC-6B36C14ABB73}"/>
+          <p:cNvPr id="52" name="文本框 51">
+            <a:extLst>
+              <a:ext uri="{FF2B5EF4-FFF2-40B4-BE49-F238E27FC236}">
+                <a16:creationId xmlns:a16="http://schemas.microsoft.com/office/drawing/2014/main" id="{0F8C365D-43BB-4C3B-ADD9-FE5B9D6C2E97}"/>
               </a:ext>
             </a:extLst>
           </p:cNvPr>
@@ -8338,8 +10194,8 @@
         </p:nvSpPr>
         <p:spPr>
           <a:xfrm>
-            <a:off x="5934277" y="1738732"/>
-            <a:ext cx="665567" cy="369332"/>
+            <a:off x="6705070" y="2772063"/>
+            <a:ext cx="704039" cy="369332"/>
           </a:xfrm>
           <a:prstGeom prst="rect">
             <a:avLst/>
@@ -8357,7 +10213,7 @@
                 <a:latin typeface="Times New Roman" panose="02020603050405020304" pitchFamily="18" charset="0"/>
                 <a:cs typeface="Times New Roman" panose="02020603050405020304" pitchFamily="18" charset="0"/>
               </a:rPr>
-              <a:t>-0.07</a:t>
+              <a:t>42.56</a:t>
             </a:r>
             <a:endParaRPr lang="zh-CN" altLang="en-US" dirty="0">
               <a:latin typeface="Times New Roman" panose="02020603050405020304" pitchFamily="18" charset="0"/>
@@ -8368,10 +10224,10 @@
       </p:sp>
       <p:sp>
         <p:nvSpPr>
-          <p:cNvPr id="40" name="文本框 39">
-            <a:extLst>
-              <a:ext uri="{FF2B5EF4-FFF2-40B4-BE49-F238E27FC236}">
-                <a16:creationId xmlns:a16="http://schemas.microsoft.com/office/drawing/2014/main" id="{87D83EC1-56C3-4CB5-940B-912413B33280}"/>
+          <p:cNvPr id="53" name="文本框 52">
+            <a:extLst>
+              <a:ext uri="{FF2B5EF4-FFF2-40B4-BE49-F238E27FC236}">
+                <a16:creationId xmlns:a16="http://schemas.microsoft.com/office/drawing/2014/main" id="{2888C2BA-F555-4A34-9252-EF86D583FC39}"/>
               </a:ext>
             </a:extLst>
           </p:cNvPr>
@@ -8380,8 +10236,8 @@
         </p:nvSpPr>
         <p:spPr>
           <a:xfrm>
-            <a:off x="856343" y="457200"/>
-            <a:ext cx="1106393" cy="369332"/>
+            <a:off x="6353050" y="3358656"/>
+            <a:ext cx="588623" cy="369332"/>
           </a:xfrm>
           <a:prstGeom prst="rect">
             <a:avLst/>
@@ -8399,7 +10255,7 @@
                 <a:latin typeface="Times New Roman" panose="02020603050405020304" pitchFamily="18" charset="0"/>
                 <a:cs typeface="Times New Roman" panose="02020603050405020304" pitchFamily="18" charset="0"/>
               </a:rPr>
-              <a:t>Figure S3</a:t>
+              <a:t>7.33</a:t>
             </a:r>
             <a:endParaRPr lang="zh-CN" altLang="en-US" dirty="0">
               <a:latin typeface="Times New Roman" panose="02020603050405020304" pitchFamily="18" charset="0"/>
@@ -8408,10 +10264,52 @@
           </a:p>
         </p:txBody>
       </p:sp>
+      <p:sp>
+        <p:nvSpPr>
+          <p:cNvPr id="95" name="文本框 94">
+            <a:extLst>
+              <a:ext uri="{FF2B5EF4-FFF2-40B4-BE49-F238E27FC236}">
+                <a16:creationId xmlns:a16="http://schemas.microsoft.com/office/drawing/2014/main" id="{22F55564-C8CC-410A-9CF1-BDB63A9B8A80}"/>
+              </a:ext>
+            </a:extLst>
+          </p:cNvPr>
+          <p:cNvSpPr txBox="1"/>
+          <p:nvPr/>
+        </p:nvSpPr>
+        <p:spPr>
+          <a:xfrm>
+            <a:off x="856343" y="457200"/>
+            <a:ext cx="1106393" cy="369332"/>
+          </a:xfrm>
+          <a:prstGeom prst="rect">
+            <a:avLst/>
+          </a:prstGeom>
+          <a:noFill/>
+        </p:spPr>
+        <p:txBody>
+          <a:bodyPr wrap="none" rtlCol="0">
+            <a:spAutoFit/>
+          </a:bodyPr>
+          <a:lstStyle/>
+          <a:p>
+            <a:r>
+              <a:rPr lang="en-US" altLang="zh-CN" dirty="0">
+                <a:latin typeface="Times New Roman" panose="02020603050405020304" pitchFamily="18" charset="0"/>
+                <a:cs typeface="Times New Roman" panose="02020603050405020304" pitchFamily="18" charset="0"/>
+              </a:rPr>
+              <a:t>Figure S3</a:t>
+            </a:r>
+            <a:endParaRPr lang="zh-CN" altLang="en-US" dirty="0">
+              <a:latin typeface="Times New Roman" panose="02020603050405020304" pitchFamily="18" charset="0"/>
+              <a:cs typeface="Times New Roman" panose="02020603050405020304" pitchFamily="18" charset="0"/>
+            </a:endParaRPr>
+          </a:p>
+        </p:txBody>
+      </p:sp>
     </p:spTree>
     <p:extLst>
       <p:ext uri="{BB962C8B-B14F-4D97-AF65-F5344CB8AC3E}">
-        <p14:creationId xmlns:p14="http://schemas.microsoft.com/office/powerpoint/2010/main" val="1085728111"/>
+        <p14:creationId xmlns:p14="http://schemas.microsoft.com/office/powerpoint/2010/main" val="3308116035"/>
       </p:ext>
     </p:extLst>
   </p:cSld>
@@ -8482,7 +10380,7 @@
           </a:fontRef>
         </p:style>
         <p:txBody>
-          <a:bodyPr lIns="0" rIns="0" rtlCol="0" anchor="ctr"/>
+          <a:bodyPr lIns="0" rtlCol="0" anchor="ctr"/>
           <a:lstStyle/>
           <a:p>
             <a:pPr algn="ctr"/>
@@ -8494,7 +10392,7 @@
                 <a:latin typeface="Times New Roman" panose="02020603050405020304" pitchFamily="18" charset="0"/>
                 <a:cs typeface="Times New Roman" panose="02020603050405020304" pitchFamily="18" charset="0"/>
               </a:rPr>
-              <a:t>Warming</a:t>
+              <a:t>Drought</a:t>
             </a:r>
           </a:p>
         </p:txBody>
@@ -8557,7 +10455,7 @@
                 <a:latin typeface="Times New Roman" panose="02020603050405020304" pitchFamily="18" charset="0"/>
                 <a:cs typeface="Times New Roman" panose="02020603050405020304" pitchFamily="18" charset="0"/>
               </a:rPr>
-              <a:t>NGS air temperature</a:t>
+              <a:t>NGS plant transpiration</a:t>
             </a:r>
             <a:endParaRPr lang="zh-CN" altLang="en-US" dirty="0">
               <a:solidFill>
@@ -8627,7 +10525,7 @@
                 <a:latin typeface="Times New Roman" panose="02020603050405020304" pitchFamily="18" charset="0"/>
                 <a:cs typeface="Times New Roman" panose="02020603050405020304" pitchFamily="18" charset="0"/>
               </a:rPr>
-              <a:t>NGS soil temperature</a:t>
+              <a:t>NGS soil evaporation</a:t>
             </a:r>
             <a:endParaRPr lang="zh-CN" altLang="en-US" dirty="0">
               <a:solidFill>
@@ -8697,7 +10595,7 @@
                 <a:latin typeface="Times New Roman" panose="02020603050405020304" pitchFamily="18" charset="0"/>
                 <a:cs typeface="Times New Roman" panose="02020603050405020304" pitchFamily="18" charset="0"/>
               </a:rPr>
-              <a:t>GS air temperature</a:t>
+              <a:t>GS plant transpiration</a:t>
             </a:r>
             <a:endParaRPr lang="zh-CN" altLang="en-US" dirty="0">
               <a:solidFill>
@@ -8767,7 +10665,7 @@
                 <a:latin typeface="Times New Roman" panose="02020603050405020304" pitchFamily="18" charset="0"/>
                 <a:cs typeface="Times New Roman" panose="02020603050405020304" pitchFamily="18" charset="0"/>
               </a:rPr>
-              <a:t>GS soil temperature</a:t>
+              <a:t>GS soil evaporation</a:t>
             </a:r>
             <a:endParaRPr lang="zh-CN" altLang="en-US" dirty="0">
               <a:solidFill>
@@ -9016,7 +10914,7 @@
                 <a:latin typeface="Times New Roman" panose="02020603050405020304" pitchFamily="18" charset="0"/>
                 <a:cs typeface="Times New Roman" panose="02020603050405020304" pitchFamily="18" charset="0"/>
               </a:rPr>
-              <a:t>Test statistic = 1.29, with 1 model degrees of freedom and </a:t>
+              <a:t>Test statistic = 2.36, with 1 model degrees of freedom and </a:t>
             </a:r>
             <a:r>
               <a:rPr lang="en-US" altLang="zh-CN" i="1" dirty="0">
@@ -9030,7 +10928,7 @@
                 <a:latin typeface="Times New Roman" panose="02020603050405020304" pitchFamily="18" charset="0"/>
                 <a:cs typeface="Times New Roman" panose="02020603050405020304" pitchFamily="18" charset="0"/>
               </a:rPr>
-              <a:t>-value (Chi-square) = 0.26 (again indicating close model-data fit).</a:t>
+              <a:t>-value (Chi-square) = 0.13 (again indicating close model-data fit).</a:t>
             </a:r>
             <a:endParaRPr lang="zh-CN" altLang="en-US" dirty="0">
               <a:latin typeface="Times New Roman" panose="02020603050405020304" pitchFamily="18" charset="0"/>
@@ -9054,7 +10952,7 @@
         <p:spPr>
           <a:xfrm>
             <a:off x="5008233" y="2941705"/>
-            <a:ext cx="637739" cy="369332"/>
+            <a:ext cx="601447" cy="369332"/>
           </a:xfrm>
           <a:prstGeom prst="rect">
             <a:avLst/>
@@ -9072,7 +10970,7 @@
                 <a:latin typeface="Times New Roman" panose="02020603050405020304" pitchFamily="18" charset="0"/>
                 <a:cs typeface="Times New Roman" panose="02020603050405020304" pitchFamily="18" charset="0"/>
               </a:rPr>
-              <a:t>1. 11</a:t>
+              <a:t>1.00</a:t>
             </a:r>
             <a:endParaRPr lang="zh-CN" altLang="en-US" dirty="0">
               <a:latin typeface="Times New Roman" panose="02020603050405020304" pitchFamily="18" charset="0"/>
@@ -9096,7 +10994,7 @@
         <p:spPr>
           <a:xfrm>
             <a:off x="5026089" y="1764593"/>
-            <a:ext cx="588623" cy="369332"/>
+            <a:ext cx="665567" cy="369332"/>
           </a:xfrm>
           <a:prstGeom prst="rect">
             <a:avLst/>
@@ -9114,7 +11012,7 @@
                 <a:latin typeface="Times New Roman" panose="02020603050405020304" pitchFamily="18" charset="0"/>
                 <a:cs typeface="Times New Roman" panose="02020603050405020304" pitchFamily="18" charset="0"/>
               </a:rPr>
-              <a:t>1.00</a:t>
+              <a:t>-3.31</a:t>
             </a:r>
             <a:endParaRPr lang="zh-CN" altLang="en-US" dirty="0">
               <a:latin typeface="Times New Roman" panose="02020603050405020304" pitchFamily="18" charset="0"/>
@@ -9138,7 +11036,7 @@
         <p:spPr>
           <a:xfrm>
             <a:off x="5920620" y="2981845"/>
-            <a:ext cx="588623" cy="369332"/>
+            <a:ext cx="665567" cy="369332"/>
           </a:xfrm>
           <a:prstGeom prst="rect">
             <a:avLst/>
@@ -9156,7 +11054,7 @@
                 <a:latin typeface="Times New Roman" panose="02020603050405020304" pitchFamily="18" charset="0"/>
                 <a:cs typeface="Times New Roman" panose="02020603050405020304" pitchFamily="18" charset="0"/>
               </a:rPr>
-              <a:t>0.47</a:t>
+              <a:t>-0.63</a:t>
             </a:r>
             <a:endParaRPr lang="zh-CN" altLang="en-US" dirty="0">
               <a:latin typeface="Times New Roman" panose="02020603050405020304" pitchFamily="18" charset="0"/>
@@ -9180,7 +11078,7 @@
         <p:spPr>
           <a:xfrm>
             <a:off x="5934277" y="1738732"/>
-            <a:ext cx="588623" cy="369332"/>
+            <a:ext cx="665567" cy="369332"/>
           </a:xfrm>
           <a:prstGeom prst="rect">
             <a:avLst/>
@@ -9198,7 +11096,7 @@
                 <a:latin typeface="Times New Roman" panose="02020603050405020304" pitchFamily="18" charset="0"/>
                 <a:cs typeface="Times New Roman" panose="02020603050405020304" pitchFamily="18" charset="0"/>
               </a:rPr>
-              <a:t>1.47</a:t>
+              <a:t>-0.07</a:t>
             </a:r>
             <a:endParaRPr lang="zh-CN" altLang="en-US" dirty="0">
               <a:latin typeface="Times New Roman" panose="02020603050405020304" pitchFamily="18" charset="0"/>
@@ -9209,10 +11107,10 @@
       </p:sp>
       <p:sp>
         <p:nvSpPr>
-          <p:cNvPr id="16" name="文本框 15">
-            <a:extLst>
-              <a:ext uri="{FF2B5EF4-FFF2-40B4-BE49-F238E27FC236}">
-                <a16:creationId xmlns:a16="http://schemas.microsoft.com/office/drawing/2014/main" id="{1F16268A-1BB1-4D19-8E1A-1E25FF0A521E}"/>
+          <p:cNvPr id="40" name="文本框 39">
+            <a:extLst>
+              <a:ext uri="{FF2B5EF4-FFF2-40B4-BE49-F238E27FC236}">
+                <a16:creationId xmlns:a16="http://schemas.microsoft.com/office/drawing/2014/main" id="{87D83EC1-56C3-4CB5-940B-912413B33280}"/>
               </a:ext>
             </a:extLst>
           </p:cNvPr>
@@ -9252,7 +11150,7 @@
     </p:spTree>
     <p:extLst>
       <p:ext uri="{BB962C8B-B14F-4D97-AF65-F5344CB8AC3E}">
-        <p14:creationId xmlns:p14="http://schemas.microsoft.com/office/powerpoint/2010/main" val="948815056"/>
+        <p14:creationId xmlns:p14="http://schemas.microsoft.com/office/powerpoint/2010/main" val="1085728111"/>
       </p:ext>
     </p:extLst>
   </p:cSld>
@@ -9293,6 +11191,847 @@
         </p:nvSpPr>
         <p:spPr>
           <a:xfrm>
+            <a:off x="5006201" y="2101165"/>
+            <a:ext cx="1727621" cy="901700"/>
+          </a:xfrm>
+          <a:prstGeom prst="flowChartPreparation">
+            <a:avLst/>
+          </a:prstGeom>
+          <a:noFill/>
+          <a:ln w="19050">
+            <a:solidFill>
+              <a:schemeClr val="tx1"/>
+            </a:solidFill>
+          </a:ln>
+        </p:spPr>
+        <p:style>
+          <a:lnRef idx="2">
+            <a:schemeClr val="accent1">
+              <a:shade val="50000"/>
+            </a:schemeClr>
+          </a:lnRef>
+          <a:fillRef idx="1">
+            <a:schemeClr val="accent1"/>
+          </a:fillRef>
+          <a:effectRef idx="0">
+            <a:schemeClr val="accent1"/>
+          </a:effectRef>
+          <a:fontRef idx="minor">
+            <a:schemeClr val="lt1"/>
+          </a:fontRef>
+        </p:style>
+        <p:txBody>
+          <a:bodyPr lIns="0" rIns="0" rtlCol="0" anchor="ctr"/>
+          <a:lstStyle/>
+          <a:p>
+            <a:pPr algn="ctr"/>
+            <a:r>
+              <a:rPr lang="en-US" altLang="zh-CN" sz="2200" dirty="0">
+                <a:solidFill>
+                  <a:schemeClr val="tx1"/>
+                </a:solidFill>
+                <a:latin typeface="Times New Roman" panose="02020603050405020304" pitchFamily="18" charset="0"/>
+                <a:cs typeface="Times New Roman" panose="02020603050405020304" pitchFamily="18" charset="0"/>
+              </a:rPr>
+              <a:t>Warming</a:t>
+            </a:r>
+          </a:p>
+        </p:txBody>
+      </p:sp>
+      <p:sp>
+        <p:nvSpPr>
+          <p:cNvPr id="57" name="椭圆 56">
+            <a:extLst>
+              <a:ext uri="{FF2B5EF4-FFF2-40B4-BE49-F238E27FC236}">
+                <a16:creationId xmlns:a16="http://schemas.microsoft.com/office/drawing/2014/main" id="{AB687A96-0B1A-47AA-9700-AB956DB85A47}"/>
+              </a:ext>
+            </a:extLst>
+          </p:cNvPr>
+          <p:cNvSpPr/>
+          <p:nvPr/>
+        </p:nvSpPr>
+        <p:spPr>
+          <a:xfrm>
+            <a:off x="6443622" y="1327150"/>
+            <a:ext cx="2405103" cy="668511"/>
+          </a:xfrm>
+          <a:prstGeom prst="ellipse">
+            <a:avLst/>
+          </a:prstGeom>
+          <a:solidFill>
+            <a:schemeClr val="bg1"/>
+          </a:solidFill>
+          <a:ln w="19050">
+            <a:solidFill>
+              <a:schemeClr val="tx1"/>
+            </a:solidFill>
+          </a:ln>
+        </p:spPr>
+        <p:style>
+          <a:lnRef idx="2">
+            <a:schemeClr val="accent1">
+              <a:shade val="50000"/>
+            </a:schemeClr>
+          </a:lnRef>
+          <a:fillRef idx="1">
+            <a:schemeClr val="accent1"/>
+          </a:fillRef>
+          <a:effectRef idx="0">
+            <a:schemeClr val="accent1"/>
+          </a:effectRef>
+          <a:fontRef idx="minor">
+            <a:schemeClr val="lt1"/>
+          </a:fontRef>
+        </p:style>
+        <p:txBody>
+          <a:bodyPr lIns="0" rIns="0" rtlCol="0" anchor="ctr"/>
+          <a:lstStyle/>
+          <a:p>
+            <a:pPr algn="ctr"/>
+            <a:r>
+              <a:rPr lang="en-US" altLang="zh-CN" dirty="0">
+                <a:solidFill>
+                  <a:schemeClr val="tx1"/>
+                </a:solidFill>
+                <a:latin typeface="Times New Roman" panose="02020603050405020304" pitchFamily="18" charset="0"/>
+                <a:cs typeface="Times New Roman" panose="02020603050405020304" pitchFamily="18" charset="0"/>
+              </a:rPr>
+              <a:t>NGS air temperature</a:t>
+            </a:r>
+            <a:endParaRPr lang="zh-CN" altLang="en-US" dirty="0">
+              <a:solidFill>
+                <a:schemeClr val="tx1"/>
+              </a:solidFill>
+              <a:latin typeface="Times New Roman" panose="02020603050405020304" pitchFamily="18" charset="0"/>
+              <a:cs typeface="Times New Roman" panose="02020603050405020304" pitchFamily="18" charset="0"/>
+            </a:endParaRPr>
+          </a:p>
+        </p:txBody>
+      </p:sp>
+      <p:sp>
+        <p:nvSpPr>
+          <p:cNvPr id="58" name="椭圆 57">
+            <a:extLst>
+              <a:ext uri="{FF2B5EF4-FFF2-40B4-BE49-F238E27FC236}">
+                <a16:creationId xmlns:a16="http://schemas.microsoft.com/office/drawing/2014/main" id="{D4424CB3-D0C7-4A46-AB35-3F541092D1BE}"/>
+              </a:ext>
+            </a:extLst>
+          </p:cNvPr>
+          <p:cNvSpPr/>
+          <p:nvPr/>
+        </p:nvSpPr>
+        <p:spPr>
+          <a:xfrm>
+            <a:off x="6443622" y="3028470"/>
+            <a:ext cx="2405103" cy="668511"/>
+          </a:xfrm>
+          <a:prstGeom prst="ellipse">
+            <a:avLst/>
+          </a:prstGeom>
+          <a:solidFill>
+            <a:schemeClr val="bg1"/>
+          </a:solidFill>
+          <a:ln w="19050">
+            <a:solidFill>
+              <a:schemeClr val="tx1"/>
+            </a:solidFill>
+          </a:ln>
+        </p:spPr>
+        <p:style>
+          <a:lnRef idx="2">
+            <a:schemeClr val="accent1">
+              <a:shade val="50000"/>
+            </a:schemeClr>
+          </a:lnRef>
+          <a:fillRef idx="1">
+            <a:schemeClr val="accent1"/>
+          </a:fillRef>
+          <a:effectRef idx="0">
+            <a:schemeClr val="accent1"/>
+          </a:effectRef>
+          <a:fontRef idx="minor">
+            <a:schemeClr val="lt1"/>
+          </a:fontRef>
+        </p:style>
+        <p:txBody>
+          <a:bodyPr lIns="0" rIns="0" rtlCol="0" anchor="ctr"/>
+          <a:lstStyle/>
+          <a:p>
+            <a:pPr algn="ctr"/>
+            <a:r>
+              <a:rPr lang="en-US" altLang="zh-CN" dirty="0">
+                <a:solidFill>
+                  <a:schemeClr val="tx1"/>
+                </a:solidFill>
+                <a:latin typeface="Times New Roman" panose="02020603050405020304" pitchFamily="18" charset="0"/>
+                <a:cs typeface="Times New Roman" panose="02020603050405020304" pitchFamily="18" charset="0"/>
+              </a:rPr>
+              <a:t>NGS soil temperature</a:t>
+            </a:r>
+            <a:endParaRPr lang="zh-CN" altLang="en-US" dirty="0">
+              <a:solidFill>
+                <a:schemeClr val="tx1"/>
+              </a:solidFill>
+              <a:latin typeface="Times New Roman" panose="02020603050405020304" pitchFamily="18" charset="0"/>
+              <a:cs typeface="Times New Roman" panose="02020603050405020304" pitchFamily="18" charset="0"/>
+            </a:endParaRPr>
+          </a:p>
+        </p:txBody>
+      </p:sp>
+      <p:sp>
+        <p:nvSpPr>
+          <p:cNvPr id="59" name="椭圆 58">
+            <a:extLst>
+              <a:ext uri="{FF2B5EF4-FFF2-40B4-BE49-F238E27FC236}">
+                <a16:creationId xmlns:a16="http://schemas.microsoft.com/office/drawing/2014/main" id="{CBAB2A0E-9ABD-4F55-841D-6856762B2F71}"/>
+              </a:ext>
+            </a:extLst>
+          </p:cNvPr>
+          <p:cNvSpPr/>
+          <p:nvPr/>
+        </p:nvSpPr>
+        <p:spPr>
+          <a:xfrm>
+            <a:off x="2777208" y="1327150"/>
+            <a:ext cx="2405103" cy="668511"/>
+          </a:xfrm>
+          <a:prstGeom prst="ellipse">
+            <a:avLst/>
+          </a:prstGeom>
+          <a:solidFill>
+            <a:schemeClr val="bg1"/>
+          </a:solidFill>
+          <a:ln w="19050">
+            <a:solidFill>
+              <a:schemeClr val="tx1"/>
+            </a:solidFill>
+          </a:ln>
+        </p:spPr>
+        <p:style>
+          <a:lnRef idx="2">
+            <a:schemeClr val="accent1">
+              <a:shade val="50000"/>
+            </a:schemeClr>
+          </a:lnRef>
+          <a:fillRef idx="1">
+            <a:schemeClr val="accent1"/>
+          </a:fillRef>
+          <a:effectRef idx="0">
+            <a:schemeClr val="accent1"/>
+          </a:effectRef>
+          <a:fontRef idx="minor">
+            <a:schemeClr val="lt1"/>
+          </a:fontRef>
+        </p:style>
+        <p:txBody>
+          <a:bodyPr lIns="0" rIns="0" rtlCol="0" anchor="ctr"/>
+          <a:lstStyle/>
+          <a:p>
+            <a:pPr algn="ctr"/>
+            <a:r>
+              <a:rPr lang="en-US" altLang="zh-CN" dirty="0">
+                <a:solidFill>
+                  <a:schemeClr val="tx1"/>
+                </a:solidFill>
+                <a:latin typeface="Times New Roman" panose="02020603050405020304" pitchFamily="18" charset="0"/>
+                <a:cs typeface="Times New Roman" panose="02020603050405020304" pitchFamily="18" charset="0"/>
+              </a:rPr>
+              <a:t>GS air temperature</a:t>
+            </a:r>
+            <a:endParaRPr lang="zh-CN" altLang="en-US" dirty="0">
+              <a:solidFill>
+                <a:schemeClr val="tx1"/>
+              </a:solidFill>
+              <a:latin typeface="Times New Roman" panose="02020603050405020304" pitchFamily="18" charset="0"/>
+              <a:cs typeface="Times New Roman" panose="02020603050405020304" pitchFamily="18" charset="0"/>
+            </a:endParaRPr>
+          </a:p>
+        </p:txBody>
+      </p:sp>
+      <p:sp>
+        <p:nvSpPr>
+          <p:cNvPr id="60" name="椭圆 59">
+            <a:extLst>
+              <a:ext uri="{FF2B5EF4-FFF2-40B4-BE49-F238E27FC236}">
+                <a16:creationId xmlns:a16="http://schemas.microsoft.com/office/drawing/2014/main" id="{754004A4-A831-4078-AD4F-F7AA096A4529}"/>
+              </a:ext>
+            </a:extLst>
+          </p:cNvPr>
+          <p:cNvSpPr/>
+          <p:nvPr/>
+        </p:nvSpPr>
+        <p:spPr>
+          <a:xfrm>
+            <a:off x="2777208" y="3028470"/>
+            <a:ext cx="2405103" cy="668511"/>
+          </a:xfrm>
+          <a:prstGeom prst="ellipse">
+            <a:avLst/>
+          </a:prstGeom>
+          <a:solidFill>
+            <a:schemeClr val="bg1"/>
+          </a:solidFill>
+          <a:ln w="19050">
+            <a:solidFill>
+              <a:schemeClr val="tx1"/>
+            </a:solidFill>
+          </a:ln>
+        </p:spPr>
+        <p:style>
+          <a:lnRef idx="2">
+            <a:schemeClr val="accent1">
+              <a:shade val="50000"/>
+            </a:schemeClr>
+          </a:lnRef>
+          <a:fillRef idx="1">
+            <a:schemeClr val="accent1"/>
+          </a:fillRef>
+          <a:effectRef idx="0">
+            <a:schemeClr val="accent1"/>
+          </a:effectRef>
+          <a:fontRef idx="minor">
+            <a:schemeClr val="lt1"/>
+          </a:fontRef>
+        </p:style>
+        <p:txBody>
+          <a:bodyPr lIns="0" rIns="0" rtlCol="0" anchor="ctr"/>
+          <a:lstStyle/>
+          <a:p>
+            <a:pPr algn="ctr"/>
+            <a:r>
+              <a:rPr lang="en-US" altLang="zh-CN" dirty="0">
+                <a:solidFill>
+                  <a:schemeClr val="tx1"/>
+                </a:solidFill>
+                <a:latin typeface="Times New Roman" panose="02020603050405020304" pitchFamily="18" charset="0"/>
+                <a:cs typeface="Times New Roman" panose="02020603050405020304" pitchFamily="18" charset="0"/>
+              </a:rPr>
+              <a:t>GS soil temperature</a:t>
+            </a:r>
+            <a:endParaRPr lang="zh-CN" altLang="en-US" dirty="0">
+              <a:solidFill>
+                <a:schemeClr val="tx1"/>
+              </a:solidFill>
+              <a:latin typeface="Times New Roman" panose="02020603050405020304" pitchFamily="18" charset="0"/>
+              <a:cs typeface="Times New Roman" panose="02020603050405020304" pitchFamily="18" charset="0"/>
+            </a:endParaRPr>
+          </a:p>
+        </p:txBody>
+      </p:sp>
+      <p:cxnSp>
+        <p:nvCxnSpPr>
+          <p:cNvPr id="61" name="直接箭头连接符 60">
+            <a:extLst>
+              <a:ext uri="{FF2B5EF4-FFF2-40B4-BE49-F238E27FC236}">
+                <a16:creationId xmlns:a16="http://schemas.microsoft.com/office/drawing/2014/main" id="{7958C5CB-DABA-42AF-9250-5803F1F24A1C}"/>
+              </a:ext>
+            </a:extLst>
+          </p:cNvPr>
+          <p:cNvCxnSpPr>
+            <a:cxnSpLocks/>
+            <a:stCxn id="59" idx="5"/>
+          </p:cNvCxnSpPr>
+          <p:nvPr/>
+        </p:nvCxnSpPr>
+        <p:spPr>
+          <a:xfrm>
+            <a:off x="4830092" y="1897760"/>
+            <a:ext cx="411833" cy="368950"/>
+          </a:xfrm>
+          <a:prstGeom prst="straightConnector1">
+            <a:avLst/>
+          </a:prstGeom>
+          <a:solidFill>
+            <a:schemeClr val="bg1"/>
+          </a:solidFill>
+          <a:ln w="19050">
+            <a:solidFill>
+              <a:schemeClr val="tx1"/>
+            </a:solidFill>
+            <a:headEnd type="none"/>
+            <a:tailEnd type="arrow"/>
+          </a:ln>
+        </p:spPr>
+        <p:style>
+          <a:lnRef idx="2">
+            <a:schemeClr val="accent1">
+              <a:shade val="50000"/>
+            </a:schemeClr>
+          </a:lnRef>
+          <a:fillRef idx="1">
+            <a:schemeClr val="accent1"/>
+          </a:fillRef>
+          <a:effectRef idx="0">
+            <a:schemeClr val="accent1"/>
+          </a:effectRef>
+          <a:fontRef idx="minor">
+            <a:schemeClr val="lt1"/>
+          </a:fontRef>
+        </p:style>
+      </p:cxnSp>
+      <p:cxnSp>
+        <p:nvCxnSpPr>
+          <p:cNvPr id="64" name="直接箭头连接符 63">
+            <a:extLst>
+              <a:ext uri="{FF2B5EF4-FFF2-40B4-BE49-F238E27FC236}">
+                <a16:creationId xmlns:a16="http://schemas.microsoft.com/office/drawing/2014/main" id="{D3E8F4C5-556B-42C3-A30C-F3E5A0EA652F}"/>
+              </a:ext>
+            </a:extLst>
+          </p:cNvPr>
+          <p:cNvCxnSpPr>
+            <a:cxnSpLocks/>
+            <a:stCxn id="60" idx="7"/>
+          </p:cNvCxnSpPr>
+          <p:nvPr/>
+        </p:nvCxnSpPr>
+        <p:spPr>
+          <a:xfrm flipV="1">
+            <a:off x="4830092" y="2837321"/>
+            <a:ext cx="411833" cy="289050"/>
+          </a:xfrm>
+          <a:prstGeom prst="straightConnector1">
+            <a:avLst/>
+          </a:prstGeom>
+          <a:solidFill>
+            <a:schemeClr val="bg1"/>
+          </a:solidFill>
+          <a:ln w="19050">
+            <a:solidFill>
+              <a:schemeClr val="tx1"/>
+            </a:solidFill>
+            <a:headEnd type="none"/>
+            <a:tailEnd type="arrow"/>
+          </a:ln>
+        </p:spPr>
+        <p:style>
+          <a:lnRef idx="2">
+            <a:schemeClr val="accent1">
+              <a:shade val="50000"/>
+            </a:schemeClr>
+          </a:lnRef>
+          <a:fillRef idx="1">
+            <a:schemeClr val="accent1"/>
+          </a:fillRef>
+          <a:effectRef idx="0">
+            <a:schemeClr val="accent1"/>
+          </a:effectRef>
+          <a:fontRef idx="minor">
+            <a:schemeClr val="lt1"/>
+          </a:fontRef>
+        </p:style>
+      </p:cxnSp>
+      <p:cxnSp>
+        <p:nvCxnSpPr>
+          <p:cNvPr id="81" name="直接箭头连接符 80">
+            <a:extLst>
+              <a:ext uri="{FF2B5EF4-FFF2-40B4-BE49-F238E27FC236}">
+                <a16:creationId xmlns:a16="http://schemas.microsoft.com/office/drawing/2014/main" id="{0341825E-D1EB-4B40-BE3F-2E0EF0A48E7A}"/>
+              </a:ext>
+            </a:extLst>
+          </p:cNvPr>
+          <p:cNvCxnSpPr>
+            <a:cxnSpLocks/>
+            <a:stCxn id="57" idx="3"/>
+          </p:cNvCxnSpPr>
+          <p:nvPr/>
+        </p:nvCxnSpPr>
+        <p:spPr>
+          <a:xfrm flipH="1">
+            <a:off x="6443623" y="1897760"/>
+            <a:ext cx="352218" cy="295827"/>
+          </a:xfrm>
+          <a:prstGeom prst="straightConnector1">
+            <a:avLst/>
+          </a:prstGeom>
+          <a:solidFill>
+            <a:schemeClr val="bg1"/>
+          </a:solidFill>
+          <a:ln w="19050">
+            <a:solidFill>
+              <a:schemeClr val="tx1"/>
+            </a:solidFill>
+            <a:headEnd type="none"/>
+            <a:tailEnd type="arrow"/>
+          </a:ln>
+        </p:spPr>
+        <p:style>
+          <a:lnRef idx="2">
+            <a:schemeClr val="accent1">
+              <a:shade val="50000"/>
+            </a:schemeClr>
+          </a:lnRef>
+          <a:fillRef idx="1">
+            <a:schemeClr val="accent1"/>
+          </a:fillRef>
+          <a:effectRef idx="0">
+            <a:schemeClr val="accent1"/>
+          </a:effectRef>
+          <a:fontRef idx="minor">
+            <a:schemeClr val="lt1"/>
+          </a:fontRef>
+        </p:style>
+      </p:cxnSp>
+      <p:cxnSp>
+        <p:nvCxnSpPr>
+          <p:cNvPr id="84" name="直接箭头连接符 83">
+            <a:extLst>
+              <a:ext uri="{FF2B5EF4-FFF2-40B4-BE49-F238E27FC236}">
+                <a16:creationId xmlns:a16="http://schemas.microsoft.com/office/drawing/2014/main" id="{6CAA3911-50A3-4FDE-84AC-1B9B16A886F1}"/>
+              </a:ext>
+            </a:extLst>
+          </p:cNvPr>
+          <p:cNvCxnSpPr>
+            <a:cxnSpLocks/>
+            <a:stCxn id="58" idx="1"/>
+          </p:cNvCxnSpPr>
+          <p:nvPr/>
+        </p:nvCxnSpPr>
+        <p:spPr>
+          <a:xfrm flipH="1" flipV="1">
+            <a:off x="6503237" y="2837321"/>
+            <a:ext cx="292604" cy="289050"/>
+          </a:xfrm>
+          <a:prstGeom prst="straightConnector1">
+            <a:avLst/>
+          </a:prstGeom>
+          <a:solidFill>
+            <a:schemeClr val="bg1"/>
+          </a:solidFill>
+          <a:ln w="19050">
+            <a:solidFill>
+              <a:schemeClr val="tx1"/>
+            </a:solidFill>
+            <a:headEnd type="none"/>
+            <a:tailEnd type="arrow"/>
+          </a:ln>
+        </p:spPr>
+        <p:style>
+          <a:lnRef idx="2">
+            <a:schemeClr val="accent1">
+              <a:shade val="50000"/>
+            </a:schemeClr>
+          </a:lnRef>
+          <a:fillRef idx="1">
+            <a:schemeClr val="accent1"/>
+          </a:fillRef>
+          <a:effectRef idx="0">
+            <a:schemeClr val="accent1"/>
+          </a:effectRef>
+          <a:fontRef idx="minor">
+            <a:schemeClr val="lt1"/>
+          </a:fontRef>
+        </p:style>
+      </p:cxnSp>
+      <p:sp>
+        <p:nvSpPr>
+          <p:cNvPr id="90" name="文本框 89">
+            <a:extLst>
+              <a:ext uri="{FF2B5EF4-FFF2-40B4-BE49-F238E27FC236}">
+                <a16:creationId xmlns:a16="http://schemas.microsoft.com/office/drawing/2014/main" id="{C8D51C49-3682-4966-B735-11DCDD33AE38}"/>
+              </a:ext>
+            </a:extLst>
+          </p:cNvPr>
+          <p:cNvSpPr txBox="1"/>
+          <p:nvPr/>
+        </p:nvSpPr>
+        <p:spPr>
+          <a:xfrm>
+            <a:off x="2974181" y="4030195"/>
+            <a:ext cx="6243637" cy="646331"/>
+          </a:xfrm>
+          <a:prstGeom prst="rect">
+            <a:avLst/>
+          </a:prstGeom>
+          <a:noFill/>
+        </p:spPr>
+        <p:txBody>
+          <a:bodyPr wrap="square" rtlCol="0">
+            <a:spAutoFit/>
+          </a:bodyPr>
+          <a:lstStyle/>
+          <a:p>
+            <a:r>
+              <a:rPr lang="en-US" altLang="zh-CN" dirty="0">
+                <a:latin typeface="Times New Roman" panose="02020603050405020304" pitchFamily="18" charset="0"/>
+                <a:cs typeface="Times New Roman" panose="02020603050405020304" pitchFamily="18" charset="0"/>
+              </a:rPr>
+              <a:t>Test statistic = 1.29, with 1 model degrees of freedom and </a:t>
+            </a:r>
+            <a:r>
+              <a:rPr lang="en-US" altLang="zh-CN" i="1" dirty="0">
+                <a:latin typeface="Times New Roman" panose="02020603050405020304" pitchFamily="18" charset="0"/>
+                <a:cs typeface="Times New Roman" panose="02020603050405020304" pitchFamily="18" charset="0"/>
+              </a:rPr>
+              <a:t>P</a:t>
+            </a:r>
+            <a:r>
+              <a:rPr lang="en-US" altLang="zh-CN" dirty="0">
+                <a:latin typeface="Times New Roman" panose="02020603050405020304" pitchFamily="18" charset="0"/>
+                <a:cs typeface="Times New Roman" panose="02020603050405020304" pitchFamily="18" charset="0"/>
+              </a:rPr>
+              <a:t>-value (Chi-square) = 0.26 (again indicating close model-data fit).</a:t>
+            </a:r>
+            <a:endParaRPr lang="zh-CN" altLang="en-US" dirty="0">
+              <a:latin typeface="Times New Roman" panose="02020603050405020304" pitchFamily="18" charset="0"/>
+              <a:cs typeface="Times New Roman" panose="02020603050405020304" pitchFamily="18" charset="0"/>
+            </a:endParaRPr>
+          </a:p>
+        </p:txBody>
+      </p:sp>
+      <p:sp>
+        <p:nvSpPr>
+          <p:cNvPr id="91" name="文本框 90">
+            <a:extLst>
+              <a:ext uri="{FF2B5EF4-FFF2-40B4-BE49-F238E27FC236}">
+                <a16:creationId xmlns:a16="http://schemas.microsoft.com/office/drawing/2014/main" id="{4FFDD44F-BB61-45A1-BAAD-943DFBE4F1F5}"/>
+              </a:ext>
+            </a:extLst>
+          </p:cNvPr>
+          <p:cNvSpPr txBox="1"/>
+          <p:nvPr/>
+        </p:nvSpPr>
+        <p:spPr>
+          <a:xfrm>
+            <a:off x="5008233" y="2941705"/>
+            <a:ext cx="637739" cy="369332"/>
+          </a:xfrm>
+          <a:prstGeom prst="rect">
+            <a:avLst/>
+          </a:prstGeom>
+          <a:noFill/>
+        </p:spPr>
+        <p:txBody>
+          <a:bodyPr wrap="none" rtlCol="0">
+            <a:spAutoFit/>
+          </a:bodyPr>
+          <a:lstStyle/>
+          <a:p>
+            <a:r>
+              <a:rPr lang="en-US" altLang="zh-CN" dirty="0">
+                <a:latin typeface="Times New Roman" panose="02020603050405020304" pitchFamily="18" charset="0"/>
+                <a:cs typeface="Times New Roman" panose="02020603050405020304" pitchFamily="18" charset="0"/>
+              </a:rPr>
+              <a:t>1. 11</a:t>
+            </a:r>
+            <a:endParaRPr lang="zh-CN" altLang="en-US" dirty="0">
+              <a:latin typeface="Times New Roman" panose="02020603050405020304" pitchFamily="18" charset="0"/>
+              <a:cs typeface="Times New Roman" panose="02020603050405020304" pitchFamily="18" charset="0"/>
+            </a:endParaRPr>
+          </a:p>
+        </p:txBody>
+      </p:sp>
+      <p:sp>
+        <p:nvSpPr>
+          <p:cNvPr id="92" name="文本框 91">
+            <a:extLst>
+              <a:ext uri="{FF2B5EF4-FFF2-40B4-BE49-F238E27FC236}">
+                <a16:creationId xmlns:a16="http://schemas.microsoft.com/office/drawing/2014/main" id="{10B2B8D8-DDB9-476D-B4A9-A8452ECD6945}"/>
+              </a:ext>
+            </a:extLst>
+          </p:cNvPr>
+          <p:cNvSpPr txBox="1"/>
+          <p:nvPr/>
+        </p:nvSpPr>
+        <p:spPr>
+          <a:xfrm>
+            <a:off x="5026089" y="1764593"/>
+            <a:ext cx="588623" cy="369332"/>
+          </a:xfrm>
+          <a:prstGeom prst="rect">
+            <a:avLst/>
+          </a:prstGeom>
+          <a:noFill/>
+        </p:spPr>
+        <p:txBody>
+          <a:bodyPr wrap="none" rtlCol="0">
+            <a:spAutoFit/>
+          </a:bodyPr>
+          <a:lstStyle/>
+          <a:p>
+            <a:r>
+              <a:rPr lang="en-US" altLang="zh-CN" dirty="0">
+                <a:latin typeface="Times New Roman" panose="02020603050405020304" pitchFamily="18" charset="0"/>
+                <a:cs typeface="Times New Roman" panose="02020603050405020304" pitchFamily="18" charset="0"/>
+              </a:rPr>
+              <a:t>1.00</a:t>
+            </a:r>
+            <a:endParaRPr lang="zh-CN" altLang="en-US" dirty="0">
+              <a:latin typeface="Times New Roman" panose="02020603050405020304" pitchFamily="18" charset="0"/>
+              <a:cs typeface="Times New Roman" panose="02020603050405020304" pitchFamily="18" charset="0"/>
+            </a:endParaRPr>
+          </a:p>
+        </p:txBody>
+      </p:sp>
+      <p:sp>
+        <p:nvSpPr>
+          <p:cNvPr id="93" name="文本框 92">
+            <a:extLst>
+              <a:ext uri="{FF2B5EF4-FFF2-40B4-BE49-F238E27FC236}">
+                <a16:creationId xmlns:a16="http://schemas.microsoft.com/office/drawing/2014/main" id="{03F57F08-5E95-460F-90C4-EB411791E491}"/>
+              </a:ext>
+            </a:extLst>
+          </p:cNvPr>
+          <p:cNvSpPr txBox="1"/>
+          <p:nvPr/>
+        </p:nvSpPr>
+        <p:spPr>
+          <a:xfrm>
+            <a:off x="5920620" y="2981845"/>
+            <a:ext cx="588623" cy="369332"/>
+          </a:xfrm>
+          <a:prstGeom prst="rect">
+            <a:avLst/>
+          </a:prstGeom>
+          <a:noFill/>
+        </p:spPr>
+        <p:txBody>
+          <a:bodyPr wrap="none" rtlCol="0">
+            <a:spAutoFit/>
+          </a:bodyPr>
+          <a:lstStyle/>
+          <a:p>
+            <a:r>
+              <a:rPr lang="en-US" altLang="zh-CN" dirty="0">
+                <a:latin typeface="Times New Roman" panose="02020603050405020304" pitchFamily="18" charset="0"/>
+                <a:cs typeface="Times New Roman" panose="02020603050405020304" pitchFamily="18" charset="0"/>
+              </a:rPr>
+              <a:t>0.47</a:t>
+            </a:r>
+            <a:endParaRPr lang="zh-CN" altLang="en-US" dirty="0">
+              <a:latin typeface="Times New Roman" panose="02020603050405020304" pitchFamily="18" charset="0"/>
+              <a:cs typeface="Times New Roman" panose="02020603050405020304" pitchFamily="18" charset="0"/>
+            </a:endParaRPr>
+          </a:p>
+        </p:txBody>
+      </p:sp>
+      <p:sp>
+        <p:nvSpPr>
+          <p:cNvPr id="94" name="文本框 93">
+            <a:extLst>
+              <a:ext uri="{FF2B5EF4-FFF2-40B4-BE49-F238E27FC236}">
+                <a16:creationId xmlns:a16="http://schemas.microsoft.com/office/drawing/2014/main" id="{4662F36E-5AD6-4F1A-91BC-6B36C14ABB73}"/>
+              </a:ext>
+            </a:extLst>
+          </p:cNvPr>
+          <p:cNvSpPr txBox="1"/>
+          <p:nvPr/>
+        </p:nvSpPr>
+        <p:spPr>
+          <a:xfrm>
+            <a:off x="5934277" y="1738732"/>
+            <a:ext cx="588623" cy="369332"/>
+          </a:xfrm>
+          <a:prstGeom prst="rect">
+            <a:avLst/>
+          </a:prstGeom>
+          <a:noFill/>
+        </p:spPr>
+        <p:txBody>
+          <a:bodyPr wrap="none" rtlCol="0">
+            <a:spAutoFit/>
+          </a:bodyPr>
+          <a:lstStyle/>
+          <a:p>
+            <a:r>
+              <a:rPr lang="en-US" altLang="zh-CN" dirty="0">
+                <a:latin typeface="Times New Roman" panose="02020603050405020304" pitchFamily="18" charset="0"/>
+                <a:cs typeface="Times New Roman" panose="02020603050405020304" pitchFamily="18" charset="0"/>
+              </a:rPr>
+              <a:t>1.47</a:t>
+            </a:r>
+            <a:endParaRPr lang="zh-CN" altLang="en-US" dirty="0">
+              <a:latin typeface="Times New Roman" panose="02020603050405020304" pitchFamily="18" charset="0"/>
+              <a:cs typeface="Times New Roman" panose="02020603050405020304" pitchFamily="18" charset="0"/>
+            </a:endParaRPr>
+          </a:p>
+        </p:txBody>
+      </p:sp>
+      <p:sp>
+        <p:nvSpPr>
+          <p:cNvPr id="16" name="文本框 15">
+            <a:extLst>
+              <a:ext uri="{FF2B5EF4-FFF2-40B4-BE49-F238E27FC236}">
+                <a16:creationId xmlns:a16="http://schemas.microsoft.com/office/drawing/2014/main" id="{1F16268A-1BB1-4D19-8E1A-1E25FF0A521E}"/>
+              </a:ext>
+            </a:extLst>
+          </p:cNvPr>
+          <p:cNvSpPr txBox="1"/>
+          <p:nvPr/>
+        </p:nvSpPr>
+        <p:spPr>
+          <a:xfrm>
+            <a:off x="856343" y="457200"/>
+            <a:ext cx="1106393" cy="369332"/>
+          </a:xfrm>
+          <a:prstGeom prst="rect">
+            <a:avLst/>
+          </a:prstGeom>
+          <a:noFill/>
+        </p:spPr>
+        <p:txBody>
+          <a:bodyPr wrap="none" rtlCol="0">
+            <a:spAutoFit/>
+          </a:bodyPr>
+          <a:lstStyle/>
+          <a:p>
+            <a:r>
+              <a:rPr lang="en-US" altLang="zh-CN" dirty="0">
+                <a:latin typeface="Times New Roman" panose="02020603050405020304" pitchFamily="18" charset="0"/>
+                <a:cs typeface="Times New Roman" panose="02020603050405020304" pitchFamily="18" charset="0"/>
+              </a:rPr>
+              <a:t>Figure S3</a:t>
+            </a:r>
+            <a:endParaRPr lang="zh-CN" altLang="en-US" dirty="0">
+              <a:latin typeface="Times New Roman" panose="02020603050405020304" pitchFamily="18" charset="0"/>
+              <a:cs typeface="Times New Roman" panose="02020603050405020304" pitchFamily="18" charset="0"/>
+            </a:endParaRPr>
+          </a:p>
+        </p:txBody>
+      </p:sp>
+    </p:spTree>
+    <p:extLst>
+      <p:ext uri="{BB962C8B-B14F-4D97-AF65-F5344CB8AC3E}">
+        <p14:creationId xmlns:p14="http://schemas.microsoft.com/office/powerpoint/2010/main" val="948815056"/>
+      </p:ext>
+    </p:extLst>
+  </p:cSld>
+  <p:clrMapOvr>
+    <a:masterClrMapping/>
+  </p:clrMapOvr>
+</p:sld>
+</file>
+
+<file path=ppt/slides/slide7.xml><?xml version="1.0" encoding="utf-8"?>
+<p:sld xmlns:a="http://schemas.openxmlformats.org/drawingml/2006/main" xmlns:r="http://schemas.openxmlformats.org/officeDocument/2006/relationships" xmlns:p="http://schemas.openxmlformats.org/presentationml/2006/main">
+  <p:cSld>
+    <p:spTree>
+      <p:nvGrpSpPr>
+        <p:cNvPr id="1" name=""/>
+        <p:cNvGrpSpPr/>
+        <p:nvPr/>
+      </p:nvGrpSpPr>
+      <p:grpSpPr>
+        <a:xfrm>
+          <a:off x="0" y="0"/>
+          <a:ext cx="0" cy="0"/>
+          <a:chOff x="0" y="0"/>
+          <a:chExt cx="0" cy="0"/>
+        </a:xfrm>
+      </p:grpSpPr>
+      <p:sp>
+        <p:nvSpPr>
+          <p:cNvPr id="56" name="流程图: 准备 55">
+            <a:extLst>
+              <a:ext uri="{FF2B5EF4-FFF2-40B4-BE49-F238E27FC236}">
+                <a16:creationId xmlns:a16="http://schemas.microsoft.com/office/drawing/2014/main" id="{B5F07A86-E2A7-492B-B7C2-CE2158C067FA}"/>
+              </a:ext>
+            </a:extLst>
+          </p:cNvPr>
+          <p:cNvSpPr/>
+          <p:nvPr/>
+        </p:nvSpPr>
+        <p:spPr>
+          <a:xfrm>
             <a:off x="4772026" y="2122162"/>
             <a:ext cx="2128837" cy="809278"/>
           </a:xfrm>
@@ -10103,7 +12842,7 @@
 </p:sld>
 </file>
 
-<file path=ppt/slides/slide7.xml><?xml version="1.0" encoding="utf-8"?>
+<file path=ppt/slides/slide8.xml><?xml version="1.0" encoding="utf-8"?>
 <p:sld xmlns:a="http://schemas.openxmlformats.org/drawingml/2006/main" xmlns:r="http://schemas.openxmlformats.org/officeDocument/2006/relationships" xmlns:p="http://schemas.openxmlformats.org/presentationml/2006/main">
   <p:cSld>
     <p:spTree>
